--- a/PPT/04- Angular Component Tree.pptx
+++ b/PPT/04- Angular Component Tree.pptx
@@ -5,7 +5,7 @@
     <p:sldMasterId id="2147483648" r:id="rId1"/>
   </p:sldMasterIdLst>
   <p:notesMasterIdLst>
-    <p:notesMasterId r:id="rId41"/>
+    <p:notesMasterId r:id="rId42"/>
   </p:notesMasterIdLst>
   <p:sldIdLst>
     <p:sldId id="256" r:id="rId2"/>
@@ -41,12 +41,13 @@
     <p:sldId id="280" r:id="rId32"/>
     <p:sldId id="281" r:id="rId33"/>
     <p:sldId id="282" r:id="rId34"/>
-    <p:sldId id="283" r:id="rId35"/>
-    <p:sldId id="284" r:id="rId36"/>
-    <p:sldId id="285" r:id="rId37"/>
-    <p:sldId id="286" r:id="rId38"/>
-    <p:sldId id="287" r:id="rId39"/>
-    <p:sldId id="288" r:id="rId40"/>
+    <p:sldId id="394" r:id="rId35"/>
+    <p:sldId id="283" r:id="rId36"/>
+    <p:sldId id="284" r:id="rId37"/>
+    <p:sldId id="285" r:id="rId38"/>
+    <p:sldId id="286" r:id="rId39"/>
+    <p:sldId id="287" r:id="rId40"/>
+    <p:sldId id="288" r:id="rId41"/>
   </p:sldIdLst>
   <p:sldSz cx="10693400" cy="7562850"/>
   <p:notesSz cx="10693400" cy="7562850"/>
@@ -558,7 +559,10 @@
           </a:bodyPr>
           <a:lstStyle/>
           <a:p>
-            <a:endParaRPr/>
+            <a:endParaRPr lang="nl-NL" dirty="0"/>
+          </a:p>
+          <a:p>
+            <a:endParaRPr dirty="0"/>
           </a:p>
         </p:txBody>
       </p:sp>
@@ -1371,7 +1375,33 @@
       </p:grpSpPr>
       <p:sp>
         <p:nvSpPr>
-          <p:cNvPr id="2" name="Notes Placeholder"/>
+          <p:cNvPr id="2" name="Slide Image Placeholder 1"/>
+          <p:cNvSpPr>
+            <a:spLocks noGrp="1" noRot="1" noChangeAspect="1"/>
+          </p:cNvSpPr>
+          <p:nvPr>
+            <p:ph type="sldImg"/>
+          </p:nvPr>
+        </p:nvSpPr>
+        <p:spPr>
+          <a:xfrm>
+            <a:off x="3543300" y="946150"/>
+            <a:ext cx="3606800" cy="2551113"/>
+          </a:xfrm>
+          <a:prstGeom prst="rect">
+            <a:avLst/>
+          </a:prstGeom>
+          <a:noFill/>
+          <a:ln w="12700">
+            <a:solidFill>
+              <a:prstClr val="black"/>
+            </a:solidFill>
+          </a:ln>
+        </p:spPr>
+      </p:sp>
+      <p:sp>
+        <p:nvSpPr>
+          <p:cNvPr id="3" name="Notes Placeholder 2"/>
           <p:cNvSpPr>
             <a:spLocks noGrp="1"/>
           </p:cNvSpPr>
@@ -1379,18 +1409,247 @@
             <p:ph type="body" idx="1"/>
           </p:nvPr>
         </p:nvSpPr>
-        <p:spPr/>
+        <p:spPr>
+          <a:xfrm>
+            <a:off x="1069975" y="3640138"/>
+            <a:ext cx="8553450" cy="2978150"/>
+          </a:xfrm>
+          <a:prstGeom prst="rect">
+            <a:avLst/>
+          </a:prstGeom>
+        </p:spPr>
         <p:txBody>
-          <a:bodyPr>
-            <a:normAutofit fontScale="25000" lnSpcReduction="20000"/>
-          </a:bodyPr>
+          <a:bodyPr/>
           <a:lstStyle/>
           <a:p>
-            <a:endParaRPr/>
+            <a:pPr rtl="0"/>
+            <a:r>
+              <a:rPr lang="en-GB" sz="1200" b="0" i="0" u="none" strike="noStrike" kern="1200" dirty="0">
+                <a:solidFill>
+                  <a:schemeClr val="tx1"/>
+                </a:solidFill>
+                <a:effectLst/>
+                <a:latin typeface="+mn-lt"/>
+                <a:ea typeface="+mn-ea"/>
+                <a:cs typeface="+mn-cs"/>
+              </a:rPr>
+              <a:t>A </a:t>
+            </a:r>
+            <a:r>
+              <a:rPr lang="en-GB" sz="1200" b="0" i="0" u="sng" strike="noStrike" kern="1200" dirty="0">
+                <a:solidFill>
+                  <a:schemeClr val="tx1"/>
+                </a:solidFill>
+                <a:effectLst/>
+                <a:latin typeface="+mn-lt"/>
+                <a:ea typeface="+mn-ea"/>
+                <a:cs typeface="+mn-cs"/>
+                <a:hlinkClick r:id="rId3"/>
+              </a:rPr>
+              <a:t>Subject</a:t>
+            </a:r>
+            <a:r>
+              <a:rPr lang="en-GB" sz="1200" b="0" i="0" u="none" strike="noStrike" kern="1200" dirty="0">
+                <a:solidFill>
+                  <a:schemeClr val="tx1"/>
+                </a:solidFill>
+                <a:effectLst/>
+                <a:latin typeface="+mn-lt"/>
+                <a:ea typeface="+mn-ea"/>
+                <a:cs typeface="+mn-cs"/>
+              </a:rPr>
+              <a:t> is a special type of Observable that observers can also subscribe to it to receive published values but with one difference: </a:t>
+            </a:r>
+            <a:r>
+              <a:rPr lang="en-GB" sz="1200" b="1" i="0" u="none" strike="noStrike" kern="1200" dirty="0">
+                <a:solidFill>
+                  <a:schemeClr val="tx1"/>
+                </a:solidFill>
+                <a:effectLst/>
+                <a:latin typeface="+mn-lt"/>
+                <a:ea typeface="+mn-ea"/>
+                <a:cs typeface="+mn-cs"/>
+              </a:rPr>
+              <a:t>The values are </a:t>
+            </a:r>
+            <a:r>
+              <a:rPr lang="en-GB" sz="1200" b="1" i="0" u="none" strike="noStrike" kern="1200" dirty="0" err="1">
+                <a:solidFill>
+                  <a:schemeClr val="tx1"/>
+                </a:solidFill>
+                <a:effectLst/>
+                <a:latin typeface="+mn-lt"/>
+                <a:ea typeface="+mn-ea"/>
+                <a:cs typeface="+mn-cs"/>
+              </a:rPr>
+              <a:t>multicasted</a:t>
+            </a:r>
+            <a:r>
+              <a:rPr lang="en-GB" sz="1200" b="1" i="0" u="none" strike="noStrike" kern="1200" dirty="0">
+                <a:solidFill>
+                  <a:schemeClr val="tx1"/>
+                </a:solidFill>
+                <a:effectLst/>
+                <a:latin typeface="+mn-lt"/>
+                <a:ea typeface="+mn-ea"/>
+                <a:cs typeface="+mn-cs"/>
+              </a:rPr>
+              <a:t> to many Observers.</a:t>
+            </a:r>
+            <a:endParaRPr lang="en-GB" b="0" dirty="0">
+              <a:effectLst/>
+            </a:endParaRPr>
+          </a:p>
+          <a:p>
+            <a:pPr rtl="0"/>
+            <a:r>
+              <a:rPr lang="en-GB" sz="1200" b="0" i="1" u="none" strike="noStrike" kern="1200" dirty="0">
+                <a:solidFill>
+                  <a:schemeClr val="tx1"/>
+                </a:solidFill>
+                <a:effectLst/>
+                <a:latin typeface="+mn-lt"/>
+                <a:ea typeface="+mn-ea"/>
+                <a:cs typeface="+mn-cs"/>
+              </a:rPr>
+              <a:t>Subjects are also </a:t>
+            </a:r>
+            <a:r>
+              <a:rPr lang="en-GB" sz="1200" b="1" i="1" u="none" strike="noStrike" kern="1200" dirty="0">
+                <a:solidFill>
+                  <a:schemeClr val="tx1"/>
+                </a:solidFill>
+                <a:effectLst/>
+                <a:latin typeface="+mn-lt"/>
+                <a:ea typeface="+mn-ea"/>
+                <a:cs typeface="+mn-cs"/>
+              </a:rPr>
+              <a:t>Observers</a:t>
+            </a:r>
+            <a:r>
+              <a:rPr lang="en-GB" sz="1200" b="0" i="1" u="none" strike="noStrike" kern="1200" dirty="0">
+                <a:solidFill>
+                  <a:schemeClr val="tx1"/>
+                </a:solidFill>
+                <a:effectLst/>
+                <a:latin typeface="+mn-lt"/>
+                <a:ea typeface="+mn-ea"/>
+                <a:cs typeface="+mn-cs"/>
+              </a:rPr>
+              <a:t> </a:t>
+            </a:r>
+            <a:r>
+              <a:rPr lang="en-GB" sz="1200" b="0" i="1" u="none" strike="noStrike" kern="1200" dirty="0" err="1">
+                <a:solidFill>
+                  <a:schemeClr val="tx1"/>
+                </a:solidFill>
+                <a:effectLst/>
+                <a:latin typeface="+mn-lt"/>
+                <a:ea typeface="+mn-ea"/>
+                <a:cs typeface="+mn-cs"/>
+              </a:rPr>
+              <a:t>i.e</a:t>
+            </a:r>
+            <a:r>
+              <a:rPr lang="en-GB" sz="1200" b="0" i="1" u="none" strike="noStrike" kern="1200" dirty="0">
+                <a:solidFill>
+                  <a:schemeClr val="tx1"/>
+                </a:solidFill>
+                <a:effectLst/>
+                <a:latin typeface="+mn-lt"/>
+                <a:ea typeface="+mn-ea"/>
+                <a:cs typeface="+mn-cs"/>
+              </a:rPr>
+              <a:t> they can also subscribe to other Observables and listen to published data.</a:t>
+            </a:r>
+            <a:endParaRPr lang="en-GB" b="0" dirty="0">
+              <a:effectLst/>
+            </a:endParaRPr>
+          </a:p>
+          <a:p>
+            <a:pPr rtl="0"/>
+            <a:br>
+              <a:rPr lang="en-GB" b="0" dirty="0">
+                <a:effectLst/>
+              </a:rPr>
+            </a:br>
+            <a:r>
+              <a:rPr lang="en-GB" sz="1200" b="0" i="1" u="none" strike="noStrike" kern="1200" dirty="0">
+                <a:solidFill>
+                  <a:schemeClr val="tx1"/>
+                </a:solidFill>
+                <a:effectLst/>
+                <a:latin typeface="+mn-lt"/>
+                <a:ea typeface="+mn-ea"/>
+                <a:cs typeface="+mn-cs"/>
+              </a:rPr>
+              <a:t> By default an </a:t>
+            </a:r>
+            <a:r>
+              <a:rPr lang="en-GB" sz="1200" b="0" i="1" u="none" strike="noStrike" kern="1200" dirty="0" err="1">
+                <a:solidFill>
+                  <a:schemeClr val="tx1"/>
+                </a:solidFill>
+                <a:effectLst/>
+                <a:latin typeface="+mn-lt"/>
+                <a:ea typeface="+mn-ea"/>
+                <a:cs typeface="+mn-cs"/>
+              </a:rPr>
+              <a:t>RxJS</a:t>
+            </a:r>
+            <a:r>
+              <a:rPr lang="en-GB" sz="1200" b="0" i="1" u="none" strike="noStrike" kern="1200" dirty="0">
+                <a:solidFill>
+                  <a:schemeClr val="tx1"/>
+                </a:solidFill>
+                <a:effectLst/>
+                <a:latin typeface="+mn-lt"/>
+                <a:ea typeface="+mn-ea"/>
+                <a:cs typeface="+mn-cs"/>
+              </a:rPr>
+              <a:t> Observable is unicast.</a:t>
+            </a:r>
+            <a:endParaRPr lang="en-GB" b="0" dirty="0">
+              <a:effectLst/>
+            </a:endParaRPr>
+          </a:p>
+          <a:p>
+            <a:pPr rtl="0"/>
+            <a:br>
+              <a:rPr lang="en-GB" b="0" dirty="0">
+                <a:effectLst/>
+              </a:rPr>
+            </a:br>
+            <a:r>
+              <a:rPr lang="en-GB" sz="1200" b="0" i="0" u="none" strike="noStrike" kern="1200" dirty="0">
+                <a:solidFill>
+                  <a:schemeClr val="tx1"/>
+                </a:solidFill>
+                <a:effectLst/>
+                <a:latin typeface="+mn-lt"/>
+                <a:ea typeface="+mn-ea"/>
+                <a:cs typeface="+mn-cs"/>
+              </a:rPr>
+              <a:t>Unicast simply means that each subscribed observer has an independent execution of the Observable while multicast means that the Observable execution is shared by multiple Observers.</a:t>
+            </a:r>
+            <a:endParaRPr lang="en-GB" b="0" dirty="0">
+              <a:effectLst/>
+            </a:endParaRPr>
+          </a:p>
+          <a:p>
+            <a:br>
+              <a:rPr lang="en-GB" dirty="0"/>
+            </a:br>
+            <a:endParaRPr lang="en-NL" dirty="0"/>
           </a:p>
         </p:txBody>
       </p:sp>
     </p:spTree>
+    <p:extLst>
+      <p:ext uri="{BB962C8B-B14F-4D97-AF65-F5344CB8AC3E}">
+        <p14:creationId xmlns:p14="http://schemas.microsoft.com/office/powerpoint/2010/main" val="3865990108"/>
+      </p:ext>
+    </p:extLst>
   </p:cSld>
   <p:clrMapOvr>
     <a:masterClrMapping/>
@@ -1583,6 +1842,52 @@
 </file>
 
 <file path=ppt/notesSlides/notesSlide35.xml><?xml version="1.0" encoding="utf-8"?>
+<p:notes xmlns:a="http://schemas.openxmlformats.org/drawingml/2006/main" xmlns:r="http://schemas.openxmlformats.org/officeDocument/2006/relationships" xmlns:p="http://schemas.openxmlformats.org/presentationml/2006/main">
+  <p:cSld>
+    <p:spTree>
+      <p:nvGrpSpPr>
+        <p:cNvPr id="1" name=""/>
+        <p:cNvGrpSpPr/>
+        <p:nvPr/>
+      </p:nvGrpSpPr>
+      <p:grpSpPr>
+        <a:xfrm>
+          <a:off x="0" y="0"/>
+          <a:ext cx="0" cy="0"/>
+          <a:chOff x="0" y="0"/>
+          <a:chExt cx="0" cy="0"/>
+        </a:xfrm>
+      </p:grpSpPr>
+      <p:sp>
+        <p:nvSpPr>
+          <p:cNvPr id="2" name="Notes Placeholder"/>
+          <p:cNvSpPr>
+            <a:spLocks noGrp="1"/>
+          </p:cNvSpPr>
+          <p:nvPr>
+            <p:ph type="body" idx="1"/>
+          </p:nvPr>
+        </p:nvSpPr>
+        <p:spPr/>
+        <p:txBody>
+          <a:bodyPr>
+            <a:normAutofit fontScale="25000" lnSpcReduction="20000"/>
+          </a:bodyPr>
+          <a:lstStyle/>
+          <a:p>
+            <a:endParaRPr/>
+          </a:p>
+        </p:txBody>
+      </p:sp>
+    </p:spTree>
+  </p:cSld>
+  <p:clrMapOvr>
+    <a:masterClrMapping/>
+  </p:clrMapOvr>
+</p:notes>
+</file>
+
+<file path=ppt/notesSlides/notesSlide36.xml><?xml version="1.0" encoding="utf-8"?>
 <p:notes xmlns:a="http://schemas.openxmlformats.org/drawingml/2006/main" xmlns:r="http://schemas.openxmlformats.org/officeDocument/2006/relationships" xmlns:p="http://schemas.openxmlformats.org/presentationml/2006/main">
   <p:cSld>
     <p:spTree>
@@ -2396,7 +2701,7 @@
           <a:p>
             <a:fld id="{3684521C-F147-C24A-A391-648ECBD2901C}" type="datetime1">
               <a:rPr lang="en-US" smtClean="0"/>
-              <a:t>6/8/20</a:t>
+              <a:t>6/10/20</a:t>
             </a:fld>
             <a:endParaRPr lang="en-US"/>
           </a:p>
@@ -2550,7 +2855,7 @@
           <a:p>
             <a:fld id="{E850CB69-7D8B-9F4E-BED9-901DCAE946AB}" type="datetime1">
               <a:rPr lang="en-US" smtClean="0"/>
-              <a:t>6/8/20</a:t>
+              <a:t>6/10/20</a:t>
             </a:fld>
             <a:endParaRPr lang="en-US"/>
           </a:p>
@@ -2783,7 +3088,7 @@
           <a:p>
             <a:fld id="{FDA6B9DC-9839-E24A-9DBE-68BCC9C6D304}" type="datetime1">
               <a:rPr lang="en-US" smtClean="0"/>
-              <a:t>6/8/20</a:t>
+              <a:t>6/10/20</a:t>
             </a:fld>
             <a:endParaRPr lang="en-US"/>
           </a:p>
@@ -2908,7 +3213,7 @@
           <a:p>
             <a:fld id="{16B0123C-B19C-2541-A249-CC118E280FC0}" type="datetime1">
               <a:rPr lang="en-US" smtClean="0"/>
-              <a:t>6/8/20</a:t>
+              <a:t>6/10/20</a:t>
             </a:fld>
             <a:endParaRPr lang="en-US"/>
           </a:p>
@@ -3004,7 +3309,7 @@
           <a:p>
             <a:fld id="{7A20ED1D-FFB4-6144-9B3D-3C04FD3360E4}" type="datetime1">
               <a:rPr lang="en-US" smtClean="0"/>
-              <a:t>6/8/20</a:t>
+              <a:t>6/10/20</a:t>
             </a:fld>
             <a:endParaRPr lang="en-US"/>
           </a:p>
@@ -3856,7 +4161,7 @@
           <a:p>
             <a:fld id="{5ADC4E92-36BB-AA43-A533-B6B376F1612C}" type="datetime1">
               <a:rPr lang="en-US" smtClean="0"/>
-              <a:t>6/8/20</a:t>
+              <a:t>6/10/20</a:t>
             </a:fld>
             <a:endParaRPr lang="en-US"/>
           </a:p>
@@ -5472,7 +5777,11 @@
               </a:lnSpc>
             </a:pPr>
             <a:r>
-              <a:rPr spc="15" dirty="0"/>
+              <a:rPr i="1" spc="15" dirty="0">
+                <a:solidFill>
+                  <a:srgbClr val="FF0000"/>
+                </a:solidFill>
+              </a:rPr>
               <a:t>Parent-Child</a:t>
             </a:r>
             <a:r>
@@ -7475,12 +7784,24 @@
               <a:t> </a:t>
             </a:r>
             <a:r>
-              <a:rPr spc="15" dirty="0"/>
+              <a:rPr i="1" spc="15" dirty="0">
+                <a:solidFill>
+                  <a:srgbClr val="FF0000"/>
+                </a:solidFill>
+              </a:rPr>
               <a:t>@Input()</a:t>
             </a:r>
             <a:r>
+              <a:rPr lang="nl-NL" i="1" spc="15" dirty="0">
+                <a:solidFill>
+                  <a:srgbClr val="FF0000"/>
+                </a:solidFill>
+              </a:rPr>
+              <a:t> </a:t>
+            </a:r>
+            <a:r>
               <a:rPr lang="nl-NL" spc="15" dirty="0"/>
-              <a:t> in </a:t>
+              <a:t>in </a:t>
             </a:r>
             <a:r>
               <a:rPr lang="nl-NL" spc="15" dirty="0" err="1"/>
@@ -11217,7 +11538,11 @@
             </a:r>
             <a:r>
               <a:rPr spc="15" dirty="0"/>
-              <a:t>-app:</a:t>
+              <a:t>-app</a:t>
+            </a:r>
+            <a:r>
+              <a:rPr lang="nl-NL" spc="15" dirty="0"/>
+              <a:t> =</a:t>
             </a:r>
             <a:r>
               <a:rPr spc="260" dirty="0">
@@ -15321,11 +15646,18 @@
               </a:lnSpc>
             </a:pPr>
             <a:r>
-              <a:rPr spc="15" dirty="0"/>
+              <a:rPr i="1" spc="15" dirty="0">
+                <a:solidFill>
+                  <a:srgbClr val="FF0000"/>
+                </a:solidFill>
+              </a:rPr>
               <a:t>Child-Parent</a:t>
             </a:r>
             <a:r>
-              <a:rPr spc="250" dirty="0">
+              <a:rPr i="1" spc="250" dirty="0">
+                <a:solidFill>
+                  <a:srgbClr val="FF0000"/>
+                </a:solidFill>
                 <a:latin typeface="Times New Roman"/>
                 <a:cs typeface="Times New Roman"/>
               </a:rPr>
@@ -18167,7 +18499,7 @@
           </a:bodyPr>
           <a:lstStyle/>
           <a:p>
-            <a:pPr marL="567055">
+            <a:pPr marL="567055" algn="ctr">
               <a:lnSpc>
                 <a:spcPts val="3229"/>
               </a:lnSpc>
@@ -20506,7 +20838,7 @@
         </p:nvSpPr>
         <p:spPr>
           <a:xfrm>
-            <a:off x="0" y="259583"/>
+            <a:off x="-215900" y="511366"/>
             <a:ext cx="10693399" cy="401457"/>
           </a:xfrm>
           <a:prstGeom prst="rect">
@@ -22397,7 +22729,7 @@
           </a:bodyPr>
           <a:lstStyle/>
           <a:p>
-            <a:pPr marL="464184">
+            <a:pPr marL="464184" algn="ctr">
               <a:lnSpc>
                 <a:spcPct val="100000"/>
               </a:lnSpc>
@@ -26557,68 +26889,47 @@
               </a:lnSpc>
             </a:pPr>
             <a:r>
-              <a:rPr spc="10" dirty="0"/>
-              <a:t>Applicatio</a:t>
-            </a:r>
-            <a:r>
-              <a:rPr spc="15" dirty="0"/>
-              <a:t>n</a:t>
-            </a:r>
-            <a:r>
-              <a:rPr spc="310" dirty="0">
+              <a:rPr lang="en-GB" spc="10" dirty="0"/>
+              <a:t>Angular</a:t>
+            </a:r>
+            <a:r>
+              <a:rPr lang="en-GB" spc="15" dirty="0"/>
+              <a:t>-app =</a:t>
+            </a:r>
+            <a:r>
+              <a:rPr lang="en-GB" spc="260" dirty="0">
                 <a:latin typeface="Times New Roman"/>
                 <a:cs typeface="Times New Roman"/>
               </a:rPr>
               <a:t> </a:t>
             </a:r>
             <a:r>
-              <a:rPr spc="15" dirty="0"/>
-              <a:t>as</a:t>
-            </a:r>
-            <a:r>
-              <a:rPr spc="265" dirty="0">
+              <a:rPr lang="en-GB" spc="15" dirty="0"/>
+              <a:t>Tree</a:t>
+            </a:r>
+            <a:r>
+              <a:rPr lang="en-GB" spc="260" dirty="0">
                 <a:latin typeface="Times New Roman"/>
                 <a:cs typeface="Times New Roman"/>
               </a:rPr>
               <a:t> </a:t>
             </a:r>
             <a:r>
-              <a:rPr spc="15" dirty="0"/>
-              <a:t>a</a:t>
-            </a:r>
-            <a:r>
-              <a:rPr spc="265" dirty="0">
+              <a:rPr lang="en-GB" spc="15" dirty="0"/>
+              <a:t>of</a:t>
+            </a:r>
+            <a:r>
+              <a:rPr lang="en-GB" spc="260" dirty="0">
                 <a:latin typeface="Times New Roman"/>
                 <a:cs typeface="Times New Roman"/>
               </a:rPr>
               <a:t> </a:t>
             </a:r>
             <a:r>
-              <a:rPr spc="15" dirty="0"/>
-              <a:t>tree</a:t>
-            </a:r>
-            <a:r>
-              <a:rPr spc="254" dirty="0">
-                <a:latin typeface="Times New Roman"/>
-                <a:cs typeface="Times New Roman"/>
-              </a:rPr>
-              <a:t> </a:t>
-            </a:r>
-            <a:r>
-              <a:rPr spc="15" dirty="0"/>
-              <a:t>of</a:t>
-            </a:r>
-            <a:r>
-              <a:rPr spc="260" dirty="0">
-                <a:latin typeface="Times New Roman"/>
-                <a:cs typeface="Times New Roman"/>
-              </a:rPr>
-              <a:t> </a:t>
-            </a:r>
-            <a:r>
-              <a:rPr spc="10" dirty="0"/>
+              <a:rPr lang="en-GB" spc="10" dirty="0"/>
               <a:t>components</a:t>
             </a:r>
+            <a:endParaRPr spc="10" dirty="0"/>
           </a:p>
         </p:txBody>
       </p:sp>
@@ -27027,6 +27338,9 @@
             </a:pPr>
             <a:r>
               <a:rPr lang="nl-NL" sz="1950" spc="-20" dirty="0" err="1">
+                <a:solidFill>
+                  <a:srgbClr val="FF0000"/>
+                </a:solidFill>
                 <a:latin typeface="Verdana"/>
                 <a:cs typeface="Verdana"/>
               </a:rPr>
@@ -40180,15 +40494,74 @@
           <a:chExt cx="0" cy="0"/>
         </a:xfrm>
       </p:grpSpPr>
+      <p:pic>
+        <p:nvPicPr>
+          <p:cNvPr id="5" name="Picture 4">
+            <a:extLst>
+              <a:ext uri="{FF2B5EF4-FFF2-40B4-BE49-F238E27FC236}">
+                <a16:creationId xmlns:a16="http://schemas.microsoft.com/office/drawing/2014/main" id="{433FEA7B-DD5B-F347-9222-D40161A30C65}"/>
+              </a:ext>
+            </a:extLst>
+          </p:cNvPr>
+          <p:cNvPicPr>
+            <a:picLocks noChangeAspect="1"/>
+          </p:cNvPicPr>
+          <p:nvPr/>
+        </p:nvPicPr>
+        <p:blipFill>
+          <a:blip r:embed="rId3"/>
+          <a:stretch>
+            <a:fillRect/>
+          </a:stretch>
+        </p:blipFill>
+        <p:spPr>
+          <a:xfrm>
+            <a:off x="3003550" y="1997075"/>
+            <a:ext cx="4686300" cy="3568700"/>
+          </a:xfrm>
+          <a:prstGeom prst="rect">
+            <a:avLst/>
+          </a:prstGeom>
+        </p:spPr>
+      </p:pic>
       <p:sp>
         <p:nvSpPr>
-          <p:cNvPr id="2" name="object 2"/>
-          <p:cNvSpPr txBox="1">
+          <p:cNvPr id="7" name="Title 6">
+            <a:extLst>
+              <a:ext uri="{FF2B5EF4-FFF2-40B4-BE49-F238E27FC236}">
+                <a16:creationId xmlns:a16="http://schemas.microsoft.com/office/drawing/2014/main" id="{88C7F611-5104-734E-AC66-16CA33620991}"/>
+              </a:ext>
+            </a:extLst>
+          </p:cNvPr>
+          <p:cNvSpPr>
             <a:spLocks noGrp="1"/>
           </p:cNvSpPr>
           <p:nvPr>
             <p:ph type="title"/>
           </p:nvPr>
+        </p:nvSpPr>
+        <p:spPr/>
+        <p:txBody>
+          <a:bodyPr/>
+          <a:lstStyle/>
+          <a:p>
+            <a:endParaRPr lang="en-NL"/>
+          </a:p>
+        </p:txBody>
+      </p:sp>
+      <p:sp>
+        <p:nvSpPr>
+          <p:cNvPr id="8" name="object 2">
+            <a:extLst>
+              <a:ext uri="{FF2B5EF4-FFF2-40B4-BE49-F238E27FC236}">
+                <a16:creationId xmlns:a16="http://schemas.microsoft.com/office/drawing/2014/main" id="{261CC0AB-B1BA-B44F-B808-2EEB2F95B031}"/>
+              </a:ext>
+            </a:extLst>
+          </p:cNvPr>
+          <p:cNvSpPr txBox="1">
+            <a:spLocks/>
+          </p:cNvSpPr>
+          <p:nvPr/>
         </p:nvSpPr>
         <p:spPr>
           <a:xfrm>
@@ -40203,355 +40576,34 @@
           <a:bodyPr vert="horz" wrap="square" lIns="0" tIns="212598" rIns="0" bIns="0" rtlCol="0">
             <a:spAutoFit/>
           </a:bodyPr>
-          <a:lstStyle/>
-          <a:p>
-            <a:pPr marL="464184" algn="ctr">
-              <a:lnSpc>
-                <a:spcPct val="100000"/>
-              </a:lnSpc>
-            </a:pPr>
-            <a:r>
-              <a:rPr lang="nl-NL" spc="15" dirty="0" err="1"/>
-              <a:t>Use</a:t>
-            </a:r>
-            <a:r>
-              <a:rPr lang="nl-NL" spc="15" dirty="0"/>
-              <a:t> Subject</a:t>
-            </a:r>
-            <a:endParaRPr spc="15" dirty="0"/>
-          </a:p>
-        </p:txBody>
-      </p:sp>
-      <p:sp>
-        <p:nvSpPr>
-          <p:cNvPr id="3" name="object 3"/>
-          <p:cNvSpPr txBox="1">
-            <a:spLocks noGrp="1"/>
-          </p:cNvSpPr>
-          <p:nvPr>
-            <p:ph type="body" idx="1"/>
-          </p:nvPr>
-        </p:nvSpPr>
-        <p:spPr>
-          <a:xfrm>
-            <a:off x="611745" y="1654272"/>
-            <a:ext cx="9469909" cy="2603277"/>
-          </a:xfrm>
-          <a:prstGeom prst="rect">
-            <a:avLst/>
-          </a:prstGeom>
-        </p:spPr>
-        <p:txBody>
-          <a:bodyPr vert="horz" wrap="square" lIns="0" tIns="0" rIns="0" bIns="0" rtlCol="0">
-            <a:spAutoFit/>
-          </a:bodyPr>
-          <a:lstStyle/>
-          <a:p>
-            <a:pPr marL="819785">
-              <a:lnSpc>
-                <a:spcPct val="100000"/>
-              </a:lnSpc>
-            </a:pPr>
-            <a:r>
-              <a:rPr lang="nl-NL" spc="-20" dirty="0" err="1"/>
-              <a:t>From</a:t>
-            </a:r>
-            <a:r>
-              <a:rPr spc="285" dirty="0">
-                <a:latin typeface="Times New Roman"/>
-                <a:cs typeface="Times New Roman"/>
-              </a:rPr>
-              <a:t> </a:t>
-            </a:r>
-            <a:r>
-              <a:rPr spc="-20" dirty="0"/>
-              <a:t>RxJs-bibliotheek</a:t>
-            </a:r>
-            <a:r>
-              <a:rPr spc="-10" dirty="0"/>
-              <a:t>,</a:t>
-            </a:r>
-            <a:r>
-              <a:rPr spc="315" dirty="0">
-                <a:latin typeface="Times New Roman"/>
-                <a:cs typeface="Times New Roman"/>
-              </a:rPr>
-              <a:t> </a:t>
-            </a:r>
-            <a:r>
-              <a:rPr lang="nl-NL" spc="-25" dirty="0" err="1"/>
-              <a:t>use</a:t>
-            </a:r>
-            <a:r>
-              <a:rPr lang="nl-NL" spc="-25" dirty="0"/>
-              <a:t> </a:t>
-            </a:r>
-            <a:r>
-              <a:rPr spc="-20" dirty="0"/>
-              <a:t>:</a:t>
-            </a:r>
-            <a:endParaRPr lang="en-GB" spc="-20" dirty="0"/>
-          </a:p>
-          <a:p>
-            <a:pPr marL="819785">
-              <a:lnSpc>
-                <a:spcPct val="100000"/>
-              </a:lnSpc>
-              <a:spcBef>
-                <a:spcPts val="2160"/>
-              </a:spcBef>
-              <a:tabLst>
-                <a:tab pos="1161415" algn="l"/>
-              </a:tabLst>
-            </a:pPr>
-            <a:r>
-              <a:rPr lang="en-GB" b="1" spc="-25" dirty="0">
-                <a:solidFill>
-                  <a:srgbClr val="C00000"/>
-                </a:solidFill>
-                <a:latin typeface="Courier New"/>
-                <a:cs typeface="Courier New"/>
-              </a:rPr>
-              <a:t>Subject(</a:t>
-            </a:r>
-            <a:r>
-              <a:rPr lang="en-GB" b="1" spc="-20" dirty="0">
-                <a:solidFill>
-                  <a:srgbClr val="C00000"/>
-                </a:solidFill>
-                <a:latin typeface="Courier New"/>
-                <a:cs typeface="Courier New"/>
-              </a:rPr>
-              <a:t>)</a:t>
-            </a:r>
-            <a:r>
-              <a:rPr lang="en-GB" b="1" spc="-665" dirty="0">
-                <a:solidFill>
-                  <a:srgbClr val="C00000"/>
-                </a:solidFill>
-                <a:latin typeface="Courier New"/>
-                <a:cs typeface="Courier New"/>
-              </a:rPr>
-              <a:t> </a:t>
-            </a:r>
-            <a:r>
-              <a:rPr lang="en-GB" b="1" spc="-20" dirty="0">
-                <a:solidFill>
-                  <a:srgbClr val="C00000"/>
-                </a:solidFill>
-              </a:rPr>
-              <a:t>(</a:t>
-            </a:r>
-            <a:r>
-              <a:rPr lang="en-GB" b="1" spc="-35" dirty="0">
-                <a:solidFill>
-                  <a:srgbClr val="C00000"/>
-                </a:solidFill>
-              </a:rPr>
-              <a:t>is</a:t>
-            </a:r>
-            <a:r>
-              <a:rPr lang="en-GB" b="1" spc="265" dirty="0">
-                <a:solidFill>
-                  <a:srgbClr val="C00000"/>
-                </a:solidFill>
-                <a:latin typeface="Times New Roman"/>
-                <a:cs typeface="Times New Roman"/>
-              </a:rPr>
-              <a:t> </a:t>
-            </a:r>
-            <a:r>
-              <a:rPr lang="en-GB" b="1" spc="-25" dirty="0">
-                <a:solidFill>
-                  <a:srgbClr val="C00000"/>
-                </a:solidFill>
-                <a:latin typeface="Courier New"/>
-                <a:cs typeface="Courier New"/>
-              </a:rPr>
-              <a:t>Observabl</a:t>
-            </a:r>
-            <a:r>
-              <a:rPr lang="en-GB" b="1" spc="-20" dirty="0">
-                <a:solidFill>
-                  <a:srgbClr val="C00000"/>
-                </a:solidFill>
-                <a:latin typeface="Courier New"/>
-                <a:cs typeface="Courier New"/>
-              </a:rPr>
-              <a:t>e</a:t>
-            </a:r>
-            <a:r>
-              <a:rPr lang="en-GB" b="1" spc="-660" dirty="0">
-                <a:solidFill>
-                  <a:srgbClr val="C00000"/>
-                </a:solidFill>
-                <a:latin typeface="Courier New"/>
-                <a:cs typeface="Courier New"/>
-              </a:rPr>
-              <a:t> </a:t>
-            </a:r>
-            <a:r>
-              <a:rPr lang="en-GB" b="1" spc="-15" dirty="0">
-                <a:solidFill>
-                  <a:srgbClr val="C00000"/>
-                </a:solidFill>
-              </a:rPr>
-              <a:t>and also</a:t>
-            </a:r>
-            <a:r>
-              <a:rPr lang="en-GB" b="1" spc="260" dirty="0">
-                <a:solidFill>
-                  <a:srgbClr val="C00000"/>
-                </a:solidFill>
-                <a:latin typeface="Times New Roman"/>
-                <a:cs typeface="Times New Roman"/>
-              </a:rPr>
-              <a:t> </a:t>
-            </a:r>
-            <a:r>
-              <a:rPr lang="en-GB" b="1" spc="-25" dirty="0">
-                <a:solidFill>
-                  <a:srgbClr val="C00000"/>
-                </a:solidFill>
-                <a:latin typeface="Courier New"/>
-                <a:cs typeface="Courier New"/>
-              </a:rPr>
-              <a:t>Observer</a:t>
-            </a:r>
-            <a:r>
-              <a:rPr lang="en-GB" b="1" spc="-15" dirty="0">
-                <a:solidFill>
-                  <a:srgbClr val="C00000"/>
-                </a:solidFill>
-              </a:rPr>
-              <a:t>)</a:t>
-            </a:r>
-          </a:p>
-          <a:p>
-            <a:pPr marL="819785">
-              <a:lnSpc>
-                <a:spcPct val="100000"/>
-              </a:lnSpc>
-              <a:spcBef>
-                <a:spcPts val="2160"/>
-              </a:spcBef>
-              <a:tabLst>
-                <a:tab pos="1161415" algn="l"/>
-              </a:tabLst>
-            </a:pPr>
-            <a:endParaRPr lang="en-GB" b="1" spc="-15" dirty="0">
-              <a:solidFill>
-                <a:srgbClr val="C00000"/>
-              </a:solidFill>
-            </a:endParaRPr>
-          </a:p>
-          <a:p>
-            <a:pPr marL="807085">
-              <a:lnSpc>
-                <a:spcPct val="100000"/>
-              </a:lnSpc>
-              <a:spcBef>
-                <a:spcPts val="4"/>
-              </a:spcBef>
-            </a:pPr>
-            <a:endParaRPr sz="2250" dirty="0">
-              <a:latin typeface="Times New Roman"/>
-              <a:cs typeface="Times New Roman"/>
-            </a:endParaRPr>
-          </a:p>
-          <a:p>
-            <a:pPr marL="819785">
-              <a:lnSpc>
-                <a:spcPct val="100000"/>
-              </a:lnSpc>
-            </a:pPr>
-            <a:r>
-              <a:rPr sz="3200" i="1" spc="10" dirty="0">
+          <a:lstStyle>
+            <a:lvl1pPr>
+              <a:defRPr sz="2750" b="1" i="0">
+                <a:solidFill>
+                  <a:schemeClr val="tx1"/>
+                </a:solidFill>
                 <a:latin typeface="Verdana"/>
+                <a:ea typeface="+mj-ea"/>
                 <a:cs typeface="Verdana"/>
-              </a:rPr>
-              <a:t>“Publis</a:t>
-            </a:r>
-            <a:r>
-              <a:rPr sz="3200" i="1" spc="20" dirty="0">
-                <a:latin typeface="Verdana"/>
-                <a:cs typeface="Verdana"/>
-              </a:rPr>
-              <a:t>h</a:t>
-            </a:r>
-            <a:r>
-              <a:rPr sz="3200" i="1" spc="335" dirty="0">
-                <a:latin typeface="Times New Roman"/>
-                <a:cs typeface="Times New Roman"/>
-              </a:rPr>
-              <a:t> </a:t>
-            </a:r>
-            <a:r>
-              <a:rPr sz="3200" i="1" spc="15" dirty="0">
-                <a:latin typeface="Verdana"/>
-                <a:cs typeface="Verdana"/>
-              </a:rPr>
-              <a:t>en</a:t>
-            </a:r>
-            <a:r>
-              <a:rPr sz="3200" i="1" spc="325" dirty="0">
-                <a:latin typeface="Times New Roman"/>
-                <a:cs typeface="Times New Roman"/>
-              </a:rPr>
-              <a:t> </a:t>
-            </a:r>
-            <a:r>
-              <a:rPr sz="3200" i="1" spc="15" dirty="0">
-                <a:latin typeface="Verdana"/>
-                <a:cs typeface="Verdana"/>
-              </a:rPr>
-              <a:t>Subscribe”</a:t>
-            </a:r>
-            <a:r>
-              <a:rPr sz="3200" i="1" spc="315" dirty="0">
-                <a:latin typeface="Times New Roman"/>
-                <a:cs typeface="Times New Roman"/>
-              </a:rPr>
-              <a:t> </a:t>
-            </a:r>
-            <a:r>
-              <a:rPr sz="3200" spc="20" dirty="0"/>
-              <a:t>–</a:t>
-            </a:r>
-            <a:r>
-              <a:rPr sz="3200" spc="335" dirty="0">
-                <a:latin typeface="Times New Roman"/>
-                <a:cs typeface="Times New Roman"/>
-              </a:rPr>
-              <a:t> </a:t>
-            </a:r>
-            <a:r>
-              <a:rPr sz="3200" spc="20" dirty="0"/>
-              <a:t>PubSub</a:t>
-            </a:r>
-            <a:r>
-              <a:rPr sz="3200" spc="335" dirty="0">
-                <a:latin typeface="Times New Roman"/>
-                <a:cs typeface="Times New Roman"/>
-              </a:rPr>
-              <a:t> </a:t>
-            </a:r>
-            <a:r>
-              <a:rPr sz="3200" spc="10" dirty="0"/>
-              <a:t>s</a:t>
-            </a:r>
-            <a:r>
-              <a:rPr sz="3200" spc="15" dirty="0"/>
-              <a:t>ysteem</a:t>
-            </a:r>
-            <a:endParaRPr sz="3200" dirty="0">
-              <a:latin typeface="Times New Roman"/>
-              <a:cs typeface="Times New Roman"/>
-            </a:endParaRPr>
+              </a:defRPr>
+            </a:lvl1pPr>
+          </a:lstStyle>
+          <a:p>
+            <a:pPr marL="464184" algn="ctr"/>
+            <a:r>
+              <a:rPr lang="nl-NL" kern="0" spc="15"/>
+              <a:t>Use Subject</a:t>
+            </a:r>
+            <a:endParaRPr lang="nl-NL" kern="0" spc="15" dirty="0"/>
           </a:p>
         </p:txBody>
       </p:sp>
     </p:spTree>
+    <p:extLst>
+      <p:ext uri="{BB962C8B-B14F-4D97-AF65-F5344CB8AC3E}">
+        <p14:creationId xmlns:p14="http://schemas.microsoft.com/office/powerpoint/2010/main" val="2687780249"/>
+      </p:ext>
+    </p:extLst>
   </p:cSld>
   <p:clrMapOvr>
     <a:masterClrMapping/>
@@ -40560,1628 +40612,6 @@
 </file>
 
 <file path=ppt/slides/slide35.xml><?xml version="1.0" encoding="utf-8"?>
-<p:sld xmlns:a="http://schemas.openxmlformats.org/drawingml/2006/main" xmlns:r="http://schemas.openxmlformats.org/officeDocument/2006/relationships" xmlns:p="http://schemas.openxmlformats.org/presentationml/2006/main">
-  <p:cSld>
-    <p:spTree>
-      <p:nvGrpSpPr>
-        <p:cNvPr id="1" name=""/>
-        <p:cNvGrpSpPr/>
-        <p:nvPr/>
-      </p:nvGrpSpPr>
-      <p:grpSpPr>
-        <a:xfrm>
-          <a:off x="0" y="0"/>
-          <a:ext cx="0" cy="0"/>
-          <a:chOff x="0" y="0"/>
-          <a:chExt cx="0" cy="0"/>
-        </a:xfrm>
-      </p:grpSpPr>
-      <p:sp>
-        <p:nvSpPr>
-          <p:cNvPr id="2" name="object 2"/>
-          <p:cNvSpPr/>
-          <p:nvPr/>
-        </p:nvSpPr>
-        <p:spPr>
-          <a:xfrm>
-            <a:off x="1383673" y="824487"/>
-            <a:ext cx="8860790" cy="5828665"/>
-          </a:xfrm>
-          <a:custGeom>
-            <a:avLst/>
-            <a:gdLst/>
-            <a:ahLst/>
-            <a:cxnLst/>
-            <a:rect l="l" t="t" r="r" b="b"/>
-            <a:pathLst>
-              <a:path w="8860790" h="5828665">
-                <a:moveTo>
-                  <a:pt x="0" y="5828537"/>
-                </a:moveTo>
-                <a:lnTo>
-                  <a:pt x="8860535" y="5828537"/>
-                </a:lnTo>
-                <a:lnTo>
-                  <a:pt x="8860535" y="0"/>
-                </a:lnTo>
-                <a:lnTo>
-                  <a:pt x="0" y="0"/>
-                </a:lnTo>
-                <a:lnTo>
-                  <a:pt x="0" y="5828537"/>
-                </a:lnTo>
-                <a:close/>
-              </a:path>
-            </a:pathLst>
-          </a:custGeom>
-          <a:solidFill>
-            <a:srgbClr val="DDF3EA"/>
-          </a:solidFill>
-        </p:spPr>
-        <p:txBody>
-          <a:bodyPr wrap="square" lIns="0" tIns="0" rIns="0" bIns="0" rtlCol="0"/>
-          <a:lstStyle/>
-          <a:p>
-            <a:endParaRPr/>
-          </a:p>
-        </p:txBody>
-      </p:sp>
-      <p:sp>
-        <p:nvSpPr>
-          <p:cNvPr id="3" name="object 3"/>
-          <p:cNvSpPr/>
-          <p:nvPr/>
-        </p:nvSpPr>
-        <p:spPr>
-          <a:xfrm>
-            <a:off x="1694569" y="1147581"/>
-            <a:ext cx="4281805" cy="3184525"/>
-          </a:xfrm>
-          <a:custGeom>
-            <a:avLst/>
-            <a:gdLst/>
-            <a:ahLst/>
-            <a:cxnLst/>
-            <a:rect l="l" t="t" r="r" b="b"/>
-            <a:pathLst>
-              <a:path w="4281805" h="3184525">
-                <a:moveTo>
-                  <a:pt x="4281677" y="0"/>
-                </a:moveTo>
-                <a:lnTo>
-                  <a:pt x="0" y="0"/>
-                </a:lnTo>
-                <a:lnTo>
-                  <a:pt x="0" y="3184397"/>
-                </a:lnTo>
-                <a:lnTo>
-                  <a:pt x="4281677" y="3184397"/>
-                </a:lnTo>
-                <a:lnTo>
-                  <a:pt x="4281677" y="3177539"/>
-                </a:lnTo>
-                <a:lnTo>
-                  <a:pt x="13715" y="3177539"/>
-                </a:lnTo>
-                <a:lnTo>
-                  <a:pt x="6857" y="3170681"/>
-                </a:lnTo>
-                <a:lnTo>
-                  <a:pt x="13715" y="3170681"/>
-                </a:lnTo>
-                <a:lnTo>
-                  <a:pt x="13715" y="13715"/>
-                </a:lnTo>
-                <a:lnTo>
-                  <a:pt x="6857" y="13715"/>
-                </a:lnTo>
-                <a:lnTo>
-                  <a:pt x="13715" y="6857"/>
-                </a:lnTo>
-                <a:lnTo>
-                  <a:pt x="4281677" y="6857"/>
-                </a:lnTo>
-                <a:lnTo>
-                  <a:pt x="4281677" y="0"/>
-                </a:lnTo>
-                <a:close/>
-              </a:path>
-              <a:path w="4281805" h="3184525">
-                <a:moveTo>
-                  <a:pt x="13715" y="3170681"/>
-                </a:moveTo>
-                <a:lnTo>
-                  <a:pt x="6857" y="3170681"/>
-                </a:lnTo>
-                <a:lnTo>
-                  <a:pt x="13715" y="3177539"/>
-                </a:lnTo>
-                <a:lnTo>
-                  <a:pt x="13715" y="3170681"/>
-                </a:lnTo>
-                <a:close/>
-              </a:path>
-              <a:path w="4281805" h="3184525">
-                <a:moveTo>
-                  <a:pt x="4267958" y="3170681"/>
-                </a:moveTo>
-                <a:lnTo>
-                  <a:pt x="13715" y="3170681"/>
-                </a:lnTo>
-                <a:lnTo>
-                  <a:pt x="13715" y="3177539"/>
-                </a:lnTo>
-                <a:lnTo>
-                  <a:pt x="4267958" y="3177539"/>
-                </a:lnTo>
-                <a:lnTo>
-                  <a:pt x="4267958" y="3170681"/>
-                </a:lnTo>
-                <a:close/>
-              </a:path>
-              <a:path w="4281805" h="3184525">
-                <a:moveTo>
-                  <a:pt x="4267958" y="6857"/>
-                </a:moveTo>
-                <a:lnTo>
-                  <a:pt x="4267958" y="3177539"/>
-                </a:lnTo>
-                <a:lnTo>
-                  <a:pt x="4274816" y="3170681"/>
-                </a:lnTo>
-                <a:lnTo>
-                  <a:pt x="4281677" y="3170681"/>
-                </a:lnTo>
-                <a:lnTo>
-                  <a:pt x="4281677" y="13715"/>
-                </a:lnTo>
-                <a:lnTo>
-                  <a:pt x="4274816" y="13715"/>
-                </a:lnTo>
-                <a:lnTo>
-                  <a:pt x="4267958" y="6857"/>
-                </a:lnTo>
-                <a:close/>
-              </a:path>
-              <a:path w="4281805" h="3184525">
-                <a:moveTo>
-                  <a:pt x="4281677" y="3170681"/>
-                </a:moveTo>
-                <a:lnTo>
-                  <a:pt x="4274816" y="3170681"/>
-                </a:lnTo>
-                <a:lnTo>
-                  <a:pt x="4267958" y="3177539"/>
-                </a:lnTo>
-                <a:lnTo>
-                  <a:pt x="4281677" y="3177539"/>
-                </a:lnTo>
-                <a:lnTo>
-                  <a:pt x="4281677" y="3170681"/>
-                </a:lnTo>
-                <a:close/>
-              </a:path>
-              <a:path w="4281805" h="3184525">
-                <a:moveTo>
-                  <a:pt x="13715" y="6857"/>
-                </a:moveTo>
-                <a:lnTo>
-                  <a:pt x="6857" y="13715"/>
-                </a:lnTo>
-                <a:lnTo>
-                  <a:pt x="13715" y="13715"/>
-                </a:lnTo>
-                <a:lnTo>
-                  <a:pt x="13715" y="6857"/>
-                </a:lnTo>
-                <a:close/>
-              </a:path>
-              <a:path w="4281805" h="3184525">
-                <a:moveTo>
-                  <a:pt x="4267958" y="6857"/>
-                </a:moveTo>
-                <a:lnTo>
-                  <a:pt x="13715" y="6857"/>
-                </a:lnTo>
-                <a:lnTo>
-                  <a:pt x="13715" y="13715"/>
-                </a:lnTo>
-                <a:lnTo>
-                  <a:pt x="4267958" y="13715"/>
-                </a:lnTo>
-                <a:lnTo>
-                  <a:pt x="4267958" y="6857"/>
-                </a:lnTo>
-                <a:close/>
-              </a:path>
-              <a:path w="4281805" h="3184525">
-                <a:moveTo>
-                  <a:pt x="4281677" y="6857"/>
-                </a:moveTo>
-                <a:lnTo>
-                  <a:pt x="4267958" y="6857"/>
-                </a:lnTo>
-                <a:lnTo>
-                  <a:pt x="4274816" y="13715"/>
-                </a:lnTo>
-                <a:lnTo>
-                  <a:pt x="4281677" y="13715"/>
-                </a:lnTo>
-                <a:lnTo>
-                  <a:pt x="4281677" y="6857"/>
-                </a:lnTo>
-                <a:close/>
-              </a:path>
-            </a:pathLst>
-          </a:custGeom>
-          <a:solidFill>
-            <a:srgbClr val="00956F"/>
-          </a:solidFill>
-        </p:spPr>
-        <p:txBody>
-          <a:bodyPr wrap="square" lIns="0" tIns="0" rIns="0" bIns="0" rtlCol="0"/>
-          <a:lstStyle/>
-          <a:p>
-            <a:endParaRPr/>
-          </a:p>
-        </p:txBody>
-      </p:sp>
-      <p:sp>
-        <p:nvSpPr>
-          <p:cNvPr id="4" name="object 4"/>
-          <p:cNvSpPr txBox="1"/>
-          <p:nvPr/>
-        </p:nvSpPr>
-        <p:spPr>
-          <a:xfrm>
-            <a:off x="1701427" y="1154439"/>
-            <a:ext cx="4268470" cy="3171190"/>
-          </a:xfrm>
-          <a:prstGeom prst="rect">
-            <a:avLst/>
-          </a:prstGeom>
-          <a:solidFill>
-            <a:srgbClr val="32946A"/>
-          </a:solidFill>
-        </p:spPr>
-        <p:txBody>
-          <a:bodyPr vert="horz" wrap="square" lIns="0" tIns="0" rIns="0" bIns="0" rtlCol="0">
-            <a:spAutoFit/>
-          </a:bodyPr>
-          <a:lstStyle/>
-          <a:p>
-            <a:pPr marL="1040765">
-              <a:lnSpc>
-                <a:spcPct val="100000"/>
-              </a:lnSpc>
-            </a:pPr>
-            <a:r>
-              <a:rPr sz="3200" spc="10" dirty="0">
-                <a:solidFill>
-                  <a:srgbClr val="FFFFFF"/>
-                </a:solidFill>
-                <a:latin typeface="Verdana"/>
-                <a:cs typeface="Verdana"/>
-              </a:rPr>
-              <a:t>&lt;cit</a:t>
-            </a:r>
-            <a:r>
-              <a:rPr sz="3200" spc="-50" dirty="0">
-                <a:solidFill>
-                  <a:srgbClr val="FFFFFF"/>
-                </a:solidFill>
-                <a:latin typeface="Verdana"/>
-                <a:cs typeface="Verdana"/>
-              </a:rPr>
-              <a:t>y</a:t>
-            </a:r>
-            <a:r>
-              <a:rPr sz="3200" spc="5" dirty="0">
-                <a:solidFill>
-                  <a:srgbClr val="FFFFFF"/>
-                </a:solidFill>
-                <a:latin typeface="Verdana"/>
-                <a:cs typeface="Verdana"/>
-              </a:rPr>
-              <a:t>-list&gt;</a:t>
-            </a:r>
-            <a:endParaRPr sz="3200">
-              <a:latin typeface="Verdana"/>
-              <a:cs typeface="Verdana"/>
-            </a:endParaRPr>
-          </a:p>
-        </p:txBody>
-      </p:sp>
-      <p:sp>
-        <p:nvSpPr>
-          <p:cNvPr id="5" name="object 5"/>
-          <p:cNvSpPr/>
-          <p:nvPr/>
-        </p:nvSpPr>
-        <p:spPr>
-          <a:xfrm>
-            <a:off x="1712095" y="4655061"/>
-            <a:ext cx="4173220" cy="1306195"/>
-          </a:xfrm>
-          <a:custGeom>
-            <a:avLst/>
-            <a:gdLst/>
-            <a:ahLst/>
-            <a:cxnLst/>
-            <a:rect l="l" t="t" r="r" b="b"/>
-            <a:pathLst>
-              <a:path w="4173220" h="1306195">
-                <a:moveTo>
-                  <a:pt x="0" y="1306067"/>
-                </a:moveTo>
-                <a:lnTo>
-                  <a:pt x="4172711" y="1306067"/>
-                </a:lnTo>
-                <a:lnTo>
-                  <a:pt x="4172711" y="0"/>
-                </a:lnTo>
-                <a:lnTo>
-                  <a:pt x="0" y="0"/>
-                </a:lnTo>
-                <a:lnTo>
-                  <a:pt x="0" y="1306067"/>
-                </a:lnTo>
-                <a:close/>
-              </a:path>
-            </a:pathLst>
-          </a:custGeom>
-          <a:solidFill>
-            <a:srgbClr val="60C99C"/>
-          </a:solidFill>
-        </p:spPr>
-        <p:txBody>
-          <a:bodyPr wrap="square" lIns="0" tIns="0" rIns="0" bIns="0" rtlCol="0"/>
-          <a:lstStyle/>
-          <a:p>
-            <a:endParaRPr/>
-          </a:p>
-        </p:txBody>
-      </p:sp>
-      <p:sp>
-        <p:nvSpPr>
-          <p:cNvPr id="6" name="object 6"/>
-          <p:cNvSpPr/>
-          <p:nvPr/>
-        </p:nvSpPr>
-        <p:spPr>
-          <a:xfrm>
-            <a:off x="1705236" y="4648203"/>
-            <a:ext cx="4186554" cy="1320165"/>
-          </a:xfrm>
-          <a:custGeom>
-            <a:avLst/>
-            <a:gdLst/>
-            <a:ahLst/>
-            <a:cxnLst/>
-            <a:rect l="l" t="t" r="r" b="b"/>
-            <a:pathLst>
-              <a:path w="4186554" h="1320164">
-                <a:moveTo>
-                  <a:pt x="4186427" y="0"/>
-                </a:moveTo>
-                <a:lnTo>
-                  <a:pt x="0" y="0"/>
-                </a:lnTo>
-                <a:lnTo>
-                  <a:pt x="0" y="1319783"/>
-                </a:lnTo>
-                <a:lnTo>
-                  <a:pt x="4186427" y="1319783"/>
-                </a:lnTo>
-                <a:lnTo>
-                  <a:pt x="4186427" y="1312925"/>
-                </a:lnTo>
-                <a:lnTo>
-                  <a:pt x="13715" y="1312925"/>
-                </a:lnTo>
-                <a:lnTo>
-                  <a:pt x="6857" y="1306067"/>
-                </a:lnTo>
-                <a:lnTo>
-                  <a:pt x="13715" y="1306067"/>
-                </a:lnTo>
-                <a:lnTo>
-                  <a:pt x="13715" y="13715"/>
-                </a:lnTo>
-                <a:lnTo>
-                  <a:pt x="6857" y="13715"/>
-                </a:lnTo>
-                <a:lnTo>
-                  <a:pt x="13715" y="6857"/>
-                </a:lnTo>
-                <a:lnTo>
-                  <a:pt x="4186427" y="6857"/>
-                </a:lnTo>
-                <a:lnTo>
-                  <a:pt x="4186427" y="0"/>
-                </a:lnTo>
-                <a:close/>
-              </a:path>
-              <a:path w="4186554" h="1320164">
-                <a:moveTo>
-                  <a:pt x="13715" y="1306067"/>
-                </a:moveTo>
-                <a:lnTo>
-                  <a:pt x="6857" y="1306067"/>
-                </a:lnTo>
-                <a:lnTo>
-                  <a:pt x="13715" y="1312925"/>
-                </a:lnTo>
-                <a:lnTo>
-                  <a:pt x="13715" y="1306067"/>
-                </a:lnTo>
-                <a:close/>
-              </a:path>
-              <a:path w="4186554" h="1320164">
-                <a:moveTo>
-                  <a:pt x="4172708" y="1306067"/>
-                </a:moveTo>
-                <a:lnTo>
-                  <a:pt x="13715" y="1306067"/>
-                </a:lnTo>
-                <a:lnTo>
-                  <a:pt x="13715" y="1312925"/>
-                </a:lnTo>
-                <a:lnTo>
-                  <a:pt x="4172708" y="1312925"/>
-                </a:lnTo>
-                <a:lnTo>
-                  <a:pt x="4172708" y="1306067"/>
-                </a:lnTo>
-                <a:close/>
-              </a:path>
-              <a:path w="4186554" h="1320164">
-                <a:moveTo>
-                  <a:pt x="4172708" y="6857"/>
-                </a:moveTo>
-                <a:lnTo>
-                  <a:pt x="4172708" y="1312925"/>
-                </a:lnTo>
-                <a:lnTo>
-                  <a:pt x="4179566" y="1306067"/>
-                </a:lnTo>
-                <a:lnTo>
-                  <a:pt x="4186427" y="1306067"/>
-                </a:lnTo>
-                <a:lnTo>
-                  <a:pt x="4186427" y="13715"/>
-                </a:lnTo>
-                <a:lnTo>
-                  <a:pt x="4179566" y="13715"/>
-                </a:lnTo>
-                <a:lnTo>
-                  <a:pt x="4172708" y="6857"/>
-                </a:lnTo>
-                <a:close/>
-              </a:path>
-              <a:path w="4186554" h="1320164">
-                <a:moveTo>
-                  <a:pt x="4186427" y="1306067"/>
-                </a:moveTo>
-                <a:lnTo>
-                  <a:pt x="4179566" y="1306067"/>
-                </a:lnTo>
-                <a:lnTo>
-                  <a:pt x="4172708" y="1312925"/>
-                </a:lnTo>
-                <a:lnTo>
-                  <a:pt x="4186427" y="1312925"/>
-                </a:lnTo>
-                <a:lnTo>
-                  <a:pt x="4186427" y="1306067"/>
-                </a:lnTo>
-                <a:close/>
-              </a:path>
-              <a:path w="4186554" h="1320164">
-                <a:moveTo>
-                  <a:pt x="13715" y="6857"/>
-                </a:moveTo>
-                <a:lnTo>
-                  <a:pt x="6857" y="13715"/>
-                </a:lnTo>
-                <a:lnTo>
-                  <a:pt x="13715" y="13715"/>
-                </a:lnTo>
-                <a:lnTo>
-                  <a:pt x="13715" y="6857"/>
-                </a:lnTo>
-                <a:close/>
-              </a:path>
-              <a:path w="4186554" h="1320164">
-                <a:moveTo>
-                  <a:pt x="4172708" y="6857"/>
-                </a:moveTo>
-                <a:lnTo>
-                  <a:pt x="13715" y="6857"/>
-                </a:lnTo>
-                <a:lnTo>
-                  <a:pt x="13715" y="13715"/>
-                </a:lnTo>
-                <a:lnTo>
-                  <a:pt x="4172708" y="13715"/>
-                </a:lnTo>
-                <a:lnTo>
-                  <a:pt x="4172708" y="6857"/>
-                </a:lnTo>
-                <a:close/>
-              </a:path>
-              <a:path w="4186554" h="1320164">
-                <a:moveTo>
-                  <a:pt x="4186427" y="6857"/>
-                </a:moveTo>
-                <a:lnTo>
-                  <a:pt x="4172708" y="6857"/>
-                </a:lnTo>
-                <a:lnTo>
-                  <a:pt x="4179566" y="13715"/>
-                </a:lnTo>
-                <a:lnTo>
-                  <a:pt x="4186427" y="13715"/>
-                </a:lnTo>
-                <a:lnTo>
-                  <a:pt x="4186427" y="6857"/>
-                </a:lnTo>
-                <a:close/>
-              </a:path>
-            </a:pathLst>
-          </a:custGeom>
-          <a:solidFill>
-            <a:srgbClr val="00956F"/>
-          </a:solidFill>
-        </p:spPr>
-        <p:txBody>
-          <a:bodyPr wrap="square" lIns="0" tIns="0" rIns="0" bIns="0" rtlCol="0"/>
-          <a:lstStyle/>
-          <a:p>
-            <a:endParaRPr/>
-          </a:p>
-        </p:txBody>
-      </p:sp>
-      <p:sp>
-        <p:nvSpPr>
-          <p:cNvPr id="7" name="object 7"/>
-          <p:cNvSpPr txBox="1"/>
-          <p:nvPr/>
-        </p:nvSpPr>
-        <p:spPr>
-          <a:xfrm>
-            <a:off x="2335671" y="5116543"/>
-            <a:ext cx="2923540" cy="436880"/>
-          </a:xfrm>
-          <a:prstGeom prst="rect">
-            <a:avLst/>
-          </a:prstGeom>
-        </p:spPr>
-        <p:txBody>
-          <a:bodyPr vert="horz" wrap="square" lIns="0" tIns="0" rIns="0" bIns="0" rtlCol="0">
-            <a:spAutoFit/>
-          </a:bodyPr>
-          <a:lstStyle/>
-          <a:p>
-            <a:pPr marL="12700">
-              <a:lnSpc>
-                <a:spcPct val="100000"/>
-              </a:lnSpc>
-            </a:pPr>
-            <a:r>
-              <a:rPr sz="3200" spc="10" dirty="0">
-                <a:solidFill>
-                  <a:srgbClr val="FFFFFF"/>
-                </a:solidFill>
-                <a:latin typeface="Verdana"/>
-                <a:cs typeface="Verdana"/>
-              </a:rPr>
-              <a:t>&lt;cit</a:t>
-            </a:r>
-            <a:r>
-              <a:rPr sz="3200" spc="-50" dirty="0">
-                <a:solidFill>
-                  <a:srgbClr val="FFFFFF"/>
-                </a:solidFill>
-                <a:latin typeface="Verdana"/>
-                <a:cs typeface="Verdana"/>
-              </a:rPr>
-              <a:t>y</a:t>
-            </a:r>
-            <a:r>
-              <a:rPr sz="3200" spc="10" dirty="0">
-                <a:solidFill>
-                  <a:srgbClr val="FFFFFF"/>
-                </a:solidFill>
-                <a:latin typeface="Verdana"/>
-                <a:cs typeface="Verdana"/>
-              </a:rPr>
-              <a:t>-orders&gt;</a:t>
-            </a:r>
-            <a:endParaRPr sz="3200">
-              <a:latin typeface="Verdana"/>
-              <a:cs typeface="Verdana"/>
-            </a:endParaRPr>
-          </a:p>
-        </p:txBody>
-      </p:sp>
-      <p:sp>
-        <p:nvSpPr>
-          <p:cNvPr id="8" name="object 8"/>
-          <p:cNvSpPr/>
-          <p:nvPr/>
-        </p:nvSpPr>
-        <p:spPr>
-          <a:xfrm>
-            <a:off x="6287139" y="1154439"/>
-            <a:ext cx="3639820" cy="3171190"/>
-          </a:xfrm>
-          <a:custGeom>
-            <a:avLst/>
-            <a:gdLst/>
-            <a:ahLst/>
-            <a:cxnLst/>
-            <a:rect l="l" t="t" r="r" b="b"/>
-            <a:pathLst>
-              <a:path w="3639820" h="3171190">
-                <a:moveTo>
-                  <a:pt x="0" y="3170681"/>
-                </a:moveTo>
-                <a:lnTo>
-                  <a:pt x="3639311" y="3170681"/>
-                </a:lnTo>
-                <a:lnTo>
-                  <a:pt x="3639311" y="0"/>
-                </a:lnTo>
-                <a:lnTo>
-                  <a:pt x="0" y="0"/>
-                </a:lnTo>
-                <a:lnTo>
-                  <a:pt x="0" y="3170681"/>
-                </a:lnTo>
-                <a:close/>
-              </a:path>
-            </a:pathLst>
-          </a:custGeom>
-          <a:solidFill>
-            <a:srgbClr val="32946A"/>
-          </a:solidFill>
-        </p:spPr>
-        <p:txBody>
-          <a:bodyPr wrap="square" lIns="0" tIns="0" rIns="0" bIns="0" rtlCol="0"/>
-          <a:lstStyle/>
-          <a:p>
-            <a:endParaRPr/>
-          </a:p>
-        </p:txBody>
-      </p:sp>
-      <p:sp>
-        <p:nvSpPr>
-          <p:cNvPr id="9" name="object 9"/>
-          <p:cNvSpPr/>
-          <p:nvPr/>
-        </p:nvSpPr>
-        <p:spPr>
-          <a:xfrm>
-            <a:off x="6280281" y="1147581"/>
-            <a:ext cx="3653154" cy="3184525"/>
-          </a:xfrm>
-          <a:custGeom>
-            <a:avLst/>
-            <a:gdLst/>
-            <a:ahLst/>
-            <a:cxnLst/>
-            <a:rect l="l" t="t" r="r" b="b"/>
-            <a:pathLst>
-              <a:path w="3653154" h="3184525">
-                <a:moveTo>
-                  <a:pt x="3653027" y="0"/>
-                </a:moveTo>
-                <a:lnTo>
-                  <a:pt x="0" y="0"/>
-                </a:lnTo>
-                <a:lnTo>
-                  <a:pt x="0" y="3184397"/>
-                </a:lnTo>
-                <a:lnTo>
-                  <a:pt x="3653027" y="3184397"/>
-                </a:lnTo>
-                <a:lnTo>
-                  <a:pt x="3653027" y="3177539"/>
-                </a:lnTo>
-                <a:lnTo>
-                  <a:pt x="13715" y="3177539"/>
-                </a:lnTo>
-                <a:lnTo>
-                  <a:pt x="6857" y="3170681"/>
-                </a:lnTo>
-                <a:lnTo>
-                  <a:pt x="13715" y="3170681"/>
-                </a:lnTo>
-                <a:lnTo>
-                  <a:pt x="13715" y="13715"/>
-                </a:lnTo>
-                <a:lnTo>
-                  <a:pt x="6857" y="13715"/>
-                </a:lnTo>
-                <a:lnTo>
-                  <a:pt x="13715" y="6857"/>
-                </a:lnTo>
-                <a:lnTo>
-                  <a:pt x="3653027" y="6857"/>
-                </a:lnTo>
-                <a:lnTo>
-                  <a:pt x="3653027" y="0"/>
-                </a:lnTo>
-                <a:close/>
-              </a:path>
-              <a:path w="3653154" h="3184525">
-                <a:moveTo>
-                  <a:pt x="13715" y="3170681"/>
-                </a:moveTo>
-                <a:lnTo>
-                  <a:pt x="6857" y="3170681"/>
-                </a:lnTo>
-                <a:lnTo>
-                  <a:pt x="13715" y="3177539"/>
-                </a:lnTo>
-                <a:lnTo>
-                  <a:pt x="13715" y="3170681"/>
-                </a:lnTo>
-                <a:close/>
-              </a:path>
-              <a:path w="3653154" h="3184525">
-                <a:moveTo>
-                  <a:pt x="3639311" y="3170681"/>
-                </a:moveTo>
-                <a:lnTo>
-                  <a:pt x="13715" y="3170681"/>
-                </a:lnTo>
-                <a:lnTo>
-                  <a:pt x="13715" y="3177539"/>
-                </a:lnTo>
-                <a:lnTo>
-                  <a:pt x="3639311" y="3177539"/>
-                </a:lnTo>
-                <a:lnTo>
-                  <a:pt x="3639311" y="3170681"/>
-                </a:lnTo>
-                <a:close/>
-              </a:path>
-              <a:path w="3653154" h="3184525">
-                <a:moveTo>
-                  <a:pt x="3639311" y="6857"/>
-                </a:moveTo>
-                <a:lnTo>
-                  <a:pt x="3639311" y="3177539"/>
-                </a:lnTo>
-                <a:lnTo>
-                  <a:pt x="3646169" y="3170681"/>
-                </a:lnTo>
-                <a:lnTo>
-                  <a:pt x="3653027" y="3170681"/>
-                </a:lnTo>
-                <a:lnTo>
-                  <a:pt x="3653027" y="13715"/>
-                </a:lnTo>
-                <a:lnTo>
-                  <a:pt x="3646169" y="13715"/>
-                </a:lnTo>
-                <a:lnTo>
-                  <a:pt x="3639311" y="6857"/>
-                </a:lnTo>
-                <a:close/>
-              </a:path>
-              <a:path w="3653154" h="3184525">
-                <a:moveTo>
-                  <a:pt x="3653027" y="3170681"/>
-                </a:moveTo>
-                <a:lnTo>
-                  <a:pt x="3646169" y="3170681"/>
-                </a:lnTo>
-                <a:lnTo>
-                  <a:pt x="3639311" y="3177539"/>
-                </a:lnTo>
-                <a:lnTo>
-                  <a:pt x="3653027" y="3177539"/>
-                </a:lnTo>
-                <a:lnTo>
-                  <a:pt x="3653027" y="3170681"/>
-                </a:lnTo>
-                <a:close/>
-              </a:path>
-              <a:path w="3653154" h="3184525">
-                <a:moveTo>
-                  <a:pt x="13715" y="6857"/>
-                </a:moveTo>
-                <a:lnTo>
-                  <a:pt x="6857" y="13715"/>
-                </a:lnTo>
-                <a:lnTo>
-                  <a:pt x="13715" y="13715"/>
-                </a:lnTo>
-                <a:lnTo>
-                  <a:pt x="13715" y="6857"/>
-                </a:lnTo>
-                <a:close/>
-              </a:path>
-              <a:path w="3653154" h="3184525">
-                <a:moveTo>
-                  <a:pt x="3639311" y="6857"/>
-                </a:moveTo>
-                <a:lnTo>
-                  <a:pt x="13715" y="6857"/>
-                </a:lnTo>
-                <a:lnTo>
-                  <a:pt x="13715" y="13715"/>
-                </a:lnTo>
-                <a:lnTo>
-                  <a:pt x="3639311" y="13715"/>
-                </a:lnTo>
-                <a:lnTo>
-                  <a:pt x="3639311" y="6857"/>
-                </a:lnTo>
-                <a:close/>
-              </a:path>
-              <a:path w="3653154" h="3184525">
-                <a:moveTo>
-                  <a:pt x="3653027" y="6857"/>
-                </a:moveTo>
-                <a:lnTo>
-                  <a:pt x="3639311" y="6857"/>
-                </a:lnTo>
-                <a:lnTo>
-                  <a:pt x="3646169" y="13715"/>
-                </a:lnTo>
-                <a:lnTo>
-                  <a:pt x="3653027" y="13715"/>
-                </a:lnTo>
-                <a:lnTo>
-                  <a:pt x="3653027" y="6857"/>
-                </a:lnTo>
-                <a:close/>
-              </a:path>
-            </a:pathLst>
-          </a:custGeom>
-          <a:solidFill>
-            <a:srgbClr val="00956F"/>
-          </a:solidFill>
-        </p:spPr>
-        <p:txBody>
-          <a:bodyPr wrap="square" lIns="0" tIns="0" rIns="0" bIns="0" rtlCol="0"/>
-          <a:lstStyle/>
-          <a:p>
-            <a:endParaRPr/>
-          </a:p>
-        </p:txBody>
-      </p:sp>
-      <p:sp>
-        <p:nvSpPr>
-          <p:cNvPr id="10" name="object 10"/>
-          <p:cNvSpPr txBox="1"/>
-          <p:nvPr/>
-        </p:nvSpPr>
-        <p:spPr>
-          <a:xfrm>
-            <a:off x="6627259" y="2547839"/>
-            <a:ext cx="2957830" cy="436880"/>
-          </a:xfrm>
-          <a:prstGeom prst="rect">
-            <a:avLst/>
-          </a:prstGeom>
-        </p:spPr>
-        <p:txBody>
-          <a:bodyPr vert="horz" wrap="square" lIns="0" tIns="0" rIns="0" bIns="0" rtlCol="0">
-            <a:spAutoFit/>
-          </a:bodyPr>
-          <a:lstStyle/>
-          <a:p>
-            <a:pPr marL="12700">
-              <a:lnSpc>
-                <a:spcPct val="100000"/>
-              </a:lnSpc>
-            </a:pPr>
-            <a:r>
-              <a:rPr sz="3200" spc="10" dirty="0">
-                <a:solidFill>
-                  <a:srgbClr val="FFFFFF"/>
-                </a:solidFill>
-                <a:latin typeface="Verdana"/>
-                <a:cs typeface="Verdana"/>
-              </a:rPr>
-              <a:t>&lt;cit</a:t>
-            </a:r>
-            <a:r>
-              <a:rPr sz="3200" spc="-50" dirty="0">
-                <a:solidFill>
-                  <a:srgbClr val="FFFFFF"/>
-                </a:solidFill>
-                <a:latin typeface="Verdana"/>
-                <a:cs typeface="Verdana"/>
-              </a:rPr>
-              <a:t>y</a:t>
-            </a:r>
-            <a:r>
-              <a:rPr sz="3200" spc="10" dirty="0">
-                <a:solidFill>
-                  <a:srgbClr val="FFFFFF"/>
-                </a:solidFill>
-                <a:latin typeface="Verdana"/>
-                <a:cs typeface="Verdana"/>
-              </a:rPr>
-              <a:t>-details&gt;</a:t>
-            </a:r>
-            <a:endParaRPr sz="3200">
-              <a:latin typeface="Verdana"/>
-              <a:cs typeface="Verdana"/>
-            </a:endParaRPr>
-          </a:p>
-        </p:txBody>
-      </p:sp>
-      <p:sp>
-        <p:nvSpPr>
-          <p:cNvPr id="11" name="object 11"/>
-          <p:cNvSpPr/>
-          <p:nvPr/>
-        </p:nvSpPr>
-        <p:spPr>
-          <a:xfrm>
-            <a:off x="6423537" y="3621795"/>
-            <a:ext cx="1710055" cy="521970"/>
-          </a:xfrm>
-          <a:custGeom>
-            <a:avLst/>
-            <a:gdLst/>
-            <a:ahLst/>
-            <a:cxnLst/>
-            <a:rect l="l" t="t" r="r" b="b"/>
-            <a:pathLst>
-              <a:path w="1710054" h="521970">
-                <a:moveTo>
-                  <a:pt x="1623059" y="0"/>
-                </a:moveTo>
-                <a:lnTo>
-                  <a:pt x="76419" y="632"/>
-                </a:lnTo>
-                <a:lnTo>
-                  <a:pt x="37463" y="15639"/>
-                </a:lnTo>
-                <a:lnTo>
-                  <a:pt x="10240" y="46477"/>
-                </a:lnTo>
-                <a:lnTo>
-                  <a:pt x="0" y="87629"/>
-                </a:lnTo>
-                <a:lnTo>
-                  <a:pt x="554" y="444982"/>
-                </a:lnTo>
-                <a:lnTo>
-                  <a:pt x="15183" y="484207"/>
-                </a:lnTo>
-                <a:lnTo>
-                  <a:pt x="45728" y="511642"/>
-                </a:lnTo>
-                <a:lnTo>
-                  <a:pt x="86867" y="521969"/>
-                </a:lnTo>
-                <a:lnTo>
-                  <a:pt x="1632940" y="521415"/>
-                </a:lnTo>
-                <a:lnTo>
-                  <a:pt x="1672165" y="506786"/>
-                </a:lnTo>
-                <a:lnTo>
-                  <a:pt x="1699600" y="476241"/>
-                </a:lnTo>
-                <a:lnTo>
-                  <a:pt x="1709927" y="435101"/>
-                </a:lnTo>
-                <a:lnTo>
-                  <a:pt x="1709307" y="77169"/>
-                </a:lnTo>
-                <a:lnTo>
-                  <a:pt x="1694537" y="37976"/>
-                </a:lnTo>
-                <a:lnTo>
-                  <a:pt x="1664039" y="10413"/>
-                </a:lnTo>
-                <a:lnTo>
-                  <a:pt x="1623059" y="0"/>
-                </a:lnTo>
-                <a:close/>
-              </a:path>
-            </a:pathLst>
-          </a:custGeom>
-          <a:solidFill>
-            <a:srgbClr val="7878DE"/>
-          </a:solidFill>
-        </p:spPr>
-        <p:txBody>
-          <a:bodyPr wrap="square" lIns="0" tIns="0" rIns="0" bIns="0" rtlCol="0"/>
-          <a:lstStyle/>
-          <a:p>
-            <a:endParaRPr/>
-          </a:p>
-        </p:txBody>
-      </p:sp>
-      <p:sp>
-        <p:nvSpPr>
-          <p:cNvPr id="12" name="object 12"/>
-          <p:cNvSpPr txBox="1"/>
-          <p:nvPr/>
-        </p:nvSpPr>
-        <p:spPr>
-          <a:xfrm>
-            <a:off x="6737749" y="3761833"/>
-            <a:ext cx="1275951" cy="300082"/>
-          </a:xfrm>
-          <a:prstGeom prst="rect">
-            <a:avLst/>
-          </a:prstGeom>
-        </p:spPr>
-        <p:txBody>
-          <a:bodyPr vert="horz" wrap="square" lIns="0" tIns="0" rIns="0" bIns="0" rtlCol="0">
-            <a:spAutoFit/>
-          </a:bodyPr>
-          <a:lstStyle/>
-          <a:p>
-            <a:pPr marL="12700">
-              <a:lnSpc>
-                <a:spcPct val="100000"/>
-              </a:lnSpc>
-            </a:pPr>
-            <a:r>
-              <a:rPr sz="1950" b="1" spc="-20" dirty="0">
-                <a:solidFill>
-                  <a:srgbClr val="FFFFFF"/>
-                </a:solidFill>
-                <a:latin typeface="Arial"/>
-                <a:cs typeface="Arial"/>
-              </a:rPr>
-              <a:t>Bo</a:t>
-            </a:r>
-            <a:r>
-              <a:rPr lang="nl-NL" sz="1950" b="1" spc="-20" dirty="0">
-                <a:solidFill>
-                  <a:srgbClr val="FFFFFF"/>
-                </a:solidFill>
-                <a:latin typeface="Arial"/>
-                <a:cs typeface="Arial"/>
-              </a:rPr>
-              <a:t>o</a:t>
-            </a:r>
-            <a:r>
-              <a:rPr sz="1950" b="1" spc="-15" dirty="0">
-                <a:solidFill>
-                  <a:srgbClr val="FFFFFF"/>
-                </a:solidFill>
-                <a:latin typeface="Arial"/>
-                <a:cs typeface="Arial"/>
-              </a:rPr>
-              <a:t>k</a:t>
-            </a:r>
-            <a:r>
-              <a:rPr sz="1950" b="1" spc="-5" dirty="0">
-                <a:solidFill>
-                  <a:srgbClr val="FFFFFF"/>
-                </a:solidFill>
-                <a:latin typeface="Arial"/>
-                <a:cs typeface="Arial"/>
-              </a:rPr>
-              <a:t> </a:t>
-            </a:r>
-            <a:r>
-              <a:rPr sz="1950" b="1" spc="-20" dirty="0">
-                <a:solidFill>
-                  <a:srgbClr val="FFFFFF"/>
-                </a:solidFill>
-                <a:latin typeface="Arial"/>
-                <a:cs typeface="Arial"/>
-              </a:rPr>
-              <a:t>n</a:t>
-            </a:r>
-            <a:r>
-              <a:rPr lang="nl-NL" sz="1950" b="1" spc="-20" dirty="0">
-                <a:solidFill>
-                  <a:srgbClr val="FFFFFF"/>
-                </a:solidFill>
-                <a:latin typeface="Arial"/>
-                <a:cs typeface="Arial"/>
-              </a:rPr>
-              <a:t>ow</a:t>
-            </a:r>
-            <a:r>
-              <a:rPr sz="1950" b="1" spc="-20" dirty="0">
-                <a:solidFill>
-                  <a:srgbClr val="FFFFFF"/>
-                </a:solidFill>
-                <a:latin typeface="Arial"/>
-                <a:cs typeface="Arial"/>
-              </a:rPr>
-              <a:t>!</a:t>
-            </a:r>
-            <a:endParaRPr sz="1950" dirty="0">
-              <a:latin typeface="Arial"/>
-              <a:cs typeface="Arial"/>
-            </a:endParaRPr>
-          </a:p>
-        </p:txBody>
-      </p:sp>
-      <p:sp>
-        <p:nvSpPr>
-          <p:cNvPr id="13" name="object 13"/>
-          <p:cNvSpPr/>
-          <p:nvPr/>
-        </p:nvSpPr>
-        <p:spPr>
-          <a:xfrm>
-            <a:off x="7116957" y="4085091"/>
-            <a:ext cx="439420" cy="944880"/>
-          </a:xfrm>
-          <a:custGeom>
-            <a:avLst/>
-            <a:gdLst/>
-            <a:ahLst/>
-            <a:cxnLst/>
-            <a:rect l="l" t="t" r="r" b="b"/>
-            <a:pathLst>
-              <a:path w="439420" h="944879">
-                <a:moveTo>
-                  <a:pt x="438911" y="725417"/>
-                </a:moveTo>
-                <a:lnTo>
-                  <a:pt x="0" y="725417"/>
-                </a:lnTo>
-                <a:lnTo>
-                  <a:pt x="219455" y="944873"/>
-                </a:lnTo>
-                <a:lnTo>
-                  <a:pt x="438911" y="725417"/>
-                </a:lnTo>
-                <a:close/>
-              </a:path>
-              <a:path w="439420" h="944879">
-                <a:moveTo>
-                  <a:pt x="329183" y="0"/>
-                </a:moveTo>
-                <a:lnTo>
-                  <a:pt x="109727" y="0"/>
-                </a:lnTo>
-                <a:lnTo>
-                  <a:pt x="109727" y="725417"/>
-                </a:lnTo>
-                <a:lnTo>
-                  <a:pt x="329183" y="725417"/>
-                </a:lnTo>
-                <a:lnTo>
-                  <a:pt x="329183" y="0"/>
-                </a:lnTo>
-                <a:close/>
-              </a:path>
-            </a:pathLst>
-          </a:custGeom>
-          <a:solidFill>
-            <a:srgbClr val="000000"/>
-          </a:solidFill>
-        </p:spPr>
-        <p:txBody>
-          <a:bodyPr wrap="square" lIns="0" tIns="0" rIns="0" bIns="0" rtlCol="0"/>
-          <a:lstStyle/>
-          <a:p>
-            <a:endParaRPr/>
-          </a:p>
-        </p:txBody>
-      </p:sp>
-      <p:sp>
-        <p:nvSpPr>
-          <p:cNvPr id="14" name="object 14"/>
-          <p:cNvSpPr/>
-          <p:nvPr/>
-        </p:nvSpPr>
-        <p:spPr>
-          <a:xfrm>
-            <a:off x="6385437" y="4927095"/>
-            <a:ext cx="2304415" cy="1259840"/>
-          </a:xfrm>
-          <a:custGeom>
-            <a:avLst/>
-            <a:gdLst/>
-            <a:ahLst/>
-            <a:cxnLst/>
-            <a:rect l="l" t="t" r="r" b="b"/>
-            <a:pathLst>
-              <a:path w="2304415" h="1259839">
-                <a:moveTo>
-                  <a:pt x="480059" y="211835"/>
-                </a:moveTo>
-                <a:lnTo>
-                  <a:pt x="573023" y="456437"/>
-                </a:lnTo>
-                <a:lnTo>
-                  <a:pt x="124967" y="482345"/>
-                </a:lnTo>
-                <a:lnTo>
-                  <a:pt x="419861" y="675893"/>
-                </a:lnTo>
-                <a:lnTo>
-                  <a:pt x="0" y="751331"/>
-                </a:lnTo>
-                <a:lnTo>
-                  <a:pt x="355091" y="896873"/>
-                </a:lnTo>
-                <a:lnTo>
-                  <a:pt x="137159" y="1039367"/>
-                </a:lnTo>
-                <a:lnTo>
-                  <a:pt x="512825" y="1063751"/>
-                </a:lnTo>
-                <a:lnTo>
-                  <a:pt x="524255" y="1259585"/>
-                </a:lnTo>
-                <a:lnTo>
-                  <a:pt x="803147" y="1056893"/>
-                </a:lnTo>
-                <a:lnTo>
-                  <a:pt x="1013289" y="1056893"/>
-                </a:lnTo>
-                <a:lnTo>
-                  <a:pt x="1053083" y="1013459"/>
-                </a:lnTo>
-                <a:lnTo>
-                  <a:pt x="1269382" y="1013459"/>
-                </a:lnTo>
-                <a:lnTo>
-                  <a:pt x="1299209" y="929639"/>
-                </a:lnTo>
-                <a:lnTo>
-                  <a:pt x="1578863" y="929639"/>
-                </a:lnTo>
-                <a:lnTo>
-                  <a:pt x="1562099" y="837437"/>
-                </a:lnTo>
-                <a:lnTo>
-                  <a:pt x="1911469" y="837437"/>
-                </a:lnTo>
-                <a:lnTo>
-                  <a:pt x="1747265" y="717803"/>
-                </a:lnTo>
-                <a:lnTo>
-                  <a:pt x="1949195" y="658367"/>
-                </a:lnTo>
-                <a:lnTo>
-                  <a:pt x="1812035" y="548639"/>
-                </a:lnTo>
-                <a:lnTo>
-                  <a:pt x="2304287" y="387857"/>
-                </a:lnTo>
-                <a:lnTo>
-                  <a:pt x="1747265" y="380999"/>
-                </a:lnTo>
-                <a:lnTo>
-                  <a:pt x="1754702" y="372617"/>
-                </a:lnTo>
-                <a:lnTo>
-                  <a:pt x="912113" y="372617"/>
-                </a:lnTo>
-                <a:lnTo>
-                  <a:pt x="480059" y="211835"/>
-                </a:lnTo>
-                <a:close/>
-              </a:path>
-              <a:path w="2304415" h="1259839">
-                <a:moveTo>
-                  <a:pt x="1013289" y="1056893"/>
-                </a:moveTo>
-                <a:lnTo>
-                  <a:pt x="803147" y="1056893"/>
-                </a:lnTo>
-                <a:lnTo>
-                  <a:pt x="928115" y="1149857"/>
-                </a:lnTo>
-                <a:lnTo>
-                  <a:pt x="1013289" y="1056893"/>
-                </a:lnTo>
-                <a:close/>
-              </a:path>
-              <a:path w="2304415" h="1259839">
-                <a:moveTo>
-                  <a:pt x="1269382" y="1013459"/>
-                </a:moveTo>
-                <a:lnTo>
-                  <a:pt x="1053083" y="1013459"/>
-                </a:lnTo>
-                <a:lnTo>
-                  <a:pt x="1239011" y="1098803"/>
-                </a:lnTo>
-                <a:lnTo>
-                  <a:pt x="1269382" y="1013459"/>
-                </a:lnTo>
-                <a:close/>
-              </a:path>
-              <a:path w="2304415" h="1259839">
-                <a:moveTo>
-                  <a:pt x="1578863" y="929639"/>
-                </a:moveTo>
-                <a:lnTo>
-                  <a:pt x="1299209" y="929639"/>
-                </a:lnTo>
-                <a:lnTo>
-                  <a:pt x="1594103" y="1013459"/>
-                </a:lnTo>
-                <a:lnTo>
-                  <a:pt x="1578863" y="929639"/>
-                </a:lnTo>
-                <a:close/>
-              </a:path>
-              <a:path w="2304415" h="1259839">
-                <a:moveTo>
-                  <a:pt x="1911469" y="837437"/>
-                </a:moveTo>
-                <a:lnTo>
-                  <a:pt x="1562099" y="837437"/>
-                </a:lnTo>
-                <a:lnTo>
-                  <a:pt x="2013965" y="912113"/>
-                </a:lnTo>
-                <a:lnTo>
-                  <a:pt x="1911469" y="837437"/>
-                </a:lnTo>
-                <a:close/>
-              </a:path>
-              <a:path w="2304415" h="1259839">
-                <a:moveTo>
-                  <a:pt x="1037081" y="110489"/>
-                </a:moveTo>
-                <a:lnTo>
-                  <a:pt x="912113" y="372617"/>
-                </a:lnTo>
-                <a:lnTo>
-                  <a:pt x="1754702" y="372617"/>
-                </a:lnTo>
-                <a:lnTo>
-                  <a:pt x="1785798" y="337565"/>
-                </a:lnTo>
-                <a:lnTo>
-                  <a:pt x="1549145" y="337565"/>
-                </a:lnTo>
-                <a:lnTo>
-                  <a:pt x="1556335" y="253745"/>
-                </a:lnTo>
-                <a:lnTo>
-                  <a:pt x="1223009" y="253745"/>
-                </a:lnTo>
-                <a:lnTo>
-                  <a:pt x="1037081" y="110489"/>
-                </a:lnTo>
-                <a:close/>
-              </a:path>
-              <a:path w="2304415" h="1259839">
-                <a:moveTo>
-                  <a:pt x="1921001" y="185165"/>
-                </a:moveTo>
-                <a:lnTo>
-                  <a:pt x="1549145" y="337565"/>
-                </a:lnTo>
-                <a:lnTo>
-                  <a:pt x="1785798" y="337565"/>
-                </a:lnTo>
-                <a:lnTo>
-                  <a:pt x="1921001" y="185165"/>
-                </a:lnTo>
-                <a:close/>
-              </a:path>
-              <a:path w="2304415" h="1259839">
-                <a:moveTo>
-                  <a:pt x="1578101" y="0"/>
-                </a:moveTo>
-                <a:lnTo>
-                  <a:pt x="1223009" y="253745"/>
-                </a:lnTo>
-                <a:lnTo>
-                  <a:pt x="1556335" y="253745"/>
-                </a:lnTo>
-                <a:lnTo>
-                  <a:pt x="1578101" y="0"/>
-                </a:lnTo>
-                <a:close/>
-              </a:path>
-            </a:pathLst>
-          </a:custGeom>
-          <a:solidFill>
-            <a:srgbClr val="595959"/>
-          </a:solidFill>
-        </p:spPr>
-        <p:txBody>
-          <a:bodyPr wrap="square" lIns="0" tIns="0" rIns="0" bIns="0" rtlCol="0"/>
-          <a:lstStyle/>
-          <a:p>
-            <a:endParaRPr/>
-          </a:p>
-        </p:txBody>
-      </p:sp>
-      <p:sp>
-        <p:nvSpPr>
-          <p:cNvPr id="15" name="object 15"/>
-          <p:cNvSpPr txBox="1"/>
-          <p:nvPr/>
-        </p:nvSpPr>
-        <p:spPr>
-          <a:xfrm>
-            <a:off x="7103509" y="4518870"/>
-            <a:ext cx="1719580" cy="1210945"/>
-          </a:xfrm>
-          <a:prstGeom prst="rect">
-            <a:avLst/>
-          </a:prstGeom>
-        </p:spPr>
-        <p:txBody>
-          <a:bodyPr vert="horz" wrap="square" lIns="0" tIns="0" rIns="0" bIns="0" rtlCol="0">
-            <a:spAutoFit/>
-          </a:bodyPr>
-          <a:lstStyle/>
-          <a:p>
-            <a:pPr marL="537210">
-              <a:lnSpc>
-                <a:spcPct val="100000"/>
-              </a:lnSpc>
-            </a:pPr>
-            <a:r>
-              <a:rPr sz="2600" b="1" spc="-20" dirty="0">
-                <a:latin typeface="Arial"/>
-                <a:cs typeface="Arial"/>
-              </a:rPr>
-              <a:t>publish</a:t>
-            </a:r>
-            <a:endParaRPr sz="2600">
-              <a:latin typeface="Arial"/>
-              <a:cs typeface="Arial"/>
-            </a:endParaRPr>
-          </a:p>
-          <a:p>
-            <a:pPr>
-              <a:lnSpc>
-                <a:spcPct val="100000"/>
-              </a:lnSpc>
-              <a:spcBef>
-                <a:spcPts val="24"/>
-              </a:spcBef>
-            </a:pPr>
-            <a:endParaRPr sz="3800">
-              <a:latin typeface="Times New Roman"/>
-              <a:cs typeface="Times New Roman"/>
-            </a:endParaRPr>
-          </a:p>
-          <a:p>
-            <a:pPr marL="12700">
-              <a:lnSpc>
-                <a:spcPct val="100000"/>
-              </a:lnSpc>
-            </a:pPr>
-            <a:r>
-              <a:rPr sz="1950" b="1" spc="-20" dirty="0">
-                <a:solidFill>
-                  <a:srgbClr val="FFFFFF"/>
-                </a:solidFill>
-                <a:latin typeface="Arial"/>
-                <a:cs typeface="Arial"/>
-              </a:rPr>
-              <a:t>Event</a:t>
-            </a:r>
-            <a:endParaRPr sz="1950">
-              <a:latin typeface="Arial"/>
-              <a:cs typeface="Arial"/>
-            </a:endParaRPr>
-          </a:p>
-        </p:txBody>
-      </p:sp>
-      <p:sp>
-        <p:nvSpPr>
-          <p:cNvPr id="16" name="object 16"/>
-          <p:cNvSpPr/>
-          <p:nvPr/>
-        </p:nvSpPr>
-        <p:spPr>
-          <a:xfrm>
-            <a:off x="5396362" y="5548125"/>
-            <a:ext cx="944880" cy="439420"/>
-          </a:xfrm>
-          <a:custGeom>
-            <a:avLst/>
-            <a:gdLst/>
-            <a:ahLst/>
-            <a:cxnLst/>
-            <a:rect l="l" t="t" r="r" b="b"/>
-            <a:pathLst>
-              <a:path w="944879" h="439420">
-                <a:moveTo>
-                  <a:pt x="725423" y="0"/>
-                </a:moveTo>
-                <a:lnTo>
-                  <a:pt x="725423" y="109727"/>
-                </a:lnTo>
-                <a:lnTo>
-                  <a:pt x="0" y="109727"/>
-                </a:lnTo>
-                <a:lnTo>
-                  <a:pt x="0" y="329183"/>
-                </a:lnTo>
-                <a:lnTo>
-                  <a:pt x="725423" y="329183"/>
-                </a:lnTo>
-                <a:lnTo>
-                  <a:pt x="725423" y="438911"/>
-                </a:lnTo>
-                <a:lnTo>
-                  <a:pt x="944879" y="219455"/>
-                </a:lnTo>
-                <a:lnTo>
-                  <a:pt x="725423" y="0"/>
-                </a:lnTo>
-                <a:close/>
-              </a:path>
-            </a:pathLst>
-          </a:custGeom>
-          <a:solidFill>
-            <a:srgbClr val="000000"/>
-          </a:solidFill>
-        </p:spPr>
-        <p:txBody>
-          <a:bodyPr wrap="square" lIns="0" tIns="0" rIns="0" bIns="0" rtlCol="0"/>
-          <a:lstStyle/>
-          <a:p>
-            <a:endParaRPr/>
-          </a:p>
-        </p:txBody>
-      </p:sp>
-      <p:sp>
-        <p:nvSpPr>
-          <p:cNvPr id="17" name="object 17"/>
-          <p:cNvSpPr txBox="1"/>
-          <p:nvPr/>
-        </p:nvSpPr>
-        <p:spPr>
-          <a:xfrm>
-            <a:off x="4952381" y="6103073"/>
-            <a:ext cx="1579880" cy="354965"/>
-          </a:xfrm>
-          <a:prstGeom prst="rect">
-            <a:avLst/>
-          </a:prstGeom>
-        </p:spPr>
-        <p:txBody>
-          <a:bodyPr vert="horz" wrap="square" lIns="0" tIns="0" rIns="0" bIns="0" rtlCol="0">
-            <a:spAutoFit/>
-          </a:bodyPr>
-          <a:lstStyle/>
-          <a:p>
-            <a:pPr marL="12700">
-              <a:lnSpc>
-                <a:spcPct val="100000"/>
-              </a:lnSpc>
-            </a:pPr>
-            <a:r>
-              <a:rPr sz="2600" b="1" spc="-20" dirty="0">
-                <a:latin typeface="Arial"/>
-                <a:cs typeface="Arial"/>
-              </a:rPr>
-              <a:t>subscribe</a:t>
-            </a:r>
-            <a:endParaRPr sz="2600">
-              <a:latin typeface="Arial"/>
-              <a:cs typeface="Arial"/>
-            </a:endParaRPr>
-          </a:p>
-        </p:txBody>
-      </p:sp>
-    </p:spTree>
-  </p:cSld>
-  <p:clrMapOvr>
-    <a:masterClrMapping/>
-  </p:clrMapOvr>
-</p:sld>
-</file>
-
-<file path=ppt/slides/slide36.xml><?xml version="1.0" encoding="utf-8"?>
 <p:sld xmlns:a="http://schemas.openxmlformats.org/drawingml/2006/main" xmlns:r="http://schemas.openxmlformats.org/officeDocument/2006/relationships" xmlns:p="http://schemas.openxmlformats.org/presentationml/2006/main">
   <p:cSld>
     <p:spTree>
@@ -42229,33 +40659,31 @@
               </a:lnSpc>
             </a:pPr>
             <a:r>
-              <a:rPr spc="15" dirty="0"/>
-              <a:t>PubSub-service</a:t>
-            </a:r>
-            <a:r>
-              <a:rPr spc="265" dirty="0">
-                <a:latin typeface="Times New Roman"/>
-                <a:cs typeface="Times New Roman"/>
-              </a:rPr>
-              <a:t> </a:t>
-            </a:r>
-            <a:r>
-              <a:rPr spc="20" dirty="0"/>
-              <a:t>maken</a:t>
-            </a:r>
+              <a:rPr lang="nl-NL" spc="15" dirty="0" err="1"/>
+              <a:t>Use</a:t>
+            </a:r>
+            <a:r>
+              <a:rPr lang="nl-NL" spc="15" dirty="0"/>
+              <a:t> Subject</a:t>
+            </a:r>
+            <a:endParaRPr spc="15" dirty="0"/>
           </a:p>
         </p:txBody>
       </p:sp>
       <p:sp>
         <p:nvSpPr>
           <p:cNvPr id="3" name="object 3"/>
-          <p:cNvSpPr txBox="1"/>
-          <p:nvPr/>
+          <p:cNvSpPr txBox="1">
+            <a:spLocks noGrp="1"/>
+          </p:cNvSpPr>
+          <p:nvPr>
+            <p:ph type="body" idx="1"/>
+          </p:nvPr>
         </p:nvSpPr>
         <p:spPr>
           <a:xfrm>
-            <a:off x="814945" y="1655796"/>
-            <a:ext cx="9878455" cy="1675587"/>
+            <a:off x="611745" y="1654272"/>
+            <a:ext cx="9469909" cy="1921039"/>
           </a:xfrm>
           <a:prstGeom prst="rect">
             <a:avLst/>
@@ -42267,468 +40695,1863 @@
           </a:bodyPr>
           <a:lstStyle/>
           <a:p>
-            <a:pPr marL="353695" indent="-340995">
-              <a:lnSpc>
-                <a:spcPct val="100000"/>
-              </a:lnSpc>
-              <a:buFont typeface="Verdana"/>
-              <a:buChar char="•"/>
-              <a:tabLst>
-                <a:tab pos="354330" algn="l"/>
-              </a:tabLst>
-            </a:pPr>
-            <a:r>
-              <a:rPr sz="2600" spc="-20" dirty="0">
-                <a:latin typeface="Verdana" panose="020B0604030504040204" pitchFamily="34" charset="0"/>
-                <a:ea typeface="Verdana" panose="020B0604030504040204" pitchFamily="34" charset="0"/>
-                <a:cs typeface="Verdana" panose="020B0604030504040204" pitchFamily="34" charset="0"/>
-              </a:rPr>
-              <a:t>St</a:t>
-            </a:r>
-            <a:r>
-              <a:rPr lang="nl-NL" sz="2600" spc="-20" dirty="0">
-                <a:latin typeface="Verdana" panose="020B0604030504040204" pitchFamily="34" charset="0"/>
-                <a:ea typeface="Verdana" panose="020B0604030504040204" pitchFamily="34" charset="0"/>
-                <a:cs typeface="Verdana" panose="020B0604030504040204" pitchFamily="34" charset="0"/>
-              </a:rPr>
-              <a:t>e</a:t>
-            </a:r>
-            <a:r>
-              <a:rPr sz="2600" spc="-20" dirty="0">
-                <a:latin typeface="Verdana" panose="020B0604030504040204" pitchFamily="34" charset="0"/>
-                <a:ea typeface="Verdana" panose="020B0604030504040204" pitchFamily="34" charset="0"/>
-                <a:cs typeface="Verdana" panose="020B0604030504040204" pitchFamily="34" charset="0"/>
-              </a:rPr>
-              <a:t>p</a:t>
-            </a:r>
-            <a:r>
-              <a:rPr sz="2600" spc="265" dirty="0">
-                <a:latin typeface="Verdana" panose="020B0604030504040204" pitchFamily="34" charset="0"/>
-                <a:ea typeface="Verdana" panose="020B0604030504040204" pitchFamily="34" charset="0"/>
-                <a:cs typeface="Verdana" panose="020B0604030504040204" pitchFamily="34" charset="0"/>
-              </a:rPr>
-              <a:t> </a:t>
-            </a:r>
-            <a:r>
-              <a:rPr sz="2600" spc="-20" dirty="0">
-                <a:latin typeface="Verdana" panose="020B0604030504040204" pitchFamily="34" charset="0"/>
-                <a:ea typeface="Verdana" panose="020B0604030504040204" pitchFamily="34" charset="0"/>
-                <a:cs typeface="Verdana" panose="020B0604030504040204" pitchFamily="34" charset="0"/>
-              </a:rPr>
-              <a:t>1</a:t>
-            </a:r>
-            <a:r>
-              <a:rPr sz="2600" spc="265" dirty="0">
-                <a:latin typeface="Verdana" panose="020B0604030504040204" pitchFamily="34" charset="0"/>
-                <a:ea typeface="Verdana" panose="020B0604030504040204" pitchFamily="34" charset="0"/>
-                <a:cs typeface="Verdana" panose="020B0604030504040204" pitchFamily="34" charset="0"/>
-              </a:rPr>
-              <a:t> </a:t>
-            </a:r>
-            <a:r>
-              <a:rPr sz="2600" spc="-20" dirty="0">
-                <a:latin typeface="Verdana" panose="020B0604030504040204" pitchFamily="34" charset="0"/>
-                <a:ea typeface="Verdana" panose="020B0604030504040204" pitchFamily="34" charset="0"/>
-                <a:cs typeface="Verdana" panose="020B0604030504040204" pitchFamily="34" charset="0"/>
-              </a:rPr>
-              <a:t>–</a:t>
-            </a:r>
-            <a:r>
-              <a:rPr sz="2600" spc="260" dirty="0">
-                <a:latin typeface="Verdana" panose="020B0604030504040204" pitchFamily="34" charset="0"/>
-                <a:ea typeface="Verdana" panose="020B0604030504040204" pitchFamily="34" charset="0"/>
-                <a:cs typeface="Verdana" panose="020B0604030504040204" pitchFamily="34" charset="0"/>
-              </a:rPr>
-              <a:t> </a:t>
-            </a:r>
-            <a:r>
-              <a:rPr lang="nl-NL" sz="2600" spc="-20" dirty="0">
-                <a:latin typeface="Verdana" panose="020B0604030504040204" pitchFamily="34" charset="0"/>
-                <a:ea typeface="Verdana" panose="020B0604030504040204" pitchFamily="34" charset="0"/>
-                <a:cs typeface="Verdana" panose="020B0604030504040204" pitchFamily="34" charset="0"/>
-              </a:rPr>
-              <a:t>Make a P</a:t>
-            </a:r>
-            <a:r>
-              <a:rPr sz="2600" spc="-20" dirty="0" err="1">
-                <a:latin typeface="Verdana" panose="020B0604030504040204" pitchFamily="34" charset="0"/>
-                <a:ea typeface="Verdana" panose="020B0604030504040204" pitchFamily="34" charset="0"/>
-                <a:cs typeface="Verdana" panose="020B0604030504040204" pitchFamily="34" charset="0"/>
-              </a:rPr>
-              <a:t>ublicati</a:t>
-            </a:r>
-            <a:r>
-              <a:rPr lang="nl-NL" sz="2600" spc="-20" dirty="0">
-                <a:latin typeface="Verdana" panose="020B0604030504040204" pitchFamily="34" charset="0"/>
-                <a:ea typeface="Verdana" panose="020B0604030504040204" pitchFamily="34" charset="0"/>
-                <a:cs typeface="Verdana" panose="020B0604030504040204" pitchFamily="34" charset="0"/>
-              </a:rPr>
-              <a:t>on</a:t>
-            </a:r>
-            <a:r>
-              <a:rPr sz="2600" spc="280" dirty="0">
-                <a:latin typeface="Verdana" panose="020B0604030504040204" pitchFamily="34" charset="0"/>
-                <a:ea typeface="Verdana" panose="020B0604030504040204" pitchFamily="34" charset="0"/>
-                <a:cs typeface="Verdana" panose="020B0604030504040204" pitchFamily="34" charset="0"/>
-              </a:rPr>
-              <a:t> </a:t>
-            </a:r>
-            <a:r>
-              <a:rPr sz="2600" spc="-20" dirty="0">
-                <a:latin typeface="Verdana" panose="020B0604030504040204" pitchFamily="34" charset="0"/>
-                <a:ea typeface="Verdana" panose="020B0604030504040204" pitchFamily="34" charset="0"/>
-                <a:cs typeface="Verdana" panose="020B0604030504040204" pitchFamily="34" charset="0"/>
-              </a:rPr>
-              <a:t>service</a:t>
-            </a:r>
-            <a:endParaRPr sz="2600" dirty="0">
-              <a:latin typeface="Verdana" panose="020B0604030504040204" pitchFamily="34" charset="0"/>
-              <a:ea typeface="Verdana" panose="020B0604030504040204" pitchFamily="34" charset="0"/>
-              <a:cs typeface="Verdana" panose="020B0604030504040204" pitchFamily="34" charset="0"/>
-            </a:endParaRPr>
-          </a:p>
-          <a:p>
-            <a:pPr marL="353695" indent="-340995">
+            <a:pPr marL="819785" algn="ctr">
               <a:lnSpc>
                 <a:spcPct val="100000"/>
               </a:lnSpc>
               <a:spcBef>
                 <a:spcPts val="2160"/>
               </a:spcBef>
-              <a:buFont typeface="Verdana"/>
-              <a:buChar char="•"/>
               <a:tabLst>
-                <a:tab pos="354330" algn="l"/>
+                <a:tab pos="1161415" algn="l"/>
               </a:tabLst>
             </a:pPr>
             <a:r>
-              <a:rPr sz="2600" spc="-20" dirty="0">
-                <a:latin typeface="Verdana" panose="020B0604030504040204" pitchFamily="34" charset="0"/>
-                <a:ea typeface="Verdana" panose="020B0604030504040204" pitchFamily="34" charset="0"/>
-                <a:cs typeface="Verdana" panose="020B0604030504040204" pitchFamily="34" charset="0"/>
-              </a:rPr>
-              <a:t>St</a:t>
-            </a:r>
-            <a:r>
-              <a:rPr lang="nl-NL" sz="2600" spc="-20" dirty="0">
-                <a:latin typeface="Verdana" panose="020B0604030504040204" pitchFamily="34" charset="0"/>
-                <a:ea typeface="Verdana" panose="020B0604030504040204" pitchFamily="34" charset="0"/>
-                <a:cs typeface="Verdana" panose="020B0604030504040204" pitchFamily="34" charset="0"/>
+              <a:rPr lang="en-GB" b="1" spc="-25" dirty="0">
+                <a:solidFill>
+                  <a:srgbClr val="C00000"/>
+                </a:solidFill>
+                <a:latin typeface="Courier New"/>
+                <a:cs typeface="Courier New"/>
+              </a:rPr>
+              <a:t>Subject(</a:t>
+            </a:r>
+            <a:r>
+              <a:rPr lang="en-GB" b="1" spc="-20" dirty="0">
+                <a:solidFill>
+                  <a:srgbClr val="C00000"/>
+                </a:solidFill>
+                <a:latin typeface="Courier New"/>
+                <a:cs typeface="Courier New"/>
+              </a:rPr>
+              <a:t>)</a:t>
+            </a:r>
+            <a:r>
+              <a:rPr lang="en-GB" b="1" spc="-665" dirty="0">
+                <a:solidFill>
+                  <a:srgbClr val="C00000"/>
+                </a:solidFill>
+                <a:latin typeface="Courier New"/>
+                <a:cs typeface="Courier New"/>
+              </a:rPr>
+              <a:t> </a:t>
+            </a:r>
+            <a:r>
+              <a:rPr lang="en-GB" b="1" spc="-20" dirty="0">
+                <a:solidFill>
+                  <a:srgbClr val="C00000"/>
+                </a:solidFill>
+                <a:latin typeface="Courier New"/>
+                <a:cs typeface="Courier New"/>
+              </a:rPr>
+              <a:t> </a:t>
+            </a:r>
+            <a:r>
+              <a:rPr lang="en-GB" b="1" spc="-35" dirty="0">
+                <a:solidFill>
+                  <a:srgbClr val="C00000"/>
+                </a:solidFill>
+                <a:latin typeface="Courier New"/>
+                <a:cs typeface="Courier New"/>
+              </a:rPr>
+              <a:t>= </a:t>
+            </a:r>
+            <a:r>
+              <a:rPr lang="en-GB" b="1" i="1" spc="-25" dirty="0">
+                <a:solidFill>
+                  <a:srgbClr val="C00000"/>
+                </a:solidFill>
+                <a:latin typeface="Courier New"/>
+                <a:cs typeface="Courier New"/>
+              </a:rPr>
+              <a:t>Observabl</a:t>
+            </a:r>
+            <a:r>
+              <a:rPr lang="en-GB" b="1" i="1" spc="-20" dirty="0">
+                <a:solidFill>
+                  <a:srgbClr val="C00000"/>
+                </a:solidFill>
+                <a:latin typeface="Courier New"/>
+                <a:cs typeface="Courier New"/>
               </a:rPr>
               <a:t>e</a:t>
             </a:r>
             <a:r>
-              <a:rPr sz="2600" spc="-20" dirty="0">
-                <a:latin typeface="Verdana" panose="020B0604030504040204" pitchFamily="34" charset="0"/>
-                <a:ea typeface="Verdana" panose="020B0604030504040204" pitchFamily="34" charset="0"/>
-                <a:cs typeface="Verdana" panose="020B0604030504040204" pitchFamily="34" charset="0"/>
-              </a:rPr>
-              <a:t>p</a:t>
-            </a:r>
-            <a:r>
-              <a:rPr sz="2600" spc="275" dirty="0">
-                <a:latin typeface="Verdana" panose="020B0604030504040204" pitchFamily="34" charset="0"/>
-                <a:ea typeface="Verdana" panose="020B0604030504040204" pitchFamily="34" charset="0"/>
-                <a:cs typeface="Verdana" panose="020B0604030504040204" pitchFamily="34" charset="0"/>
+              <a:rPr lang="en-GB" b="1" i="1" spc="-660" dirty="0">
+                <a:solidFill>
+                  <a:srgbClr val="C00000"/>
+                </a:solidFill>
+                <a:latin typeface="Courier New"/>
+                <a:cs typeface="Courier New"/>
               </a:rPr>
               <a:t> </a:t>
             </a:r>
             <a:r>
-              <a:rPr sz="2600" spc="-20" dirty="0">
-                <a:latin typeface="Verdana" panose="020B0604030504040204" pitchFamily="34" charset="0"/>
-                <a:ea typeface="Verdana" panose="020B0604030504040204" pitchFamily="34" charset="0"/>
-                <a:cs typeface="Verdana" panose="020B0604030504040204" pitchFamily="34" charset="0"/>
-              </a:rPr>
-              <a:t>2</a:t>
-            </a:r>
-            <a:r>
-              <a:rPr sz="2600" spc="260" dirty="0">
-                <a:latin typeface="Verdana" panose="020B0604030504040204" pitchFamily="34" charset="0"/>
-                <a:ea typeface="Verdana" panose="020B0604030504040204" pitchFamily="34" charset="0"/>
-                <a:cs typeface="Verdana" panose="020B0604030504040204" pitchFamily="34" charset="0"/>
-              </a:rPr>
-              <a:t> </a:t>
-            </a:r>
-            <a:r>
-              <a:rPr sz="2600" spc="-20" dirty="0">
-                <a:latin typeface="Verdana" panose="020B0604030504040204" pitchFamily="34" charset="0"/>
-                <a:ea typeface="Verdana" panose="020B0604030504040204" pitchFamily="34" charset="0"/>
-                <a:cs typeface="Verdana" panose="020B0604030504040204" pitchFamily="34" charset="0"/>
-              </a:rPr>
-              <a:t>–</a:t>
-            </a:r>
-            <a:r>
-              <a:rPr sz="2600" spc="260" dirty="0">
-                <a:latin typeface="Verdana" panose="020B0604030504040204" pitchFamily="34" charset="0"/>
-                <a:ea typeface="Verdana" panose="020B0604030504040204" pitchFamily="34" charset="0"/>
-                <a:cs typeface="Verdana" panose="020B0604030504040204" pitchFamily="34" charset="0"/>
-              </a:rPr>
-              <a:t> </a:t>
-            </a:r>
-            <a:r>
-              <a:rPr lang="nl-NL" sz="2600" spc="-20" dirty="0" err="1">
-                <a:latin typeface="Verdana" panose="020B0604030504040204" pitchFamily="34" charset="0"/>
-                <a:ea typeface="Verdana" panose="020B0604030504040204" pitchFamily="34" charset="0"/>
-                <a:cs typeface="Verdana" panose="020B0604030504040204" pitchFamily="34" charset="0"/>
-              </a:rPr>
-              <a:t>Create</a:t>
-            </a:r>
-            <a:r>
-              <a:rPr lang="nl-NL" sz="2600" spc="260" dirty="0">
-                <a:latin typeface="Verdana" panose="020B0604030504040204" pitchFamily="34" charset="0"/>
-                <a:ea typeface="Verdana" panose="020B0604030504040204" pitchFamily="34" charset="0"/>
-                <a:cs typeface="Verdana" panose="020B0604030504040204" pitchFamily="34" charset="0"/>
-              </a:rPr>
-              <a:t> </a:t>
-            </a:r>
-            <a:r>
-              <a:rPr sz="2600" spc="-10" dirty="0">
-                <a:latin typeface="Verdana" panose="020B0604030504040204" pitchFamily="34" charset="0"/>
-                <a:ea typeface="Verdana" panose="020B0604030504040204" pitchFamily="34" charset="0"/>
-                <a:cs typeface="Verdana" panose="020B0604030504040204" pitchFamily="34" charset="0"/>
-              </a:rPr>
-              <a:t>‘</a:t>
-            </a:r>
-            <a:r>
-              <a:rPr sz="2600" spc="-20" dirty="0">
-                <a:latin typeface="Verdana" panose="020B0604030504040204" pitchFamily="34" charset="0"/>
-                <a:ea typeface="Verdana" panose="020B0604030504040204" pitchFamily="34" charset="0"/>
-                <a:cs typeface="Verdana" panose="020B0604030504040204" pitchFamily="34" charset="0"/>
-              </a:rPr>
-              <a:t>Produce</a:t>
-            </a:r>
-            <a:r>
-              <a:rPr sz="2600" spc="20" dirty="0">
-                <a:latin typeface="Verdana" panose="020B0604030504040204" pitchFamily="34" charset="0"/>
-                <a:ea typeface="Verdana" panose="020B0604030504040204" pitchFamily="34" charset="0"/>
-                <a:cs typeface="Verdana" panose="020B0604030504040204" pitchFamily="34" charset="0"/>
-              </a:rPr>
-              <a:t>r</a:t>
-            </a:r>
-            <a:r>
-              <a:rPr sz="2600" spc="-275" dirty="0">
-                <a:latin typeface="Verdana" panose="020B0604030504040204" pitchFamily="34" charset="0"/>
-                <a:ea typeface="Verdana" panose="020B0604030504040204" pitchFamily="34" charset="0"/>
-                <a:cs typeface="Verdana" panose="020B0604030504040204" pitchFamily="34" charset="0"/>
-              </a:rPr>
-              <a:t>’</a:t>
-            </a:r>
-            <a:r>
-              <a:rPr sz="2600" spc="295" dirty="0">
-                <a:latin typeface="Verdana" panose="020B0604030504040204" pitchFamily="34" charset="0"/>
-                <a:ea typeface="Verdana" panose="020B0604030504040204" pitchFamily="34" charset="0"/>
-                <a:cs typeface="Verdana" panose="020B0604030504040204" pitchFamily="34" charset="0"/>
-              </a:rPr>
-              <a:t> </a:t>
-            </a:r>
-            <a:r>
-              <a:rPr sz="2600" spc="-25" dirty="0">
-                <a:latin typeface="Verdana" panose="020B0604030504040204" pitchFamily="34" charset="0"/>
-                <a:ea typeface="Verdana" panose="020B0604030504040204" pitchFamily="34" charset="0"/>
-                <a:cs typeface="Verdana" panose="020B0604030504040204" pitchFamily="34" charset="0"/>
-              </a:rPr>
-              <a:t>o</a:t>
-            </a:r>
-            <a:r>
-              <a:rPr lang="nl-NL" sz="2600" spc="-10" dirty="0">
-                <a:latin typeface="Verdana" panose="020B0604030504040204" pitchFamily="34" charset="0"/>
-                <a:ea typeface="Verdana" panose="020B0604030504040204" pitchFamily="34" charset="0"/>
-                <a:cs typeface="Verdana" panose="020B0604030504040204" pitchFamily="34" charset="0"/>
-              </a:rPr>
-              <a:t>r</a:t>
-            </a:r>
-            <a:r>
-              <a:rPr sz="2600" spc="280" dirty="0">
-                <a:latin typeface="Verdana" panose="020B0604030504040204" pitchFamily="34" charset="0"/>
-                <a:ea typeface="Verdana" panose="020B0604030504040204" pitchFamily="34" charset="0"/>
-                <a:cs typeface="Verdana" panose="020B0604030504040204" pitchFamily="34" charset="0"/>
-              </a:rPr>
-              <a:t> </a:t>
-            </a:r>
-            <a:r>
-              <a:rPr sz="2600" spc="-15" dirty="0">
-                <a:latin typeface="Verdana" panose="020B0604030504040204" pitchFamily="34" charset="0"/>
-                <a:ea typeface="Verdana" panose="020B0604030504040204" pitchFamily="34" charset="0"/>
-                <a:cs typeface="Verdana" panose="020B0604030504040204" pitchFamily="34" charset="0"/>
-              </a:rPr>
-              <a:t>‘Publish’</a:t>
-            </a:r>
-            <a:r>
-              <a:rPr sz="2600" spc="280" dirty="0">
-                <a:latin typeface="Verdana" panose="020B0604030504040204" pitchFamily="34" charset="0"/>
-                <a:ea typeface="Verdana" panose="020B0604030504040204" pitchFamily="34" charset="0"/>
-                <a:cs typeface="Verdana" panose="020B0604030504040204" pitchFamily="34" charset="0"/>
-              </a:rPr>
-              <a:t> </a:t>
-            </a:r>
-            <a:r>
-              <a:rPr sz="2600" spc="-20" dirty="0">
-                <a:latin typeface="Verdana" panose="020B0604030504040204" pitchFamily="34" charset="0"/>
-                <a:ea typeface="Verdana" panose="020B0604030504040204" pitchFamily="34" charset="0"/>
-                <a:cs typeface="Verdana" panose="020B0604030504040204" pitchFamily="34" charset="0"/>
-              </a:rPr>
-              <a:t>–</a:t>
-            </a:r>
-            <a:r>
-              <a:rPr sz="2600" spc="260" dirty="0">
-                <a:latin typeface="Verdana" panose="020B0604030504040204" pitchFamily="34" charset="0"/>
-                <a:ea typeface="Verdana" panose="020B0604030504040204" pitchFamily="34" charset="0"/>
-                <a:cs typeface="Verdana" panose="020B0604030504040204" pitchFamily="34" charset="0"/>
-              </a:rPr>
-              <a:t> </a:t>
-            </a:r>
-            <a:r>
-              <a:rPr sz="2600" spc="-25" dirty="0">
-                <a:latin typeface="Verdana" panose="020B0604030504040204" pitchFamily="34" charset="0"/>
-                <a:ea typeface="Verdana" panose="020B0604030504040204" pitchFamily="34" charset="0"/>
-                <a:cs typeface="Verdana" panose="020B0604030504040204" pitchFamily="34" charset="0"/>
-              </a:rPr>
-              <a:t>componen</a:t>
-            </a:r>
-            <a:r>
-              <a:rPr sz="2600" spc="-15" dirty="0">
-                <a:latin typeface="Verdana" panose="020B0604030504040204" pitchFamily="34" charset="0"/>
-                <a:ea typeface="Verdana" panose="020B0604030504040204" pitchFamily="34" charset="0"/>
-                <a:cs typeface="Verdana" panose="020B0604030504040204" pitchFamily="34" charset="0"/>
-              </a:rPr>
-              <a:t>t</a:t>
-            </a:r>
-            <a:endParaRPr sz="2600" dirty="0">
-              <a:latin typeface="Verdana" panose="020B0604030504040204" pitchFamily="34" charset="0"/>
-              <a:ea typeface="Verdana" panose="020B0604030504040204" pitchFamily="34" charset="0"/>
-              <a:cs typeface="Verdana" panose="020B0604030504040204" pitchFamily="34" charset="0"/>
+              <a:rPr lang="en-GB" b="1" i="1" spc="-15" dirty="0">
+                <a:solidFill>
+                  <a:srgbClr val="C00000"/>
+                </a:solidFill>
+              </a:rPr>
+              <a:t>and </a:t>
+            </a:r>
+            <a:r>
+              <a:rPr lang="en-GB" b="1" i="1" spc="-25" dirty="0">
+                <a:solidFill>
+                  <a:srgbClr val="C00000"/>
+                </a:solidFill>
+                <a:latin typeface="Courier New"/>
+                <a:cs typeface="Courier New"/>
+              </a:rPr>
+              <a:t>Observer</a:t>
+            </a:r>
+            <a:endParaRPr lang="en-GB" b="1" i="1" spc="-15" dirty="0">
+              <a:solidFill>
+                <a:srgbClr val="C00000"/>
+              </a:solidFill>
             </a:endParaRPr>
           </a:p>
           <a:p>
-            <a:pPr marL="353695" marR="1682750" indent="-340995">
+            <a:pPr marL="819785">
               <a:lnSpc>
-                <a:spcPct val="149400"/>
+                <a:spcPct val="100000"/>
               </a:lnSpc>
               <a:spcBef>
-                <a:spcPts val="625"/>
+                <a:spcPts val="2160"/>
               </a:spcBef>
-              <a:buFont typeface="Verdana"/>
-              <a:buChar char="•"/>
               <a:tabLst>
-                <a:tab pos="354330" algn="l"/>
+                <a:tab pos="1161415" algn="l"/>
               </a:tabLst>
             </a:pPr>
-            <a:r>
-              <a:rPr sz="2600" spc="-20" dirty="0">
-                <a:latin typeface="Verdana" panose="020B0604030504040204" pitchFamily="34" charset="0"/>
-                <a:ea typeface="Verdana" panose="020B0604030504040204" pitchFamily="34" charset="0"/>
-                <a:cs typeface="Verdana" panose="020B0604030504040204" pitchFamily="34" charset="0"/>
-              </a:rPr>
-              <a:t>St</a:t>
-            </a:r>
-            <a:r>
-              <a:rPr lang="nl-NL" sz="2600" spc="-20" dirty="0">
-                <a:latin typeface="Verdana" panose="020B0604030504040204" pitchFamily="34" charset="0"/>
-                <a:ea typeface="Verdana" panose="020B0604030504040204" pitchFamily="34" charset="0"/>
-                <a:cs typeface="Verdana" panose="020B0604030504040204" pitchFamily="34" charset="0"/>
-              </a:rPr>
-              <a:t>e</a:t>
-            </a:r>
-            <a:r>
-              <a:rPr sz="2600" spc="-20" dirty="0">
-                <a:latin typeface="Verdana" panose="020B0604030504040204" pitchFamily="34" charset="0"/>
-                <a:ea typeface="Verdana" panose="020B0604030504040204" pitchFamily="34" charset="0"/>
-                <a:cs typeface="Verdana" panose="020B0604030504040204" pitchFamily="34" charset="0"/>
-              </a:rPr>
-              <a:t>p</a:t>
-            </a:r>
-            <a:r>
-              <a:rPr sz="2600" spc="270" dirty="0">
-                <a:latin typeface="Verdana" panose="020B0604030504040204" pitchFamily="34" charset="0"/>
-                <a:ea typeface="Verdana" panose="020B0604030504040204" pitchFamily="34" charset="0"/>
-                <a:cs typeface="Verdana" panose="020B0604030504040204" pitchFamily="34" charset="0"/>
+            <a:endParaRPr lang="en-GB" b="1" spc="-15" dirty="0">
+              <a:solidFill>
+                <a:srgbClr val="C00000"/>
+              </a:solidFill>
+            </a:endParaRPr>
+          </a:p>
+          <a:p>
+            <a:pPr marL="807085">
+              <a:lnSpc>
+                <a:spcPct val="100000"/>
+              </a:lnSpc>
+              <a:spcBef>
+                <a:spcPts val="4"/>
+              </a:spcBef>
+            </a:pPr>
+            <a:endParaRPr sz="2250" dirty="0">
+              <a:latin typeface="Times New Roman"/>
+              <a:cs typeface="Times New Roman"/>
+            </a:endParaRPr>
+          </a:p>
+          <a:p>
+            <a:pPr marL="819785">
+              <a:lnSpc>
+                <a:spcPct val="100000"/>
+              </a:lnSpc>
+            </a:pPr>
+            <a:r>
+              <a:rPr sz="3200" i="1" spc="10" dirty="0">
+                <a:latin typeface="Verdana"/>
+                <a:cs typeface="Verdana"/>
+              </a:rPr>
+              <a:t>“Publis</a:t>
+            </a:r>
+            <a:r>
+              <a:rPr sz="3200" i="1" spc="20" dirty="0">
+                <a:latin typeface="Verdana"/>
+                <a:cs typeface="Verdana"/>
+              </a:rPr>
+              <a:t>h</a:t>
+            </a:r>
+            <a:r>
+              <a:rPr sz="3200" i="1" spc="335" dirty="0">
+                <a:latin typeface="Times New Roman"/>
+                <a:cs typeface="Times New Roman"/>
               </a:rPr>
               <a:t> </a:t>
             </a:r>
             <a:r>
-              <a:rPr sz="2600" spc="-20" dirty="0">
-                <a:latin typeface="Verdana" panose="020B0604030504040204" pitchFamily="34" charset="0"/>
-                <a:ea typeface="Verdana" panose="020B0604030504040204" pitchFamily="34" charset="0"/>
-                <a:cs typeface="Verdana" panose="020B0604030504040204" pitchFamily="34" charset="0"/>
-              </a:rPr>
-              <a:t>3</a:t>
-            </a:r>
-            <a:r>
-              <a:rPr sz="2600" spc="270" dirty="0">
-                <a:latin typeface="Verdana" panose="020B0604030504040204" pitchFamily="34" charset="0"/>
-                <a:ea typeface="Verdana" panose="020B0604030504040204" pitchFamily="34" charset="0"/>
-                <a:cs typeface="Verdana" panose="020B0604030504040204" pitchFamily="34" charset="0"/>
+              <a:rPr sz="3200" i="1" spc="15" dirty="0">
+                <a:latin typeface="Verdana"/>
+                <a:cs typeface="Verdana"/>
+              </a:rPr>
+              <a:t>en</a:t>
+            </a:r>
+            <a:r>
+              <a:rPr sz="3200" i="1" spc="325" dirty="0">
+                <a:latin typeface="Times New Roman"/>
+                <a:cs typeface="Times New Roman"/>
               </a:rPr>
               <a:t> </a:t>
             </a:r>
             <a:r>
-              <a:rPr sz="2600" spc="-20" dirty="0">
-                <a:latin typeface="Verdana" panose="020B0604030504040204" pitchFamily="34" charset="0"/>
-                <a:ea typeface="Verdana" panose="020B0604030504040204" pitchFamily="34" charset="0"/>
-                <a:cs typeface="Verdana" panose="020B0604030504040204" pitchFamily="34" charset="0"/>
-              </a:rPr>
+              <a:rPr sz="3200" i="1" spc="15" dirty="0">
+                <a:latin typeface="Verdana"/>
+                <a:cs typeface="Verdana"/>
+              </a:rPr>
+              <a:t>Subscribe”</a:t>
+            </a:r>
+            <a:r>
+              <a:rPr sz="3200" i="1" spc="315" dirty="0">
+                <a:latin typeface="Times New Roman"/>
+                <a:cs typeface="Times New Roman"/>
+              </a:rPr>
+              <a:t> </a:t>
+            </a:r>
+            <a:r>
+              <a:rPr sz="3200" spc="20" dirty="0"/>
               <a:t>–</a:t>
             </a:r>
             <a:r>
-              <a:rPr sz="2600" spc="260" dirty="0">
-                <a:latin typeface="Verdana" panose="020B0604030504040204" pitchFamily="34" charset="0"/>
-                <a:ea typeface="Verdana" panose="020B0604030504040204" pitchFamily="34" charset="0"/>
-                <a:cs typeface="Verdana" panose="020B0604030504040204" pitchFamily="34" charset="0"/>
+              <a:rPr sz="3200" spc="335" dirty="0">
+                <a:latin typeface="Times New Roman"/>
+                <a:cs typeface="Times New Roman"/>
               </a:rPr>
               <a:t> </a:t>
             </a:r>
             <a:r>
-              <a:rPr lang="nl-NL" sz="2600" spc="-20" dirty="0" err="1">
-                <a:latin typeface="Verdana" panose="020B0604030504040204" pitchFamily="34" charset="0"/>
-                <a:ea typeface="Verdana" panose="020B0604030504040204" pitchFamily="34" charset="0"/>
-                <a:cs typeface="Verdana" panose="020B0604030504040204" pitchFamily="34" charset="0"/>
-              </a:rPr>
-              <a:t>Create</a:t>
-            </a:r>
-            <a:r>
-              <a:rPr lang="nl-NL" sz="2600" spc="-20" dirty="0">
-                <a:latin typeface="Verdana" panose="020B0604030504040204" pitchFamily="34" charset="0"/>
-                <a:ea typeface="Verdana" panose="020B0604030504040204" pitchFamily="34" charset="0"/>
-                <a:cs typeface="Verdana" panose="020B0604030504040204" pitchFamily="34" charset="0"/>
-              </a:rPr>
-              <a:t> S</a:t>
-            </a:r>
-            <a:r>
-              <a:rPr sz="2600" spc="-20" dirty="0" err="1">
-                <a:latin typeface="Verdana" panose="020B0604030504040204" pitchFamily="34" charset="0"/>
-                <a:ea typeface="Verdana" panose="020B0604030504040204" pitchFamily="34" charset="0"/>
-                <a:cs typeface="Verdana" panose="020B0604030504040204" pitchFamily="34" charset="0"/>
-              </a:rPr>
-              <a:t>ubscribe</a:t>
-            </a:r>
-            <a:r>
-              <a:rPr sz="2600" spc="-40" dirty="0" err="1">
-                <a:latin typeface="Verdana" panose="020B0604030504040204" pitchFamily="34" charset="0"/>
-                <a:ea typeface="Verdana" panose="020B0604030504040204" pitchFamily="34" charset="0"/>
-                <a:cs typeface="Verdana" panose="020B0604030504040204" pitchFamily="34" charset="0"/>
-              </a:rPr>
-              <a:t>r</a:t>
-            </a:r>
-            <a:r>
-              <a:rPr sz="2600" spc="-25" dirty="0">
-                <a:latin typeface="Verdana" panose="020B0604030504040204" pitchFamily="34" charset="0"/>
-                <a:ea typeface="Verdana" panose="020B0604030504040204" pitchFamily="34" charset="0"/>
-                <a:cs typeface="Verdana" panose="020B0604030504040204" pitchFamily="34" charset="0"/>
-              </a:rPr>
-              <a:t>-componen</a:t>
-            </a:r>
-            <a:r>
-              <a:rPr sz="2600" spc="-15" dirty="0">
-                <a:latin typeface="Verdana" panose="020B0604030504040204" pitchFamily="34" charset="0"/>
-                <a:ea typeface="Verdana" panose="020B0604030504040204" pitchFamily="34" charset="0"/>
-                <a:cs typeface="Verdana" panose="020B0604030504040204" pitchFamily="34" charset="0"/>
-              </a:rPr>
-              <a:t>t</a:t>
-            </a:r>
-            <a:endParaRPr sz="2600" dirty="0">
-              <a:latin typeface="Verdana" panose="020B0604030504040204" pitchFamily="34" charset="0"/>
-              <a:ea typeface="Verdana" panose="020B0604030504040204" pitchFamily="34" charset="0"/>
-              <a:cs typeface="Verdana" panose="020B0604030504040204" pitchFamily="34" charset="0"/>
+              <a:rPr sz="3200" spc="20" dirty="0"/>
+              <a:t>PubSub</a:t>
+            </a:r>
+            <a:r>
+              <a:rPr sz="3200" spc="335" dirty="0">
+                <a:latin typeface="Times New Roman"/>
+                <a:cs typeface="Times New Roman"/>
+              </a:rPr>
+              <a:t> </a:t>
+            </a:r>
+            <a:r>
+              <a:rPr sz="3200" spc="10" dirty="0"/>
+              <a:t>s</a:t>
+            </a:r>
+            <a:r>
+              <a:rPr sz="3200" spc="15" dirty="0"/>
+              <a:t>ysteem</a:t>
+            </a:r>
+            <a:endParaRPr sz="3200" dirty="0">
+              <a:latin typeface="Times New Roman"/>
+              <a:cs typeface="Times New Roman"/>
+            </a:endParaRPr>
+          </a:p>
+        </p:txBody>
+      </p:sp>
+    </p:spTree>
+  </p:cSld>
+  <p:clrMapOvr>
+    <a:masterClrMapping/>
+  </p:clrMapOvr>
+</p:sld>
+</file>
+
+<file path=ppt/slides/slide36.xml><?xml version="1.0" encoding="utf-8"?>
+<p:sld xmlns:a="http://schemas.openxmlformats.org/drawingml/2006/main" xmlns:r="http://schemas.openxmlformats.org/officeDocument/2006/relationships" xmlns:p="http://schemas.openxmlformats.org/presentationml/2006/main">
+  <p:cSld>
+    <p:spTree>
+      <p:nvGrpSpPr>
+        <p:cNvPr id="1" name=""/>
+        <p:cNvGrpSpPr/>
+        <p:nvPr/>
+      </p:nvGrpSpPr>
+      <p:grpSpPr>
+        <a:xfrm>
+          <a:off x="0" y="0"/>
+          <a:ext cx="0" cy="0"/>
+          <a:chOff x="0" y="0"/>
+          <a:chExt cx="0" cy="0"/>
+        </a:xfrm>
+      </p:grpSpPr>
+      <p:sp>
+        <p:nvSpPr>
+          <p:cNvPr id="2" name="object 2"/>
+          <p:cNvSpPr/>
+          <p:nvPr/>
+        </p:nvSpPr>
+        <p:spPr>
+          <a:xfrm>
+            <a:off x="1383673" y="824487"/>
+            <a:ext cx="8860790" cy="5828665"/>
+          </a:xfrm>
+          <a:custGeom>
+            <a:avLst/>
+            <a:gdLst/>
+            <a:ahLst/>
+            <a:cxnLst/>
+            <a:rect l="l" t="t" r="r" b="b"/>
+            <a:pathLst>
+              <a:path w="8860790" h="5828665">
+                <a:moveTo>
+                  <a:pt x="0" y="5828537"/>
+                </a:moveTo>
+                <a:lnTo>
+                  <a:pt x="8860535" y="5828537"/>
+                </a:lnTo>
+                <a:lnTo>
+                  <a:pt x="8860535" y="0"/>
+                </a:lnTo>
+                <a:lnTo>
+                  <a:pt x="0" y="0"/>
+                </a:lnTo>
+                <a:lnTo>
+                  <a:pt x="0" y="5828537"/>
+                </a:lnTo>
+                <a:close/>
+              </a:path>
+            </a:pathLst>
+          </a:custGeom>
+          <a:solidFill>
+            <a:srgbClr val="DDF3EA"/>
+          </a:solidFill>
+        </p:spPr>
+        <p:txBody>
+          <a:bodyPr wrap="square" lIns="0" tIns="0" rIns="0" bIns="0" rtlCol="0"/>
+          <a:lstStyle/>
+          <a:p>
+            <a:endParaRPr/>
+          </a:p>
+        </p:txBody>
+      </p:sp>
+      <p:sp>
+        <p:nvSpPr>
+          <p:cNvPr id="3" name="object 3"/>
+          <p:cNvSpPr/>
+          <p:nvPr/>
+        </p:nvSpPr>
+        <p:spPr>
+          <a:xfrm>
+            <a:off x="1694569" y="1147581"/>
+            <a:ext cx="4281805" cy="3184525"/>
+          </a:xfrm>
+          <a:custGeom>
+            <a:avLst/>
+            <a:gdLst/>
+            <a:ahLst/>
+            <a:cxnLst/>
+            <a:rect l="l" t="t" r="r" b="b"/>
+            <a:pathLst>
+              <a:path w="4281805" h="3184525">
+                <a:moveTo>
+                  <a:pt x="4281677" y="0"/>
+                </a:moveTo>
+                <a:lnTo>
+                  <a:pt x="0" y="0"/>
+                </a:lnTo>
+                <a:lnTo>
+                  <a:pt x="0" y="3184397"/>
+                </a:lnTo>
+                <a:lnTo>
+                  <a:pt x="4281677" y="3184397"/>
+                </a:lnTo>
+                <a:lnTo>
+                  <a:pt x="4281677" y="3177539"/>
+                </a:lnTo>
+                <a:lnTo>
+                  <a:pt x="13715" y="3177539"/>
+                </a:lnTo>
+                <a:lnTo>
+                  <a:pt x="6857" y="3170681"/>
+                </a:lnTo>
+                <a:lnTo>
+                  <a:pt x="13715" y="3170681"/>
+                </a:lnTo>
+                <a:lnTo>
+                  <a:pt x="13715" y="13715"/>
+                </a:lnTo>
+                <a:lnTo>
+                  <a:pt x="6857" y="13715"/>
+                </a:lnTo>
+                <a:lnTo>
+                  <a:pt x="13715" y="6857"/>
+                </a:lnTo>
+                <a:lnTo>
+                  <a:pt x="4281677" y="6857"/>
+                </a:lnTo>
+                <a:lnTo>
+                  <a:pt x="4281677" y="0"/>
+                </a:lnTo>
+                <a:close/>
+              </a:path>
+              <a:path w="4281805" h="3184525">
+                <a:moveTo>
+                  <a:pt x="13715" y="3170681"/>
+                </a:moveTo>
+                <a:lnTo>
+                  <a:pt x="6857" y="3170681"/>
+                </a:lnTo>
+                <a:lnTo>
+                  <a:pt x="13715" y="3177539"/>
+                </a:lnTo>
+                <a:lnTo>
+                  <a:pt x="13715" y="3170681"/>
+                </a:lnTo>
+                <a:close/>
+              </a:path>
+              <a:path w="4281805" h="3184525">
+                <a:moveTo>
+                  <a:pt x="4267958" y="3170681"/>
+                </a:moveTo>
+                <a:lnTo>
+                  <a:pt x="13715" y="3170681"/>
+                </a:lnTo>
+                <a:lnTo>
+                  <a:pt x="13715" y="3177539"/>
+                </a:lnTo>
+                <a:lnTo>
+                  <a:pt x="4267958" y="3177539"/>
+                </a:lnTo>
+                <a:lnTo>
+                  <a:pt x="4267958" y="3170681"/>
+                </a:lnTo>
+                <a:close/>
+              </a:path>
+              <a:path w="4281805" h="3184525">
+                <a:moveTo>
+                  <a:pt x="4267958" y="6857"/>
+                </a:moveTo>
+                <a:lnTo>
+                  <a:pt x="4267958" y="3177539"/>
+                </a:lnTo>
+                <a:lnTo>
+                  <a:pt x="4274816" y="3170681"/>
+                </a:lnTo>
+                <a:lnTo>
+                  <a:pt x="4281677" y="3170681"/>
+                </a:lnTo>
+                <a:lnTo>
+                  <a:pt x="4281677" y="13715"/>
+                </a:lnTo>
+                <a:lnTo>
+                  <a:pt x="4274816" y="13715"/>
+                </a:lnTo>
+                <a:lnTo>
+                  <a:pt x="4267958" y="6857"/>
+                </a:lnTo>
+                <a:close/>
+              </a:path>
+              <a:path w="4281805" h="3184525">
+                <a:moveTo>
+                  <a:pt x="4281677" y="3170681"/>
+                </a:moveTo>
+                <a:lnTo>
+                  <a:pt x="4274816" y="3170681"/>
+                </a:lnTo>
+                <a:lnTo>
+                  <a:pt x="4267958" y="3177539"/>
+                </a:lnTo>
+                <a:lnTo>
+                  <a:pt x="4281677" y="3177539"/>
+                </a:lnTo>
+                <a:lnTo>
+                  <a:pt x="4281677" y="3170681"/>
+                </a:lnTo>
+                <a:close/>
+              </a:path>
+              <a:path w="4281805" h="3184525">
+                <a:moveTo>
+                  <a:pt x="13715" y="6857"/>
+                </a:moveTo>
+                <a:lnTo>
+                  <a:pt x="6857" y="13715"/>
+                </a:lnTo>
+                <a:lnTo>
+                  <a:pt x="13715" y="13715"/>
+                </a:lnTo>
+                <a:lnTo>
+                  <a:pt x="13715" y="6857"/>
+                </a:lnTo>
+                <a:close/>
+              </a:path>
+              <a:path w="4281805" h="3184525">
+                <a:moveTo>
+                  <a:pt x="4267958" y="6857"/>
+                </a:moveTo>
+                <a:lnTo>
+                  <a:pt x="13715" y="6857"/>
+                </a:lnTo>
+                <a:lnTo>
+                  <a:pt x="13715" y="13715"/>
+                </a:lnTo>
+                <a:lnTo>
+                  <a:pt x="4267958" y="13715"/>
+                </a:lnTo>
+                <a:lnTo>
+                  <a:pt x="4267958" y="6857"/>
+                </a:lnTo>
+                <a:close/>
+              </a:path>
+              <a:path w="4281805" h="3184525">
+                <a:moveTo>
+                  <a:pt x="4281677" y="6857"/>
+                </a:moveTo>
+                <a:lnTo>
+                  <a:pt x="4267958" y="6857"/>
+                </a:lnTo>
+                <a:lnTo>
+                  <a:pt x="4274816" y="13715"/>
+                </a:lnTo>
+                <a:lnTo>
+                  <a:pt x="4281677" y="13715"/>
+                </a:lnTo>
+                <a:lnTo>
+                  <a:pt x="4281677" y="6857"/>
+                </a:lnTo>
+                <a:close/>
+              </a:path>
+            </a:pathLst>
+          </a:custGeom>
+          <a:solidFill>
+            <a:srgbClr val="00956F"/>
+          </a:solidFill>
+        </p:spPr>
+        <p:txBody>
+          <a:bodyPr wrap="square" lIns="0" tIns="0" rIns="0" bIns="0" rtlCol="0"/>
+          <a:lstStyle/>
+          <a:p>
+            <a:endParaRPr/>
+          </a:p>
+        </p:txBody>
+      </p:sp>
+      <p:sp>
+        <p:nvSpPr>
+          <p:cNvPr id="4" name="object 4"/>
+          <p:cNvSpPr txBox="1"/>
+          <p:nvPr/>
+        </p:nvSpPr>
+        <p:spPr>
+          <a:xfrm>
+            <a:off x="1701427" y="1154439"/>
+            <a:ext cx="4268470" cy="3171190"/>
+          </a:xfrm>
+          <a:prstGeom prst="rect">
+            <a:avLst/>
+          </a:prstGeom>
+          <a:solidFill>
+            <a:srgbClr val="32946A"/>
+          </a:solidFill>
+        </p:spPr>
+        <p:txBody>
+          <a:bodyPr vert="horz" wrap="square" lIns="0" tIns="0" rIns="0" bIns="0" rtlCol="0">
+            <a:spAutoFit/>
+          </a:bodyPr>
+          <a:lstStyle/>
+          <a:p>
+            <a:pPr marL="1040765">
+              <a:lnSpc>
+                <a:spcPct val="100000"/>
+              </a:lnSpc>
+            </a:pPr>
+            <a:r>
+              <a:rPr sz="3200" spc="10" dirty="0">
+                <a:solidFill>
+                  <a:srgbClr val="FFFFFF"/>
+                </a:solidFill>
+                <a:latin typeface="Verdana"/>
+                <a:cs typeface="Verdana"/>
+              </a:rPr>
+              <a:t>&lt;cit</a:t>
+            </a:r>
+            <a:r>
+              <a:rPr sz="3200" spc="-50" dirty="0">
+                <a:solidFill>
+                  <a:srgbClr val="FFFFFF"/>
+                </a:solidFill>
+                <a:latin typeface="Verdana"/>
+                <a:cs typeface="Verdana"/>
+              </a:rPr>
+              <a:t>y</a:t>
+            </a:r>
+            <a:r>
+              <a:rPr sz="3200" spc="5" dirty="0">
+                <a:solidFill>
+                  <a:srgbClr val="FFFFFF"/>
+                </a:solidFill>
+                <a:latin typeface="Verdana"/>
+                <a:cs typeface="Verdana"/>
+              </a:rPr>
+              <a:t>-list&gt;</a:t>
+            </a:r>
+            <a:endParaRPr sz="3200">
+              <a:latin typeface="Verdana"/>
+              <a:cs typeface="Verdana"/>
+            </a:endParaRPr>
+          </a:p>
+        </p:txBody>
+      </p:sp>
+      <p:sp>
+        <p:nvSpPr>
+          <p:cNvPr id="5" name="object 5"/>
+          <p:cNvSpPr/>
+          <p:nvPr/>
+        </p:nvSpPr>
+        <p:spPr>
+          <a:xfrm>
+            <a:off x="1712095" y="4655061"/>
+            <a:ext cx="4173220" cy="1306195"/>
+          </a:xfrm>
+          <a:custGeom>
+            <a:avLst/>
+            <a:gdLst/>
+            <a:ahLst/>
+            <a:cxnLst/>
+            <a:rect l="l" t="t" r="r" b="b"/>
+            <a:pathLst>
+              <a:path w="4173220" h="1306195">
+                <a:moveTo>
+                  <a:pt x="0" y="1306067"/>
+                </a:moveTo>
+                <a:lnTo>
+                  <a:pt x="4172711" y="1306067"/>
+                </a:lnTo>
+                <a:lnTo>
+                  <a:pt x="4172711" y="0"/>
+                </a:lnTo>
+                <a:lnTo>
+                  <a:pt x="0" y="0"/>
+                </a:lnTo>
+                <a:lnTo>
+                  <a:pt x="0" y="1306067"/>
+                </a:lnTo>
+                <a:close/>
+              </a:path>
+            </a:pathLst>
+          </a:custGeom>
+          <a:solidFill>
+            <a:srgbClr val="60C99C"/>
+          </a:solidFill>
+        </p:spPr>
+        <p:txBody>
+          <a:bodyPr wrap="square" lIns="0" tIns="0" rIns="0" bIns="0" rtlCol="0"/>
+          <a:lstStyle/>
+          <a:p>
+            <a:endParaRPr/>
+          </a:p>
+        </p:txBody>
+      </p:sp>
+      <p:sp>
+        <p:nvSpPr>
+          <p:cNvPr id="6" name="object 6"/>
+          <p:cNvSpPr/>
+          <p:nvPr/>
+        </p:nvSpPr>
+        <p:spPr>
+          <a:xfrm>
+            <a:off x="1705236" y="4648203"/>
+            <a:ext cx="4186554" cy="1320165"/>
+          </a:xfrm>
+          <a:custGeom>
+            <a:avLst/>
+            <a:gdLst/>
+            <a:ahLst/>
+            <a:cxnLst/>
+            <a:rect l="l" t="t" r="r" b="b"/>
+            <a:pathLst>
+              <a:path w="4186554" h="1320164">
+                <a:moveTo>
+                  <a:pt x="4186427" y="0"/>
+                </a:moveTo>
+                <a:lnTo>
+                  <a:pt x="0" y="0"/>
+                </a:lnTo>
+                <a:lnTo>
+                  <a:pt x="0" y="1319783"/>
+                </a:lnTo>
+                <a:lnTo>
+                  <a:pt x="4186427" y="1319783"/>
+                </a:lnTo>
+                <a:lnTo>
+                  <a:pt x="4186427" y="1312925"/>
+                </a:lnTo>
+                <a:lnTo>
+                  <a:pt x="13715" y="1312925"/>
+                </a:lnTo>
+                <a:lnTo>
+                  <a:pt x="6857" y="1306067"/>
+                </a:lnTo>
+                <a:lnTo>
+                  <a:pt x="13715" y="1306067"/>
+                </a:lnTo>
+                <a:lnTo>
+                  <a:pt x="13715" y="13715"/>
+                </a:lnTo>
+                <a:lnTo>
+                  <a:pt x="6857" y="13715"/>
+                </a:lnTo>
+                <a:lnTo>
+                  <a:pt x="13715" y="6857"/>
+                </a:lnTo>
+                <a:lnTo>
+                  <a:pt x="4186427" y="6857"/>
+                </a:lnTo>
+                <a:lnTo>
+                  <a:pt x="4186427" y="0"/>
+                </a:lnTo>
+                <a:close/>
+              </a:path>
+              <a:path w="4186554" h="1320164">
+                <a:moveTo>
+                  <a:pt x="13715" y="1306067"/>
+                </a:moveTo>
+                <a:lnTo>
+                  <a:pt x="6857" y="1306067"/>
+                </a:lnTo>
+                <a:lnTo>
+                  <a:pt x="13715" y="1312925"/>
+                </a:lnTo>
+                <a:lnTo>
+                  <a:pt x="13715" y="1306067"/>
+                </a:lnTo>
+                <a:close/>
+              </a:path>
+              <a:path w="4186554" h="1320164">
+                <a:moveTo>
+                  <a:pt x="4172708" y="1306067"/>
+                </a:moveTo>
+                <a:lnTo>
+                  <a:pt x="13715" y="1306067"/>
+                </a:lnTo>
+                <a:lnTo>
+                  <a:pt x="13715" y="1312925"/>
+                </a:lnTo>
+                <a:lnTo>
+                  <a:pt x="4172708" y="1312925"/>
+                </a:lnTo>
+                <a:lnTo>
+                  <a:pt x="4172708" y="1306067"/>
+                </a:lnTo>
+                <a:close/>
+              </a:path>
+              <a:path w="4186554" h="1320164">
+                <a:moveTo>
+                  <a:pt x="4172708" y="6857"/>
+                </a:moveTo>
+                <a:lnTo>
+                  <a:pt x="4172708" y="1312925"/>
+                </a:lnTo>
+                <a:lnTo>
+                  <a:pt x="4179566" y="1306067"/>
+                </a:lnTo>
+                <a:lnTo>
+                  <a:pt x="4186427" y="1306067"/>
+                </a:lnTo>
+                <a:lnTo>
+                  <a:pt x="4186427" y="13715"/>
+                </a:lnTo>
+                <a:lnTo>
+                  <a:pt x="4179566" y="13715"/>
+                </a:lnTo>
+                <a:lnTo>
+                  <a:pt x="4172708" y="6857"/>
+                </a:lnTo>
+                <a:close/>
+              </a:path>
+              <a:path w="4186554" h="1320164">
+                <a:moveTo>
+                  <a:pt x="4186427" y="1306067"/>
+                </a:moveTo>
+                <a:lnTo>
+                  <a:pt x="4179566" y="1306067"/>
+                </a:lnTo>
+                <a:lnTo>
+                  <a:pt x="4172708" y="1312925"/>
+                </a:lnTo>
+                <a:lnTo>
+                  <a:pt x="4186427" y="1312925"/>
+                </a:lnTo>
+                <a:lnTo>
+                  <a:pt x="4186427" y="1306067"/>
+                </a:lnTo>
+                <a:close/>
+              </a:path>
+              <a:path w="4186554" h="1320164">
+                <a:moveTo>
+                  <a:pt x="13715" y="6857"/>
+                </a:moveTo>
+                <a:lnTo>
+                  <a:pt x="6857" y="13715"/>
+                </a:lnTo>
+                <a:lnTo>
+                  <a:pt x="13715" y="13715"/>
+                </a:lnTo>
+                <a:lnTo>
+                  <a:pt x="13715" y="6857"/>
+                </a:lnTo>
+                <a:close/>
+              </a:path>
+              <a:path w="4186554" h="1320164">
+                <a:moveTo>
+                  <a:pt x="4172708" y="6857"/>
+                </a:moveTo>
+                <a:lnTo>
+                  <a:pt x="13715" y="6857"/>
+                </a:lnTo>
+                <a:lnTo>
+                  <a:pt x="13715" y="13715"/>
+                </a:lnTo>
+                <a:lnTo>
+                  <a:pt x="4172708" y="13715"/>
+                </a:lnTo>
+                <a:lnTo>
+                  <a:pt x="4172708" y="6857"/>
+                </a:lnTo>
+                <a:close/>
+              </a:path>
+              <a:path w="4186554" h="1320164">
+                <a:moveTo>
+                  <a:pt x="4186427" y="6857"/>
+                </a:moveTo>
+                <a:lnTo>
+                  <a:pt x="4172708" y="6857"/>
+                </a:lnTo>
+                <a:lnTo>
+                  <a:pt x="4179566" y="13715"/>
+                </a:lnTo>
+                <a:lnTo>
+                  <a:pt x="4186427" y="13715"/>
+                </a:lnTo>
+                <a:lnTo>
+                  <a:pt x="4186427" y="6857"/>
+                </a:lnTo>
+                <a:close/>
+              </a:path>
+            </a:pathLst>
+          </a:custGeom>
+          <a:solidFill>
+            <a:srgbClr val="00956F"/>
+          </a:solidFill>
+        </p:spPr>
+        <p:txBody>
+          <a:bodyPr wrap="square" lIns="0" tIns="0" rIns="0" bIns="0" rtlCol="0"/>
+          <a:lstStyle/>
+          <a:p>
+            <a:endParaRPr/>
+          </a:p>
+        </p:txBody>
+      </p:sp>
+      <p:sp>
+        <p:nvSpPr>
+          <p:cNvPr id="7" name="object 7"/>
+          <p:cNvSpPr txBox="1"/>
+          <p:nvPr/>
+        </p:nvSpPr>
+        <p:spPr>
+          <a:xfrm>
+            <a:off x="2335671" y="5116543"/>
+            <a:ext cx="2923540" cy="436880"/>
+          </a:xfrm>
+          <a:prstGeom prst="rect">
+            <a:avLst/>
+          </a:prstGeom>
+        </p:spPr>
+        <p:txBody>
+          <a:bodyPr vert="horz" wrap="square" lIns="0" tIns="0" rIns="0" bIns="0" rtlCol="0">
+            <a:spAutoFit/>
+          </a:bodyPr>
+          <a:lstStyle/>
+          <a:p>
+            <a:pPr marL="12700">
+              <a:lnSpc>
+                <a:spcPct val="100000"/>
+              </a:lnSpc>
+            </a:pPr>
+            <a:r>
+              <a:rPr sz="3200" spc="10" dirty="0">
+                <a:solidFill>
+                  <a:srgbClr val="FFFFFF"/>
+                </a:solidFill>
+                <a:latin typeface="Verdana"/>
+                <a:cs typeface="Verdana"/>
+              </a:rPr>
+              <a:t>&lt;cit</a:t>
+            </a:r>
+            <a:r>
+              <a:rPr sz="3200" spc="-50" dirty="0">
+                <a:solidFill>
+                  <a:srgbClr val="FFFFFF"/>
+                </a:solidFill>
+                <a:latin typeface="Verdana"/>
+                <a:cs typeface="Verdana"/>
+              </a:rPr>
+              <a:t>y</a:t>
+            </a:r>
+            <a:r>
+              <a:rPr sz="3200" spc="10" dirty="0">
+                <a:solidFill>
+                  <a:srgbClr val="FFFFFF"/>
+                </a:solidFill>
+                <a:latin typeface="Verdana"/>
+                <a:cs typeface="Verdana"/>
+              </a:rPr>
+              <a:t>-orders&gt;</a:t>
+            </a:r>
+            <a:endParaRPr sz="3200">
+              <a:latin typeface="Verdana"/>
+              <a:cs typeface="Verdana"/>
+            </a:endParaRPr>
+          </a:p>
+        </p:txBody>
+      </p:sp>
+      <p:sp>
+        <p:nvSpPr>
+          <p:cNvPr id="8" name="object 8"/>
+          <p:cNvSpPr/>
+          <p:nvPr/>
+        </p:nvSpPr>
+        <p:spPr>
+          <a:xfrm>
+            <a:off x="6287139" y="1154439"/>
+            <a:ext cx="3639820" cy="3171190"/>
+          </a:xfrm>
+          <a:custGeom>
+            <a:avLst/>
+            <a:gdLst/>
+            <a:ahLst/>
+            <a:cxnLst/>
+            <a:rect l="l" t="t" r="r" b="b"/>
+            <a:pathLst>
+              <a:path w="3639820" h="3171190">
+                <a:moveTo>
+                  <a:pt x="0" y="3170681"/>
+                </a:moveTo>
+                <a:lnTo>
+                  <a:pt x="3639311" y="3170681"/>
+                </a:lnTo>
+                <a:lnTo>
+                  <a:pt x="3639311" y="0"/>
+                </a:lnTo>
+                <a:lnTo>
+                  <a:pt x="0" y="0"/>
+                </a:lnTo>
+                <a:lnTo>
+                  <a:pt x="0" y="3170681"/>
+                </a:lnTo>
+                <a:close/>
+              </a:path>
+            </a:pathLst>
+          </a:custGeom>
+          <a:solidFill>
+            <a:srgbClr val="32946A"/>
+          </a:solidFill>
+        </p:spPr>
+        <p:txBody>
+          <a:bodyPr wrap="square" lIns="0" tIns="0" rIns="0" bIns="0" rtlCol="0"/>
+          <a:lstStyle/>
+          <a:p>
+            <a:endParaRPr/>
+          </a:p>
+        </p:txBody>
+      </p:sp>
+      <p:sp>
+        <p:nvSpPr>
+          <p:cNvPr id="9" name="object 9"/>
+          <p:cNvSpPr/>
+          <p:nvPr/>
+        </p:nvSpPr>
+        <p:spPr>
+          <a:xfrm>
+            <a:off x="6280281" y="1147581"/>
+            <a:ext cx="3653154" cy="3184525"/>
+          </a:xfrm>
+          <a:custGeom>
+            <a:avLst/>
+            <a:gdLst/>
+            <a:ahLst/>
+            <a:cxnLst/>
+            <a:rect l="l" t="t" r="r" b="b"/>
+            <a:pathLst>
+              <a:path w="3653154" h="3184525">
+                <a:moveTo>
+                  <a:pt x="3653027" y="0"/>
+                </a:moveTo>
+                <a:lnTo>
+                  <a:pt x="0" y="0"/>
+                </a:lnTo>
+                <a:lnTo>
+                  <a:pt x="0" y="3184397"/>
+                </a:lnTo>
+                <a:lnTo>
+                  <a:pt x="3653027" y="3184397"/>
+                </a:lnTo>
+                <a:lnTo>
+                  <a:pt x="3653027" y="3177539"/>
+                </a:lnTo>
+                <a:lnTo>
+                  <a:pt x="13715" y="3177539"/>
+                </a:lnTo>
+                <a:lnTo>
+                  <a:pt x="6857" y="3170681"/>
+                </a:lnTo>
+                <a:lnTo>
+                  <a:pt x="13715" y="3170681"/>
+                </a:lnTo>
+                <a:lnTo>
+                  <a:pt x="13715" y="13715"/>
+                </a:lnTo>
+                <a:lnTo>
+                  <a:pt x="6857" y="13715"/>
+                </a:lnTo>
+                <a:lnTo>
+                  <a:pt x="13715" y="6857"/>
+                </a:lnTo>
+                <a:lnTo>
+                  <a:pt x="3653027" y="6857"/>
+                </a:lnTo>
+                <a:lnTo>
+                  <a:pt x="3653027" y="0"/>
+                </a:lnTo>
+                <a:close/>
+              </a:path>
+              <a:path w="3653154" h="3184525">
+                <a:moveTo>
+                  <a:pt x="13715" y="3170681"/>
+                </a:moveTo>
+                <a:lnTo>
+                  <a:pt x="6857" y="3170681"/>
+                </a:lnTo>
+                <a:lnTo>
+                  <a:pt x="13715" y="3177539"/>
+                </a:lnTo>
+                <a:lnTo>
+                  <a:pt x="13715" y="3170681"/>
+                </a:lnTo>
+                <a:close/>
+              </a:path>
+              <a:path w="3653154" h="3184525">
+                <a:moveTo>
+                  <a:pt x="3639311" y="3170681"/>
+                </a:moveTo>
+                <a:lnTo>
+                  <a:pt x="13715" y="3170681"/>
+                </a:lnTo>
+                <a:lnTo>
+                  <a:pt x="13715" y="3177539"/>
+                </a:lnTo>
+                <a:lnTo>
+                  <a:pt x="3639311" y="3177539"/>
+                </a:lnTo>
+                <a:lnTo>
+                  <a:pt x="3639311" y="3170681"/>
+                </a:lnTo>
+                <a:close/>
+              </a:path>
+              <a:path w="3653154" h="3184525">
+                <a:moveTo>
+                  <a:pt x="3639311" y="6857"/>
+                </a:moveTo>
+                <a:lnTo>
+                  <a:pt x="3639311" y="3177539"/>
+                </a:lnTo>
+                <a:lnTo>
+                  <a:pt x="3646169" y="3170681"/>
+                </a:lnTo>
+                <a:lnTo>
+                  <a:pt x="3653027" y="3170681"/>
+                </a:lnTo>
+                <a:lnTo>
+                  <a:pt x="3653027" y="13715"/>
+                </a:lnTo>
+                <a:lnTo>
+                  <a:pt x="3646169" y="13715"/>
+                </a:lnTo>
+                <a:lnTo>
+                  <a:pt x="3639311" y="6857"/>
+                </a:lnTo>
+                <a:close/>
+              </a:path>
+              <a:path w="3653154" h="3184525">
+                <a:moveTo>
+                  <a:pt x="3653027" y="3170681"/>
+                </a:moveTo>
+                <a:lnTo>
+                  <a:pt x="3646169" y="3170681"/>
+                </a:lnTo>
+                <a:lnTo>
+                  <a:pt x="3639311" y="3177539"/>
+                </a:lnTo>
+                <a:lnTo>
+                  <a:pt x="3653027" y="3177539"/>
+                </a:lnTo>
+                <a:lnTo>
+                  <a:pt x="3653027" y="3170681"/>
+                </a:lnTo>
+                <a:close/>
+              </a:path>
+              <a:path w="3653154" h="3184525">
+                <a:moveTo>
+                  <a:pt x="13715" y="6857"/>
+                </a:moveTo>
+                <a:lnTo>
+                  <a:pt x="6857" y="13715"/>
+                </a:lnTo>
+                <a:lnTo>
+                  <a:pt x="13715" y="13715"/>
+                </a:lnTo>
+                <a:lnTo>
+                  <a:pt x="13715" y="6857"/>
+                </a:lnTo>
+                <a:close/>
+              </a:path>
+              <a:path w="3653154" h="3184525">
+                <a:moveTo>
+                  <a:pt x="3639311" y="6857"/>
+                </a:moveTo>
+                <a:lnTo>
+                  <a:pt x="13715" y="6857"/>
+                </a:lnTo>
+                <a:lnTo>
+                  <a:pt x="13715" y="13715"/>
+                </a:lnTo>
+                <a:lnTo>
+                  <a:pt x="3639311" y="13715"/>
+                </a:lnTo>
+                <a:lnTo>
+                  <a:pt x="3639311" y="6857"/>
+                </a:lnTo>
+                <a:close/>
+              </a:path>
+              <a:path w="3653154" h="3184525">
+                <a:moveTo>
+                  <a:pt x="3653027" y="6857"/>
+                </a:moveTo>
+                <a:lnTo>
+                  <a:pt x="3639311" y="6857"/>
+                </a:lnTo>
+                <a:lnTo>
+                  <a:pt x="3646169" y="13715"/>
+                </a:lnTo>
+                <a:lnTo>
+                  <a:pt x="3653027" y="13715"/>
+                </a:lnTo>
+                <a:lnTo>
+                  <a:pt x="3653027" y="6857"/>
+                </a:lnTo>
+                <a:close/>
+              </a:path>
+            </a:pathLst>
+          </a:custGeom>
+          <a:solidFill>
+            <a:srgbClr val="00956F"/>
+          </a:solidFill>
+        </p:spPr>
+        <p:txBody>
+          <a:bodyPr wrap="square" lIns="0" tIns="0" rIns="0" bIns="0" rtlCol="0"/>
+          <a:lstStyle/>
+          <a:p>
+            <a:endParaRPr/>
+          </a:p>
+        </p:txBody>
+      </p:sp>
+      <p:sp>
+        <p:nvSpPr>
+          <p:cNvPr id="10" name="object 10"/>
+          <p:cNvSpPr txBox="1"/>
+          <p:nvPr/>
+        </p:nvSpPr>
+        <p:spPr>
+          <a:xfrm>
+            <a:off x="6627259" y="2547839"/>
+            <a:ext cx="2957830" cy="436880"/>
+          </a:xfrm>
+          <a:prstGeom prst="rect">
+            <a:avLst/>
+          </a:prstGeom>
+        </p:spPr>
+        <p:txBody>
+          <a:bodyPr vert="horz" wrap="square" lIns="0" tIns="0" rIns="0" bIns="0" rtlCol="0">
+            <a:spAutoFit/>
+          </a:bodyPr>
+          <a:lstStyle/>
+          <a:p>
+            <a:pPr marL="12700">
+              <a:lnSpc>
+                <a:spcPct val="100000"/>
+              </a:lnSpc>
+            </a:pPr>
+            <a:r>
+              <a:rPr sz="3200" spc="10" dirty="0">
+                <a:solidFill>
+                  <a:srgbClr val="FFFFFF"/>
+                </a:solidFill>
+                <a:latin typeface="Verdana"/>
+                <a:cs typeface="Verdana"/>
+              </a:rPr>
+              <a:t>&lt;cit</a:t>
+            </a:r>
+            <a:r>
+              <a:rPr sz="3200" spc="-50" dirty="0">
+                <a:solidFill>
+                  <a:srgbClr val="FFFFFF"/>
+                </a:solidFill>
+                <a:latin typeface="Verdana"/>
+                <a:cs typeface="Verdana"/>
+              </a:rPr>
+              <a:t>y</a:t>
+            </a:r>
+            <a:r>
+              <a:rPr sz="3200" spc="10" dirty="0">
+                <a:solidFill>
+                  <a:srgbClr val="FFFFFF"/>
+                </a:solidFill>
+                <a:latin typeface="Verdana"/>
+                <a:cs typeface="Verdana"/>
+              </a:rPr>
+              <a:t>-details&gt;</a:t>
+            </a:r>
+            <a:endParaRPr sz="3200">
+              <a:latin typeface="Verdana"/>
+              <a:cs typeface="Verdana"/>
+            </a:endParaRPr>
+          </a:p>
+        </p:txBody>
+      </p:sp>
+      <p:sp>
+        <p:nvSpPr>
+          <p:cNvPr id="11" name="object 11"/>
+          <p:cNvSpPr/>
+          <p:nvPr/>
+        </p:nvSpPr>
+        <p:spPr>
+          <a:xfrm>
+            <a:off x="6423537" y="3621795"/>
+            <a:ext cx="1710055" cy="521970"/>
+          </a:xfrm>
+          <a:custGeom>
+            <a:avLst/>
+            <a:gdLst/>
+            <a:ahLst/>
+            <a:cxnLst/>
+            <a:rect l="l" t="t" r="r" b="b"/>
+            <a:pathLst>
+              <a:path w="1710054" h="521970">
+                <a:moveTo>
+                  <a:pt x="1623059" y="0"/>
+                </a:moveTo>
+                <a:lnTo>
+                  <a:pt x="76419" y="632"/>
+                </a:lnTo>
+                <a:lnTo>
+                  <a:pt x="37463" y="15639"/>
+                </a:lnTo>
+                <a:lnTo>
+                  <a:pt x="10240" y="46477"/>
+                </a:lnTo>
+                <a:lnTo>
+                  <a:pt x="0" y="87629"/>
+                </a:lnTo>
+                <a:lnTo>
+                  <a:pt x="554" y="444982"/>
+                </a:lnTo>
+                <a:lnTo>
+                  <a:pt x="15183" y="484207"/>
+                </a:lnTo>
+                <a:lnTo>
+                  <a:pt x="45728" y="511642"/>
+                </a:lnTo>
+                <a:lnTo>
+                  <a:pt x="86867" y="521969"/>
+                </a:lnTo>
+                <a:lnTo>
+                  <a:pt x="1632940" y="521415"/>
+                </a:lnTo>
+                <a:lnTo>
+                  <a:pt x="1672165" y="506786"/>
+                </a:lnTo>
+                <a:lnTo>
+                  <a:pt x="1699600" y="476241"/>
+                </a:lnTo>
+                <a:lnTo>
+                  <a:pt x="1709927" y="435101"/>
+                </a:lnTo>
+                <a:lnTo>
+                  <a:pt x="1709307" y="77169"/>
+                </a:lnTo>
+                <a:lnTo>
+                  <a:pt x="1694537" y="37976"/>
+                </a:lnTo>
+                <a:lnTo>
+                  <a:pt x="1664039" y="10413"/>
+                </a:lnTo>
+                <a:lnTo>
+                  <a:pt x="1623059" y="0"/>
+                </a:lnTo>
+                <a:close/>
+              </a:path>
+            </a:pathLst>
+          </a:custGeom>
+          <a:solidFill>
+            <a:srgbClr val="7878DE"/>
+          </a:solidFill>
+        </p:spPr>
+        <p:txBody>
+          <a:bodyPr wrap="square" lIns="0" tIns="0" rIns="0" bIns="0" rtlCol="0"/>
+          <a:lstStyle/>
+          <a:p>
+            <a:endParaRPr/>
+          </a:p>
+        </p:txBody>
+      </p:sp>
+      <p:sp>
+        <p:nvSpPr>
+          <p:cNvPr id="12" name="object 12"/>
+          <p:cNvSpPr txBox="1"/>
+          <p:nvPr/>
+        </p:nvSpPr>
+        <p:spPr>
+          <a:xfrm>
+            <a:off x="6737749" y="3761833"/>
+            <a:ext cx="1275951" cy="300082"/>
+          </a:xfrm>
+          <a:prstGeom prst="rect">
+            <a:avLst/>
+          </a:prstGeom>
+        </p:spPr>
+        <p:txBody>
+          <a:bodyPr vert="horz" wrap="square" lIns="0" tIns="0" rIns="0" bIns="0" rtlCol="0">
+            <a:spAutoFit/>
+          </a:bodyPr>
+          <a:lstStyle/>
+          <a:p>
+            <a:pPr marL="12700">
+              <a:lnSpc>
+                <a:spcPct val="100000"/>
+              </a:lnSpc>
+            </a:pPr>
+            <a:r>
+              <a:rPr sz="1950" b="1" spc="-20" dirty="0">
+                <a:solidFill>
+                  <a:srgbClr val="FFFFFF"/>
+                </a:solidFill>
+                <a:latin typeface="Arial"/>
+                <a:cs typeface="Arial"/>
+              </a:rPr>
+              <a:t>Bo</a:t>
+            </a:r>
+            <a:r>
+              <a:rPr lang="nl-NL" sz="1950" b="1" spc="-20" dirty="0">
+                <a:solidFill>
+                  <a:srgbClr val="FFFFFF"/>
+                </a:solidFill>
+                <a:latin typeface="Arial"/>
+                <a:cs typeface="Arial"/>
+              </a:rPr>
+              <a:t>o</a:t>
+            </a:r>
+            <a:r>
+              <a:rPr sz="1950" b="1" spc="-15" dirty="0">
+                <a:solidFill>
+                  <a:srgbClr val="FFFFFF"/>
+                </a:solidFill>
+                <a:latin typeface="Arial"/>
+                <a:cs typeface="Arial"/>
+              </a:rPr>
+              <a:t>k</a:t>
+            </a:r>
+            <a:r>
+              <a:rPr sz="1950" b="1" spc="-5" dirty="0">
+                <a:solidFill>
+                  <a:srgbClr val="FFFFFF"/>
+                </a:solidFill>
+                <a:latin typeface="Arial"/>
+                <a:cs typeface="Arial"/>
+              </a:rPr>
+              <a:t> </a:t>
+            </a:r>
+            <a:r>
+              <a:rPr sz="1950" b="1" spc="-20" dirty="0">
+                <a:solidFill>
+                  <a:srgbClr val="FFFFFF"/>
+                </a:solidFill>
+                <a:latin typeface="Arial"/>
+                <a:cs typeface="Arial"/>
+              </a:rPr>
+              <a:t>n</a:t>
+            </a:r>
+            <a:r>
+              <a:rPr lang="nl-NL" sz="1950" b="1" spc="-20" dirty="0">
+                <a:solidFill>
+                  <a:srgbClr val="FFFFFF"/>
+                </a:solidFill>
+                <a:latin typeface="Arial"/>
+                <a:cs typeface="Arial"/>
+              </a:rPr>
+              <a:t>ow</a:t>
+            </a:r>
+            <a:r>
+              <a:rPr sz="1950" b="1" spc="-20" dirty="0">
+                <a:solidFill>
+                  <a:srgbClr val="FFFFFF"/>
+                </a:solidFill>
+                <a:latin typeface="Arial"/>
+                <a:cs typeface="Arial"/>
+              </a:rPr>
+              <a:t>!</a:t>
+            </a:r>
+            <a:endParaRPr sz="1950" dirty="0">
+              <a:latin typeface="Arial"/>
+              <a:cs typeface="Arial"/>
+            </a:endParaRPr>
+          </a:p>
+        </p:txBody>
+      </p:sp>
+      <p:sp>
+        <p:nvSpPr>
+          <p:cNvPr id="13" name="object 13"/>
+          <p:cNvSpPr/>
+          <p:nvPr/>
+        </p:nvSpPr>
+        <p:spPr>
+          <a:xfrm>
+            <a:off x="7116957" y="4085091"/>
+            <a:ext cx="439420" cy="944880"/>
+          </a:xfrm>
+          <a:custGeom>
+            <a:avLst/>
+            <a:gdLst/>
+            <a:ahLst/>
+            <a:cxnLst/>
+            <a:rect l="l" t="t" r="r" b="b"/>
+            <a:pathLst>
+              <a:path w="439420" h="944879">
+                <a:moveTo>
+                  <a:pt x="438911" y="725417"/>
+                </a:moveTo>
+                <a:lnTo>
+                  <a:pt x="0" y="725417"/>
+                </a:lnTo>
+                <a:lnTo>
+                  <a:pt x="219455" y="944873"/>
+                </a:lnTo>
+                <a:lnTo>
+                  <a:pt x="438911" y="725417"/>
+                </a:lnTo>
+                <a:close/>
+              </a:path>
+              <a:path w="439420" h="944879">
+                <a:moveTo>
+                  <a:pt x="329183" y="0"/>
+                </a:moveTo>
+                <a:lnTo>
+                  <a:pt x="109727" y="0"/>
+                </a:lnTo>
+                <a:lnTo>
+                  <a:pt x="109727" y="725417"/>
+                </a:lnTo>
+                <a:lnTo>
+                  <a:pt x="329183" y="725417"/>
+                </a:lnTo>
+                <a:lnTo>
+                  <a:pt x="329183" y="0"/>
+                </a:lnTo>
+                <a:close/>
+              </a:path>
+            </a:pathLst>
+          </a:custGeom>
+          <a:solidFill>
+            <a:srgbClr val="000000"/>
+          </a:solidFill>
+        </p:spPr>
+        <p:txBody>
+          <a:bodyPr wrap="square" lIns="0" tIns="0" rIns="0" bIns="0" rtlCol="0"/>
+          <a:lstStyle/>
+          <a:p>
+            <a:endParaRPr/>
+          </a:p>
+        </p:txBody>
+      </p:sp>
+      <p:sp>
+        <p:nvSpPr>
+          <p:cNvPr id="14" name="object 14"/>
+          <p:cNvSpPr/>
+          <p:nvPr/>
+        </p:nvSpPr>
+        <p:spPr>
+          <a:xfrm>
+            <a:off x="6385437" y="4927095"/>
+            <a:ext cx="2304415" cy="1259840"/>
+          </a:xfrm>
+          <a:custGeom>
+            <a:avLst/>
+            <a:gdLst/>
+            <a:ahLst/>
+            <a:cxnLst/>
+            <a:rect l="l" t="t" r="r" b="b"/>
+            <a:pathLst>
+              <a:path w="2304415" h="1259839">
+                <a:moveTo>
+                  <a:pt x="480059" y="211835"/>
+                </a:moveTo>
+                <a:lnTo>
+                  <a:pt x="573023" y="456437"/>
+                </a:lnTo>
+                <a:lnTo>
+                  <a:pt x="124967" y="482345"/>
+                </a:lnTo>
+                <a:lnTo>
+                  <a:pt x="419861" y="675893"/>
+                </a:lnTo>
+                <a:lnTo>
+                  <a:pt x="0" y="751331"/>
+                </a:lnTo>
+                <a:lnTo>
+                  <a:pt x="355091" y="896873"/>
+                </a:lnTo>
+                <a:lnTo>
+                  <a:pt x="137159" y="1039367"/>
+                </a:lnTo>
+                <a:lnTo>
+                  <a:pt x="512825" y="1063751"/>
+                </a:lnTo>
+                <a:lnTo>
+                  <a:pt x="524255" y="1259585"/>
+                </a:lnTo>
+                <a:lnTo>
+                  <a:pt x="803147" y="1056893"/>
+                </a:lnTo>
+                <a:lnTo>
+                  <a:pt x="1013289" y="1056893"/>
+                </a:lnTo>
+                <a:lnTo>
+                  <a:pt x="1053083" y="1013459"/>
+                </a:lnTo>
+                <a:lnTo>
+                  <a:pt x="1269382" y="1013459"/>
+                </a:lnTo>
+                <a:lnTo>
+                  <a:pt x="1299209" y="929639"/>
+                </a:lnTo>
+                <a:lnTo>
+                  <a:pt x="1578863" y="929639"/>
+                </a:lnTo>
+                <a:lnTo>
+                  <a:pt x="1562099" y="837437"/>
+                </a:lnTo>
+                <a:lnTo>
+                  <a:pt x="1911469" y="837437"/>
+                </a:lnTo>
+                <a:lnTo>
+                  <a:pt x="1747265" y="717803"/>
+                </a:lnTo>
+                <a:lnTo>
+                  <a:pt x="1949195" y="658367"/>
+                </a:lnTo>
+                <a:lnTo>
+                  <a:pt x="1812035" y="548639"/>
+                </a:lnTo>
+                <a:lnTo>
+                  <a:pt x="2304287" y="387857"/>
+                </a:lnTo>
+                <a:lnTo>
+                  <a:pt x="1747265" y="380999"/>
+                </a:lnTo>
+                <a:lnTo>
+                  <a:pt x="1754702" y="372617"/>
+                </a:lnTo>
+                <a:lnTo>
+                  <a:pt x="912113" y="372617"/>
+                </a:lnTo>
+                <a:lnTo>
+                  <a:pt x="480059" y="211835"/>
+                </a:lnTo>
+                <a:close/>
+              </a:path>
+              <a:path w="2304415" h="1259839">
+                <a:moveTo>
+                  <a:pt x="1013289" y="1056893"/>
+                </a:moveTo>
+                <a:lnTo>
+                  <a:pt x="803147" y="1056893"/>
+                </a:lnTo>
+                <a:lnTo>
+                  <a:pt x="928115" y="1149857"/>
+                </a:lnTo>
+                <a:lnTo>
+                  <a:pt x="1013289" y="1056893"/>
+                </a:lnTo>
+                <a:close/>
+              </a:path>
+              <a:path w="2304415" h="1259839">
+                <a:moveTo>
+                  <a:pt x="1269382" y="1013459"/>
+                </a:moveTo>
+                <a:lnTo>
+                  <a:pt x="1053083" y="1013459"/>
+                </a:lnTo>
+                <a:lnTo>
+                  <a:pt x="1239011" y="1098803"/>
+                </a:lnTo>
+                <a:lnTo>
+                  <a:pt x="1269382" y="1013459"/>
+                </a:lnTo>
+                <a:close/>
+              </a:path>
+              <a:path w="2304415" h="1259839">
+                <a:moveTo>
+                  <a:pt x="1578863" y="929639"/>
+                </a:moveTo>
+                <a:lnTo>
+                  <a:pt x="1299209" y="929639"/>
+                </a:lnTo>
+                <a:lnTo>
+                  <a:pt x="1594103" y="1013459"/>
+                </a:lnTo>
+                <a:lnTo>
+                  <a:pt x="1578863" y="929639"/>
+                </a:lnTo>
+                <a:close/>
+              </a:path>
+              <a:path w="2304415" h="1259839">
+                <a:moveTo>
+                  <a:pt x="1911469" y="837437"/>
+                </a:moveTo>
+                <a:lnTo>
+                  <a:pt x="1562099" y="837437"/>
+                </a:lnTo>
+                <a:lnTo>
+                  <a:pt x="2013965" y="912113"/>
+                </a:lnTo>
+                <a:lnTo>
+                  <a:pt x="1911469" y="837437"/>
+                </a:lnTo>
+                <a:close/>
+              </a:path>
+              <a:path w="2304415" h="1259839">
+                <a:moveTo>
+                  <a:pt x="1037081" y="110489"/>
+                </a:moveTo>
+                <a:lnTo>
+                  <a:pt x="912113" y="372617"/>
+                </a:lnTo>
+                <a:lnTo>
+                  <a:pt x="1754702" y="372617"/>
+                </a:lnTo>
+                <a:lnTo>
+                  <a:pt x="1785798" y="337565"/>
+                </a:lnTo>
+                <a:lnTo>
+                  <a:pt x="1549145" y="337565"/>
+                </a:lnTo>
+                <a:lnTo>
+                  <a:pt x="1556335" y="253745"/>
+                </a:lnTo>
+                <a:lnTo>
+                  <a:pt x="1223009" y="253745"/>
+                </a:lnTo>
+                <a:lnTo>
+                  <a:pt x="1037081" y="110489"/>
+                </a:lnTo>
+                <a:close/>
+              </a:path>
+              <a:path w="2304415" h="1259839">
+                <a:moveTo>
+                  <a:pt x="1921001" y="185165"/>
+                </a:moveTo>
+                <a:lnTo>
+                  <a:pt x="1549145" y="337565"/>
+                </a:lnTo>
+                <a:lnTo>
+                  <a:pt x="1785798" y="337565"/>
+                </a:lnTo>
+                <a:lnTo>
+                  <a:pt x="1921001" y="185165"/>
+                </a:lnTo>
+                <a:close/>
+              </a:path>
+              <a:path w="2304415" h="1259839">
+                <a:moveTo>
+                  <a:pt x="1578101" y="0"/>
+                </a:moveTo>
+                <a:lnTo>
+                  <a:pt x="1223009" y="253745"/>
+                </a:lnTo>
+                <a:lnTo>
+                  <a:pt x="1556335" y="253745"/>
+                </a:lnTo>
+                <a:lnTo>
+                  <a:pt x="1578101" y="0"/>
+                </a:lnTo>
+                <a:close/>
+              </a:path>
+            </a:pathLst>
+          </a:custGeom>
+          <a:solidFill>
+            <a:srgbClr val="595959"/>
+          </a:solidFill>
+        </p:spPr>
+        <p:txBody>
+          <a:bodyPr wrap="square" lIns="0" tIns="0" rIns="0" bIns="0" rtlCol="0"/>
+          <a:lstStyle/>
+          <a:p>
+            <a:endParaRPr/>
+          </a:p>
+        </p:txBody>
+      </p:sp>
+      <p:sp>
+        <p:nvSpPr>
+          <p:cNvPr id="15" name="object 15"/>
+          <p:cNvSpPr txBox="1"/>
+          <p:nvPr/>
+        </p:nvSpPr>
+        <p:spPr>
+          <a:xfrm>
+            <a:off x="7103509" y="4518870"/>
+            <a:ext cx="1719580" cy="1210945"/>
+          </a:xfrm>
+          <a:prstGeom prst="rect">
+            <a:avLst/>
+          </a:prstGeom>
+        </p:spPr>
+        <p:txBody>
+          <a:bodyPr vert="horz" wrap="square" lIns="0" tIns="0" rIns="0" bIns="0" rtlCol="0">
+            <a:spAutoFit/>
+          </a:bodyPr>
+          <a:lstStyle/>
+          <a:p>
+            <a:pPr marL="537210">
+              <a:lnSpc>
+                <a:spcPct val="100000"/>
+              </a:lnSpc>
+            </a:pPr>
+            <a:r>
+              <a:rPr sz="2600" b="1" spc="-20" dirty="0">
+                <a:latin typeface="Arial"/>
+                <a:cs typeface="Arial"/>
+              </a:rPr>
+              <a:t>publish</a:t>
+            </a:r>
+            <a:endParaRPr sz="2600">
+              <a:latin typeface="Arial"/>
+              <a:cs typeface="Arial"/>
+            </a:endParaRPr>
+          </a:p>
+          <a:p>
+            <a:pPr>
+              <a:lnSpc>
+                <a:spcPct val="100000"/>
+              </a:lnSpc>
+              <a:spcBef>
+                <a:spcPts val="24"/>
+              </a:spcBef>
+            </a:pPr>
+            <a:endParaRPr sz="3800">
+              <a:latin typeface="Times New Roman"/>
+              <a:cs typeface="Times New Roman"/>
+            </a:endParaRPr>
+          </a:p>
+          <a:p>
+            <a:pPr marL="12700">
+              <a:lnSpc>
+                <a:spcPct val="100000"/>
+              </a:lnSpc>
+            </a:pPr>
+            <a:r>
+              <a:rPr sz="1950" b="1" spc="-20" dirty="0">
+                <a:solidFill>
+                  <a:srgbClr val="FFFFFF"/>
+                </a:solidFill>
+                <a:latin typeface="Arial"/>
+                <a:cs typeface="Arial"/>
+              </a:rPr>
+              <a:t>Event</a:t>
+            </a:r>
+            <a:endParaRPr sz="1950">
+              <a:latin typeface="Arial"/>
+              <a:cs typeface="Arial"/>
+            </a:endParaRPr>
+          </a:p>
+        </p:txBody>
+      </p:sp>
+      <p:sp>
+        <p:nvSpPr>
+          <p:cNvPr id="16" name="object 16"/>
+          <p:cNvSpPr/>
+          <p:nvPr/>
+        </p:nvSpPr>
+        <p:spPr>
+          <a:xfrm>
+            <a:off x="5396362" y="5548125"/>
+            <a:ext cx="944880" cy="439420"/>
+          </a:xfrm>
+          <a:custGeom>
+            <a:avLst/>
+            <a:gdLst/>
+            <a:ahLst/>
+            <a:cxnLst/>
+            <a:rect l="l" t="t" r="r" b="b"/>
+            <a:pathLst>
+              <a:path w="944879" h="439420">
+                <a:moveTo>
+                  <a:pt x="725423" y="0"/>
+                </a:moveTo>
+                <a:lnTo>
+                  <a:pt x="725423" y="109727"/>
+                </a:lnTo>
+                <a:lnTo>
+                  <a:pt x="0" y="109727"/>
+                </a:lnTo>
+                <a:lnTo>
+                  <a:pt x="0" y="329183"/>
+                </a:lnTo>
+                <a:lnTo>
+                  <a:pt x="725423" y="329183"/>
+                </a:lnTo>
+                <a:lnTo>
+                  <a:pt x="725423" y="438911"/>
+                </a:lnTo>
+                <a:lnTo>
+                  <a:pt x="944879" y="219455"/>
+                </a:lnTo>
+                <a:lnTo>
+                  <a:pt x="725423" y="0"/>
+                </a:lnTo>
+                <a:close/>
+              </a:path>
+            </a:pathLst>
+          </a:custGeom>
+          <a:solidFill>
+            <a:srgbClr val="000000"/>
+          </a:solidFill>
+        </p:spPr>
+        <p:txBody>
+          <a:bodyPr wrap="square" lIns="0" tIns="0" rIns="0" bIns="0" rtlCol="0"/>
+          <a:lstStyle/>
+          <a:p>
+            <a:endParaRPr/>
+          </a:p>
+        </p:txBody>
+      </p:sp>
+      <p:sp>
+        <p:nvSpPr>
+          <p:cNvPr id="17" name="object 17"/>
+          <p:cNvSpPr txBox="1"/>
+          <p:nvPr/>
+        </p:nvSpPr>
+        <p:spPr>
+          <a:xfrm>
+            <a:off x="4952381" y="6103073"/>
+            <a:ext cx="1579880" cy="354965"/>
+          </a:xfrm>
+          <a:prstGeom prst="rect">
+            <a:avLst/>
+          </a:prstGeom>
+        </p:spPr>
+        <p:txBody>
+          <a:bodyPr vert="horz" wrap="square" lIns="0" tIns="0" rIns="0" bIns="0" rtlCol="0">
+            <a:spAutoFit/>
+          </a:bodyPr>
+          <a:lstStyle/>
+          <a:p>
+            <a:pPr marL="12700">
+              <a:lnSpc>
+                <a:spcPct val="100000"/>
+              </a:lnSpc>
+            </a:pPr>
+            <a:r>
+              <a:rPr sz="2600" b="1" spc="-20" dirty="0">
+                <a:latin typeface="Arial"/>
+                <a:cs typeface="Arial"/>
+              </a:rPr>
+              <a:t>subscribe</a:t>
+            </a:r>
+            <a:endParaRPr sz="2600">
+              <a:latin typeface="Arial"/>
+              <a:cs typeface="Arial"/>
             </a:endParaRPr>
           </a:p>
         </p:txBody>
@@ -42769,6 +42592,566 @@
           </p:nvPr>
         </p:nvSpPr>
         <p:spPr>
+          <a:xfrm>
+            <a:off x="814945" y="259583"/>
+            <a:ext cx="9063509" cy="637867"/>
+          </a:xfrm>
+          <a:prstGeom prst="rect">
+            <a:avLst/>
+          </a:prstGeom>
+        </p:spPr>
+        <p:txBody>
+          <a:bodyPr vert="horz" wrap="square" lIns="0" tIns="212598" rIns="0" bIns="0" rtlCol="0">
+            <a:spAutoFit/>
+          </a:bodyPr>
+          <a:lstStyle/>
+          <a:p>
+            <a:pPr marL="464184" algn="ctr">
+              <a:lnSpc>
+                <a:spcPct val="100000"/>
+              </a:lnSpc>
+            </a:pPr>
+            <a:r>
+              <a:rPr spc="15" dirty="0"/>
+              <a:t>PubSub-service</a:t>
+            </a:r>
+            <a:r>
+              <a:rPr spc="265" dirty="0">
+                <a:latin typeface="Times New Roman"/>
+                <a:cs typeface="Times New Roman"/>
+              </a:rPr>
+              <a:t> </a:t>
+            </a:r>
+            <a:r>
+              <a:rPr spc="20" dirty="0"/>
+              <a:t>maken</a:t>
+            </a:r>
+          </a:p>
+        </p:txBody>
+      </p:sp>
+      <p:sp>
+        <p:nvSpPr>
+          <p:cNvPr id="3" name="object 3"/>
+          <p:cNvSpPr txBox="1"/>
+          <p:nvPr/>
+        </p:nvSpPr>
+        <p:spPr>
+          <a:xfrm>
+            <a:off x="814945" y="1655796"/>
+            <a:ext cx="9878455" cy="1675587"/>
+          </a:xfrm>
+          <a:prstGeom prst="rect">
+            <a:avLst/>
+          </a:prstGeom>
+        </p:spPr>
+        <p:txBody>
+          <a:bodyPr vert="horz" wrap="square" lIns="0" tIns="0" rIns="0" bIns="0" rtlCol="0">
+            <a:spAutoFit/>
+          </a:bodyPr>
+          <a:lstStyle/>
+          <a:p>
+            <a:pPr marL="353695" indent="-340995">
+              <a:lnSpc>
+                <a:spcPct val="100000"/>
+              </a:lnSpc>
+              <a:buFont typeface="Verdana"/>
+              <a:buChar char="•"/>
+              <a:tabLst>
+                <a:tab pos="354330" algn="l"/>
+              </a:tabLst>
+            </a:pPr>
+            <a:r>
+              <a:rPr sz="2600" spc="-20" dirty="0">
+                <a:latin typeface="Verdana" panose="020B0604030504040204" pitchFamily="34" charset="0"/>
+                <a:ea typeface="Verdana" panose="020B0604030504040204" pitchFamily="34" charset="0"/>
+                <a:cs typeface="Verdana" panose="020B0604030504040204" pitchFamily="34" charset="0"/>
+              </a:rPr>
+              <a:t>St</a:t>
+            </a:r>
+            <a:r>
+              <a:rPr lang="nl-NL" sz="2600" spc="-20" dirty="0">
+                <a:latin typeface="Verdana" panose="020B0604030504040204" pitchFamily="34" charset="0"/>
+                <a:ea typeface="Verdana" panose="020B0604030504040204" pitchFamily="34" charset="0"/>
+                <a:cs typeface="Verdana" panose="020B0604030504040204" pitchFamily="34" charset="0"/>
+              </a:rPr>
+              <a:t>e</a:t>
+            </a:r>
+            <a:r>
+              <a:rPr sz="2600" spc="-20" dirty="0">
+                <a:latin typeface="Verdana" panose="020B0604030504040204" pitchFamily="34" charset="0"/>
+                <a:ea typeface="Verdana" panose="020B0604030504040204" pitchFamily="34" charset="0"/>
+                <a:cs typeface="Verdana" panose="020B0604030504040204" pitchFamily="34" charset="0"/>
+              </a:rPr>
+              <a:t>p</a:t>
+            </a:r>
+            <a:r>
+              <a:rPr sz="2600" spc="265" dirty="0">
+                <a:latin typeface="Verdana" panose="020B0604030504040204" pitchFamily="34" charset="0"/>
+                <a:ea typeface="Verdana" panose="020B0604030504040204" pitchFamily="34" charset="0"/>
+                <a:cs typeface="Verdana" panose="020B0604030504040204" pitchFamily="34" charset="0"/>
+              </a:rPr>
+              <a:t> </a:t>
+            </a:r>
+            <a:r>
+              <a:rPr sz="2600" spc="-20" dirty="0">
+                <a:latin typeface="Verdana" panose="020B0604030504040204" pitchFamily="34" charset="0"/>
+                <a:ea typeface="Verdana" panose="020B0604030504040204" pitchFamily="34" charset="0"/>
+                <a:cs typeface="Verdana" panose="020B0604030504040204" pitchFamily="34" charset="0"/>
+              </a:rPr>
+              <a:t>1</a:t>
+            </a:r>
+            <a:r>
+              <a:rPr sz="2600" spc="265" dirty="0">
+                <a:latin typeface="Verdana" panose="020B0604030504040204" pitchFamily="34" charset="0"/>
+                <a:ea typeface="Verdana" panose="020B0604030504040204" pitchFamily="34" charset="0"/>
+                <a:cs typeface="Verdana" panose="020B0604030504040204" pitchFamily="34" charset="0"/>
+              </a:rPr>
+              <a:t> </a:t>
+            </a:r>
+            <a:r>
+              <a:rPr sz="2600" spc="-20" dirty="0">
+                <a:latin typeface="Verdana" panose="020B0604030504040204" pitchFamily="34" charset="0"/>
+                <a:ea typeface="Verdana" panose="020B0604030504040204" pitchFamily="34" charset="0"/>
+                <a:cs typeface="Verdana" panose="020B0604030504040204" pitchFamily="34" charset="0"/>
+              </a:rPr>
+              <a:t>–</a:t>
+            </a:r>
+            <a:r>
+              <a:rPr sz="2600" spc="260" dirty="0">
+                <a:latin typeface="Verdana" panose="020B0604030504040204" pitchFamily="34" charset="0"/>
+                <a:ea typeface="Verdana" panose="020B0604030504040204" pitchFamily="34" charset="0"/>
+                <a:cs typeface="Verdana" panose="020B0604030504040204" pitchFamily="34" charset="0"/>
+              </a:rPr>
+              <a:t> </a:t>
+            </a:r>
+            <a:r>
+              <a:rPr lang="nl-NL" sz="2600" spc="-20" dirty="0">
+                <a:latin typeface="Verdana" panose="020B0604030504040204" pitchFamily="34" charset="0"/>
+                <a:ea typeface="Verdana" panose="020B0604030504040204" pitchFamily="34" charset="0"/>
+                <a:cs typeface="Verdana" panose="020B0604030504040204" pitchFamily="34" charset="0"/>
+              </a:rPr>
+              <a:t>Make a P</a:t>
+            </a:r>
+            <a:r>
+              <a:rPr sz="2600" spc="-20" dirty="0" err="1">
+                <a:latin typeface="Verdana" panose="020B0604030504040204" pitchFamily="34" charset="0"/>
+                <a:ea typeface="Verdana" panose="020B0604030504040204" pitchFamily="34" charset="0"/>
+                <a:cs typeface="Verdana" panose="020B0604030504040204" pitchFamily="34" charset="0"/>
+              </a:rPr>
+              <a:t>ublicati</a:t>
+            </a:r>
+            <a:r>
+              <a:rPr lang="nl-NL" sz="2600" spc="-20" dirty="0">
+                <a:latin typeface="Verdana" panose="020B0604030504040204" pitchFamily="34" charset="0"/>
+                <a:ea typeface="Verdana" panose="020B0604030504040204" pitchFamily="34" charset="0"/>
+                <a:cs typeface="Verdana" panose="020B0604030504040204" pitchFamily="34" charset="0"/>
+              </a:rPr>
+              <a:t>on</a:t>
+            </a:r>
+            <a:r>
+              <a:rPr sz="2600" spc="280" dirty="0">
+                <a:latin typeface="Verdana" panose="020B0604030504040204" pitchFamily="34" charset="0"/>
+                <a:ea typeface="Verdana" panose="020B0604030504040204" pitchFamily="34" charset="0"/>
+                <a:cs typeface="Verdana" panose="020B0604030504040204" pitchFamily="34" charset="0"/>
+              </a:rPr>
+              <a:t> </a:t>
+            </a:r>
+            <a:r>
+              <a:rPr sz="2600" spc="-20" dirty="0">
+                <a:latin typeface="Verdana" panose="020B0604030504040204" pitchFamily="34" charset="0"/>
+                <a:ea typeface="Verdana" panose="020B0604030504040204" pitchFamily="34" charset="0"/>
+                <a:cs typeface="Verdana" panose="020B0604030504040204" pitchFamily="34" charset="0"/>
+              </a:rPr>
+              <a:t>service</a:t>
+            </a:r>
+            <a:endParaRPr sz="2600" dirty="0">
+              <a:latin typeface="Verdana" panose="020B0604030504040204" pitchFamily="34" charset="0"/>
+              <a:ea typeface="Verdana" panose="020B0604030504040204" pitchFamily="34" charset="0"/>
+              <a:cs typeface="Verdana" panose="020B0604030504040204" pitchFamily="34" charset="0"/>
+            </a:endParaRPr>
+          </a:p>
+          <a:p>
+            <a:pPr marL="353695" indent="-340995">
+              <a:lnSpc>
+                <a:spcPct val="100000"/>
+              </a:lnSpc>
+              <a:spcBef>
+                <a:spcPts val="2160"/>
+              </a:spcBef>
+              <a:buFont typeface="Verdana"/>
+              <a:buChar char="•"/>
+              <a:tabLst>
+                <a:tab pos="354330" algn="l"/>
+              </a:tabLst>
+            </a:pPr>
+            <a:r>
+              <a:rPr sz="2600" spc="-20" dirty="0">
+                <a:latin typeface="Verdana" panose="020B0604030504040204" pitchFamily="34" charset="0"/>
+                <a:ea typeface="Verdana" panose="020B0604030504040204" pitchFamily="34" charset="0"/>
+                <a:cs typeface="Verdana" panose="020B0604030504040204" pitchFamily="34" charset="0"/>
+              </a:rPr>
+              <a:t>St</a:t>
+            </a:r>
+            <a:r>
+              <a:rPr lang="nl-NL" sz="2600" spc="-20" dirty="0">
+                <a:latin typeface="Verdana" panose="020B0604030504040204" pitchFamily="34" charset="0"/>
+                <a:ea typeface="Verdana" panose="020B0604030504040204" pitchFamily="34" charset="0"/>
+                <a:cs typeface="Verdana" panose="020B0604030504040204" pitchFamily="34" charset="0"/>
+              </a:rPr>
+              <a:t>e</a:t>
+            </a:r>
+            <a:r>
+              <a:rPr sz="2600" spc="-20" dirty="0">
+                <a:latin typeface="Verdana" panose="020B0604030504040204" pitchFamily="34" charset="0"/>
+                <a:ea typeface="Verdana" panose="020B0604030504040204" pitchFamily="34" charset="0"/>
+                <a:cs typeface="Verdana" panose="020B0604030504040204" pitchFamily="34" charset="0"/>
+              </a:rPr>
+              <a:t>p</a:t>
+            </a:r>
+            <a:r>
+              <a:rPr sz="2600" spc="275" dirty="0">
+                <a:latin typeface="Verdana" panose="020B0604030504040204" pitchFamily="34" charset="0"/>
+                <a:ea typeface="Verdana" panose="020B0604030504040204" pitchFamily="34" charset="0"/>
+                <a:cs typeface="Verdana" panose="020B0604030504040204" pitchFamily="34" charset="0"/>
+              </a:rPr>
+              <a:t> </a:t>
+            </a:r>
+            <a:r>
+              <a:rPr sz="2600" spc="-20" dirty="0">
+                <a:latin typeface="Verdana" panose="020B0604030504040204" pitchFamily="34" charset="0"/>
+                <a:ea typeface="Verdana" panose="020B0604030504040204" pitchFamily="34" charset="0"/>
+                <a:cs typeface="Verdana" panose="020B0604030504040204" pitchFamily="34" charset="0"/>
+              </a:rPr>
+              <a:t>2</a:t>
+            </a:r>
+            <a:r>
+              <a:rPr sz="2600" spc="260" dirty="0">
+                <a:latin typeface="Verdana" panose="020B0604030504040204" pitchFamily="34" charset="0"/>
+                <a:ea typeface="Verdana" panose="020B0604030504040204" pitchFamily="34" charset="0"/>
+                <a:cs typeface="Verdana" panose="020B0604030504040204" pitchFamily="34" charset="0"/>
+              </a:rPr>
+              <a:t> </a:t>
+            </a:r>
+            <a:r>
+              <a:rPr sz="2600" spc="-20" dirty="0">
+                <a:latin typeface="Verdana" panose="020B0604030504040204" pitchFamily="34" charset="0"/>
+                <a:ea typeface="Verdana" panose="020B0604030504040204" pitchFamily="34" charset="0"/>
+                <a:cs typeface="Verdana" panose="020B0604030504040204" pitchFamily="34" charset="0"/>
+              </a:rPr>
+              <a:t>–</a:t>
+            </a:r>
+            <a:r>
+              <a:rPr sz="2600" spc="260" dirty="0">
+                <a:latin typeface="Verdana" panose="020B0604030504040204" pitchFamily="34" charset="0"/>
+                <a:ea typeface="Verdana" panose="020B0604030504040204" pitchFamily="34" charset="0"/>
+                <a:cs typeface="Verdana" panose="020B0604030504040204" pitchFamily="34" charset="0"/>
+              </a:rPr>
+              <a:t> </a:t>
+            </a:r>
+            <a:r>
+              <a:rPr lang="nl-NL" sz="2600" spc="-20" dirty="0" err="1">
+                <a:latin typeface="Verdana" panose="020B0604030504040204" pitchFamily="34" charset="0"/>
+                <a:ea typeface="Verdana" panose="020B0604030504040204" pitchFamily="34" charset="0"/>
+                <a:cs typeface="Verdana" panose="020B0604030504040204" pitchFamily="34" charset="0"/>
+              </a:rPr>
+              <a:t>Create</a:t>
+            </a:r>
+            <a:r>
+              <a:rPr lang="nl-NL" sz="2600" spc="260" dirty="0">
+                <a:latin typeface="Verdana" panose="020B0604030504040204" pitchFamily="34" charset="0"/>
+                <a:ea typeface="Verdana" panose="020B0604030504040204" pitchFamily="34" charset="0"/>
+                <a:cs typeface="Verdana" panose="020B0604030504040204" pitchFamily="34" charset="0"/>
+              </a:rPr>
+              <a:t> </a:t>
+            </a:r>
+            <a:r>
+              <a:rPr sz="2600" spc="-10" dirty="0">
+                <a:latin typeface="Verdana" panose="020B0604030504040204" pitchFamily="34" charset="0"/>
+                <a:ea typeface="Verdana" panose="020B0604030504040204" pitchFamily="34" charset="0"/>
+                <a:cs typeface="Verdana" panose="020B0604030504040204" pitchFamily="34" charset="0"/>
+              </a:rPr>
+              <a:t>‘</a:t>
+            </a:r>
+            <a:r>
+              <a:rPr sz="2600" spc="-20" dirty="0">
+                <a:latin typeface="Verdana" panose="020B0604030504040204" pitchFamily="34" charset="0"/>
+                <a:ea typeface="Verdana" panose="020B0604030504040204" pitchFamily="34" charset="0"/>
+                <a:cs typeface="Verdana" panose="020B0604030504040204" pitchFamily="34" charset="0"/>
+              </a:rPr>
+              <a:t>Produce</a:t>
+            </a:r>
+            <a:r>
+              <a:rPr sz="2600" spc="20" dirty="0">
+                <a:latin typeface="Verdana" panose="020B0604030504040204" pitchFamily="34" charset="0"/>
+                <a:ea typeface="Verdana" panose="020B0604030504040204" pitchFamily="34" charset="0"/>
+                <a:cs typeface="Verdana" panose="020B0604030504040204" pitchFamily="34" charset="0"/>
+              </a:rPr>
+              <a:t>r</a:t>
+            </a:r>
+            <a:r>
+              <a:rPr sz="2600" spc="-275" dirty="0">
+                <a:latin typeface="Verdana" panose="020B0604030504040204" pitchFamily="34" charset="0"/>
+                <a:ea typeface="Verdana" panose="020B0604030504040204" pitchFamily="34" charset="0"/>
+                <a:cs typeface="Verdana" panose="020B0604030504040204" pitchFamily="34" charset="0"/>
+              </a:rPr>
+              <a:t>’</a:t>
+            </a:r>
+            <a:r>
+              <a:rPr sz="2600" spc="295" dirty="0">
+                <a:latin typeface="Verdana" panose="020B0604030504040204" pitchFamily="34" charset="0"/>
+                <a:ea typeface="Verdana" panose="020B0604030504040204" pitchFamily="34" charset="0"/>
+                <a:cs typeface="Verdana" panose="020B0604030504040204" pitchFamily="34" charset="0"/>
+              </a:rPr>
+              <a:t> </a:t>
+            </a:r>
+            <a:r>
+              <a:rPr sz="2600" spc="-25" dirty="0">
+                <a:latin typeface="Verdana" panose="020B0604030504040204" pitchFamily="34" charset="0"/>
+                <a:ea typeface="Verdana" panose="020B0604030504040204" pitchFamily="34" charset="0"/>
+                <a:cs typeface="Verdana" panose="020B0604030504040204" pitchFamily="34" charset="0"/>
+              </a:rPr>
+              <a:t>o</a:t>
+            </a:r>
+            <a:r>
+              <a:rPr lang="nl-NL" sz="2600" spc="-10" dirty="0">
+                <a:latin typeface="Verdana" panose="020B0604030504040204" pitchFamily="34" charset="0"/>
+                <a:ea typeface="Verdana" panose="020B0604030504040204" pitchFamily="34" charset="0"/>
+                <a:cs typeface="Verdana" panose="020B0604030504040204" pitchFamily="34" charset="0"/>
+              </a:rPr>
+              <a:t>r</a:t>
+            </a:r>
+            <a:r>
+              <a:rPr sz="2600" spc="280" dirty="0">
+                <a:latin typeface="Verdana" panose="020B0604030504040204" pitchFamily="34" charset="0"/>
+                <a:ea typeface="Verdana" panose="020B0604030504040204" pitchFamily="34" charset="0"/>
+                <a:cs typeface="Verdana" panose="020B0604030504040204" pitchFamily="34" charset="0"/>
+              </a:rPr>
+              <a:t> </a:t>
+            </a:r>
+            <a:r>
+              <a:rPr sz="2600" spc="-15" dirty="0">
+                <a:latin typeface="Verdana" panose="020B0604030504040204" pitchFamily="34" charset="0"/>
+                <a:ea typeface="Verdana" panose="020B0604030504040204" pitchFamily="34" charset="0"/>
+                <a:cs typeface="Verdana" panose="020B0604030504040204" pitchFamily="34" charset="0"/>
+              </a:rPr>
+              <a:t>‘Publish’</a:t>
+            </a:r>
+            <a:r>
+              <a:rPr sz="2600" spc="280" dirty="0">
+                <a:latin typeface="Verdana" panose="020B0604030504040204" pitchFamily="34" charset="0"/>
+                <a:ea typeface="Verdana" panose="020B0604030504040204" pitchFamily="34" charset="0"/>
+                <a:cs typeface="Verdana" panose="020B0604030504040204" pitchFamily="34" charset="0"/>
+              </a:rPr>
+              <a:t> </a:t>
+            </a:r>
+            <a:r>
+              <a:rPr sz="2600" spc="-20" dirty="0">
+                <a:latin typeface="Verdana" panose="020B0604030504040204" pitchFamily="34" charset="0"/>
+                <a:ea typeface="Verdana" panose="020B0604030504040204" pitchFamily="34" charset="0"/>
+                <a:cs typeface="Verdana" panose="020B0604030504040204" pitchFamily="34" charset="0"/>
+              </a:rPr>
+              <a:t>–</a:t>
+            </a:r>
+            <a:r>
+              <a:rPr sz="2600" spc="260" dirty="0">
+                <a:latin typeface="Verdana" panose="020B0604030504040204" pitchFamily="34" charset="0"/>
+                <a:ea typeface="Verdana" panose="020B0604030504040204" pitchFamily="34" charset="0"/>
+                <a:cs typeface="Verdana" panose="020B0604030504040204" pitchFamily="34" charset="0"/>
+              </a:rPr>
+              <a:t> </a:t>
+            </a:r>
+            <a:r>
+              <a:rPr sz="2600" spc="-25" dirty="0">
+                <a:latin typeface="Verdana" panose="020B0604030504040204" pitchFamily="34" charset="0"/>
+                <a:ea typeface="Verdana" panose="020B0604030504040204" pitchFamily="34" charset="0"/>
+                <a:cs typeface="Verdana" panose="020B0604030504040204" pitchFamily="34" charset="0"/>
+              </a:rPr>
+              <a:t>componen</a:t>
+            </a:r>
+            <a:r>
+              <a:rPr sz="2600" spc="-15" dirty="0">
+                <a:latin typeface="Verdana" panose="020B0604030504040204" pitchFamily="34" charset="0"/>
+                <a:ea typeface="Verdana" panose="020B0604030504040204" pitchFamily="34" charset="0"/>
+                <a:cs typeface="Verdana" panose="020B0604030504040204" pitchFamily="34" charset="0"/>
+              </a:rPr>
+              <a:t>t</a:t>
+            </a:r>
+            <a:endParaRPr sz="2600" dirty="0">
+              <a:latin typeface="Verdana" panose="020B0604030504040204" pitchFamily="34" charset="0"/>
+              <a:ea typeface="Verdana" panose="020B0604030504040204" pitchFamily="34" charset="0"/>
+              <a:cs typeface="Verdana" panose="020B0604030504040204" pitchFamily="34" charset="0"/>
+            </a:endParaRPr>
+          </a:p>
+          <a:p>
+            <a:pPr marL="353695" marR="1682750" indent="-340995">
+              <a:lnSpc>
+                <a:spcPct val="149400"/>
+              </a:lnSpc>
+              <a:spcBef>
+                <a:spcPts val="625"/>
+              </a:spcBef>
+              <a:buFont typeface="Verdana"/>
+              <a:buChar char="•"/>
+              <a:tabLst>
+                <a:tab pos="354330" algn="l"/>
+              </a:tabLst>
+            </a:pPr>
+            <a:r>
+              <a:rPr sz="2600" spc="-20" dirty="0">
+                <a:latin typeface="Verdana" panose="020B0604030504040204" pitchFamily="34" charset="0"/>
+                <a:ea typeface="Verdana" panose="020B0604030504040204" pitchFamily="34" charset="0"/>
+                <a:cs typeface="Verdana" panose="020B0604030504040204" pitchFamily="34" charset="0"/>
+              </a:rPr>
+              <a:t>St</a:t>
+            </a:r>
+            <a:r>
+              <a:rPr lang="nl-NL" sz="2600" spc="-20" dirty="0">
+                <a:latin typeface="Verdana" panose="020B0604030504040204" pitchFamily="34" charset="0"/>
+                <a:ea typeface="Verdana" panose="020B0604030504040204" pitchFamily="34" charset="0"/>
+                <a:cs typeface="Verdana" panose="020B0604030504040204" pitchFamily="34" charset="0"/>
+              </a:rPr>
+              <a:t>e</a:t>
+            </a:r>
+            <a:r>
+              <a:rPr sz="2600" spc="-20" dirty="0">
+                <a:latin typeface="Verdana" panose="020B0604030504040204" pitchFamily="34" charset="0"/>
+                <a:ea typeface="Verdana" panose="020B0604030504040204" pitchFamily="34" charset="0"/>
+                <a:cs typeface="Verdana" panose="020B0604030504040204" pitchFamily="34" charset="0"/>
+              </a:rPr>
+              <a:t>p</a:t>
+            </a:r>
+            <a:r>
+              <a:rPr sz="2600" spc="270" dirty="0">
+                <a:latin typeface="Verdana" panose="020B0604030504040204" pitchFamily="34" charset="0"/>
+                <a:ea typeface="Verdana" panose="020B0604030504040204" pitchFamily="34" charset="0"/>
+                <a:cs typeface="Verdana" panose="020B0604030504040204" pitchFamily="34" charset="0"/>
+              </a:rPr>
+              <a:t> </a:t>
+            </a:r>
+            <a:r>
+              <a:rPr sz="2600" spc="-20" dirty="0">
+                <a:latin typeface="Verdana" panose="020B0604030504040204" pitchFamily="34" charset="0"/>
+                <a:ea typeface="Verdana" panose="020B0604030504040204" pitchFamily="34" charset="0"/>
+                <a:cs typeface="Verdana" panose="020B0604030504040204" pitchFamily="34" charset="0"/>
+              </a:rPr>
+              <a:t>3</a:t>
+            </a:r>
+            <a:r>
+              <a:rPr sz="2600" spc="270" dirty="0">
+                <a:latin typeface="Verdana" panose="020B0604030504040204" pitchFamily="34" charset="0"/>
+                <a:ea typeface="Verdana" panose="020B0604030504040204" pitchFamily="34" charset="0"/>
+                <a:cs typeface="Verdana" panose="020B0604030504040204" pitchFamily="34" charset="0"/>
+              </a:rPr>
+              <a:t> </a:t>
+            </a:r>
+            <a:r>
+              <a:rPr sz="2600" spc="-20" dirty="0">
+                <a:latin typeface="Verdana" panose="020B0604030504040204" pitchFamily="34" charset="0"/>
+                <a:ea typeface="Verdana" panose="020B0604030504040204" pitchFamily="34" charset="0"/>
+                <a:cs typeface="Verdana" panose="020B0604030504040204" pitchFamily="34" charset="0"/>
+              </a:rPr>
+              <a:t>–</a:t>
+            </a:r>
+            <a:r>
+              <a:rPr sz="2600" spc="260" dirty="0">
+                <a:latin typeface="Verdana" panose="020B0604030504040204" pitchFamily="34" charset="0"/>
+                <a:ea typeface="Verdana" panose="020B0604030504040204" pitchFamily="34" charset="0"/>
+                <a:cs typeface="Verdana" panose="020B0604030504040204" pitchFamily="34" charset="0"/>
+              </a:rPr>
+              <a:t> </a:t>
+            </a:r>
+            <a:r>
+              <a:rPr lang="nl-NL" sz="2600" spc="-20" dirty="0" err="1">
+                <a:latin typeface="Verdana" panose="020B0604030504040204" pitchFamily="34" charset="0"/>
+                <a:ea typeface="Verdana" panose="020B0604030504040204" pitchFamily="34" charset="0"/>
+                <a:cs typeface="Verdana" panose="020B0604030504040204" pitchFamily="34" charset="0"/>
+              </a:rPr>
+              <a:t>Create</a:t>
+            </a:r>
+            <a:r>
+              <a:rPr lang="nl-NL" sz="2600" spc="-20" dirty="0">
+                <a:latin typeface="Verdana" panose="020B0604030504040204" pitchFamily="34" charset="0"/>
+                <a:ea typeface="Verdana" panose="020B0604030504040204" pitchFamily="34" charset="0"/>
+                <a:cs typeface="Verdana" panose="020B0604030504040204" pitchFamily="34" charset="0"/>
+              </a:rPr>
+              <a:t> S</a:t>
+            </a:r>
+            <a:r>
+              <a:rPr sz="2600" spc="-20" dirty="0" err="1">
+                <a:latin typeface="Verdana" panose="020B0604030504040204" pitchFamily="34" charset="0"/>
+                <a:ea typeface="Verdana" panose="020B0604030504040204" pitchFamily="34" charset="0"/>
+                <a:cs typeface="Verdana" panose="020B0604030504040204" pitchFamily="34" charset="0"/>
+              </a:rPr>
+              <a:t>ubscribe</a:t>
+            </a:r>
+            <a:r>
+              <a:rPr sz="2600" spc="-40" dirty="0" err="1">
+                <a:latin typeface="Verdana" panose="020B0604030504040204" pitchFamily="34" charset="0"/>
+                <a:ea typeface="Verdana" panose="020B0604030504040204" pitchFamily="34" charset="0"/>
+                <a:cs typeface="Verdana" panose="020B0604030504040204" pitchFamily="34" charset="0"/>
+              </a:rPr>
+              <a:t>r</a:t>
+            </a:r>
+            <a:r>
+              <a:rPr sz="2600" spc="-25" dirty="0">
+                <a:latin typeface="Verdana" panose="020B0604030504040204" pitchFamily="34" charset="0"/>
+                <a:ea typeface="Verdana" panose="020B0604030504040204" pitchFamily="34" charset="0"/>
+                <a:cs typeface="Verdana" panose="020B0604030504040204" pitchFamily="34" charset="0"/>
+              </a:rPr>
+              <a:t>-componen</a:t>
+            </a:r>
+            <a:r>
+              <a:rPr sz="2600" spc="-15" dirty="0">
+                <a:latin typeface="Verdana" panose="020B0604030504040204" pitchFamily="34" charset="0"/>
+                <a:ea typeface="Verdana" panose="020B0604030504040204" pitchFamily="34" charset="0"/>
+                <a:cs typeface="Verdana" panose="020B0604030504040204" pitchFamily="34" charset="0"/>
+              </a:rPr>
+              <a:t>t</a:t>
+            </a:r>
+            <a:endParaRPr sz="2600" dirty="0">
+              <a:latin typeface="Verdana" panose="020B0604030504040204" pitchFamily="34" charset="0"/>
+              <a:ea typeface="Verdana" panose="020B0604030504040204" pitchFamily="34" charset="0"/>
+              <a:cs typeface="Verdana" panose="020B0604030504040204" pitchFamily="34" charset="0"/>
+            </a:endParaRPr>
+          </a:p>
+        </p:txBody>
+      </p:sp>
+    </p:spTree>
+  </p:cSld>
+  <p:clrMapOvr>
+    <a:masterClrMapping/>
+  </p:clrMapOvr>
+</p:sld>
+</file>
+
+<file path=ppt/slides/slide38.xml><?xml version="1.0" encoding="utf-8"?>
+<p:sld xmlns:a="http://schemas.openxmlformats.org/drawingml/2006/main" xmlns:r="http://schemas.openxmlformats.org/officeDocument/2006/relationships" xmlns:p="http://schemas.openxmlformats.org/presentationml/2006/main">
+  <p:cSld>
+    <p:spTree>
+      <p:nvGrpSpPr>
+        <p:cNvPr id="1" name=""/>
+        <p:cNvGrpSpPr/>
+        <p:nvPr/>
+      </p:nvGrpSpPr>
+      <p:grpSpPr>
+        <a:xfrm>
+          <a:off x="0" y="0"/>
+          <a:ext cx="0" cy="0"/>
+          <a:chOff x="0" y="0"/>
+          <a:chExt cx="0" cy="0"/>
+        </a:xfrm>
+      </p:grpSpPr>
+      <p:sp>
+        <p:nvSpPr>
+          <p:cNvPr id="2" name="object 2"/>
+          <p:cNvSpPr txBox="1">
+            <a:spLocks noGrp="1"/>
+          </p:cNvSpPr>
+          <p:nvPr>
+            <p:ph type="title"/>
+          </p:nvPr>
+        </p:nvSpPr>
+        <p:spPr>
           <a:prstGeom prst="rect">
             <a:avLst/>
           </a:prstGeom>
@@ -43807,7 +44190,7 @@
 </p:sld>
 </file>
 
-<file path=ppt/slides/slide38.xml><?xml version="1.0" encoding="utf-8"?>
+<file path=ppt/slides/slide39.xml><?xml version="1.0" encoding="utf-8"?>
 <p:sld xmlns:a="http://schemas.openxmlformats.org/drawingml/2006/main" xmlns:r="http://schemas.openxmlformats.org/officeDocument/2006/relationships" xmlns:p="http://schemas.openxmlformats.org/presentationml/2006/main">
   <p:cSld>
     <p:spTree>
@@ -45630,1561 +46013,6 @@
               <a:latin typeface="Consolas"/>
               <a:cs typeface="Consolas"/>
             </a:endParaRPr>
-          </a:p>
-        </p:txBody>
-      </p:sp>
-    </p:spTree>
-  </p:cSld>
-  <p:clrMapOvr>
-    <a:masterClrMapping/>
-  </p:clrMapOvr>
-</p:sld>
-</file>
-
-<file path=ppt/slides/slide39.xml><?xml version="1.0" encoding="utf-8"?>
-<p:sld xmlns:a="http://schemas.openxmlformats.org/drawingml/2006/main" xmlns:r="http://schemas.openxmlformats.org/officeDocument/2006/relationships" xmlns:p="http://schemas.openxmlformats.org/presentationml/2006/main">
-  <p:cSld>
-    <p:spTree>
-      <p:nvGrpSpPr>
-        <p:cNvPr id="1" name=""/>
-        <p:cNvGrpSpPr/>
-        <p:nvPr/>
-      </p:nvGrpSpPr>
-      <p:grpSpPr>
-        <a:xfrm>
-          <a:off x="0" y="0"/>
-          <a:ext cx="0" cy="0"/>
-          <a:chOff x="0" y="0"/>
-          <a:chExt cx="0" cy="0"/>
-        </a:xfrm>
-      </p:grpSpPr>
-      <p:sp>
-        <p:nvSpPr>
-          <p:cNvPr id="2" name="object 2"/>
-          <p:cNvSpPr txBox="1"/>
-          <p:nvPr/>
-        </p:nvSpPr>
-        <p:spPr>
-          <a:xfrm>
-            <a:off x="1266584" y="484882"/>
-            <a:ext cx="5118735" cy="354330"/>
-          </a:xfrm>
-          <a:prstGeom prst="rect">
-            <a:avLst/>
-          </a:prstGeom>
-        </p:spPr>
-        <p:txBody>
-          <a:bodyPr vert="horz" wrap="square" lIns="0" tIns="0" rIns="0" bIns="0" rtlCol="0">
-            <a:spAutoFit/>
-          </a:bodyPr>
-          <a:lstStyle/>
-          <a:p>
-            <a:pPr marL="12700">
-              <a:lnSpc>
-                <a:spcPts val="3229"/>
-              </a:lnSpc>
-              <a:tabLst>
-                <a:tab pos="635635" algn="l"/>
-              </a:tabLst>
-            </a:pPr>
-            <a:r>
-              <a:rPr sz="2750" b="1" spc="10" dirty="0">
-                <a:latin typeface="Verdana"/>
-                <a:cs typeface="Verdana"/>
-              </a:rPr>
-              <a:t>3.</a:t>
-            </a:r>
-            <a:r>
-              <a:rPr sz="2750" b="1" spc="10" dirty="0">
-                <a:latin typeface="Times New Roman"/>
-                <a:cs typeface="Times New Roman"/>
-              </a:rPr>
-              <a:t>	</a:t>
-            </a:r>
-            <a:r>
-              <a:rPr sz="2750" b="1" spc="10" dirty="0">
-                <a:latin typeface="Verdana"/>
-                <a:cs typeface="Verdana"/>
-              </a:rPr>
-              <a:t>Subscriber</a:t>
-            </a:r>
-            <a:r>
-              <a:rPr sz="2750" b="1" spc="300" dirty="0">
-                <a:latin typeface="Times New Roman"/>
-                <a:cs typeface="Times New Roman"/>
-              </a:rPr>
-              <a:t> </a:t>
-            </a:r>
-            <a:r>
-              <a:rPr sz="2750" b="1" spc="10" dirty="0">
-                <a:latin typeface="Verdana"/>
-                <a:cs typeface="Verdana"/>
-              </a:rPr>
-              <a:t>component</a:t>
-            </a:r>
-            <a:endParaRPr sz="2750">
-              <a:latin typeface="Verdana"/>
-              <a:cs typeface="Verdana"/>
-            </a:endParaRPr>
-          </a:p>
-        </p:txBody>
-      </p:sp>
-      <p:sp>
-        <p:nvSpPr>
-          <p:cNvPr id="3" name="object 3"/>
-          <p:cNvSpPr txBox="1"/>
-          <p:nvPr/>
-        </p:nvSpPr>
-        <p:spPr>
-          <a:xfrm>
-            <a:off x="1391552" y="1326520"/>
-            <a:ext cx="6931025" cy="5336076"/>
-          </a:xfrm>
-          <a:prstGeom prst="rect">
-            <a:avLst/>
-          </a:prstGeom>
-        </p:spPr>
-        <p:txBody>
-          <a:bodyPr vert="horz" wrap="square" lIns="0" tIns="0" rIns="0" bIns="0" rtlCol="0">
-            <a:spAutoFit/>
-          </a:bodyPr>
-          <a:lstStyle/>
-          <a:p>
-            <a:pPr marL="12700">
-              <a:lnSpc>
-                <a:spcPct val="100000"/>
-              </a:lnSpc>
-            </a:pPr>
-            <a:r>
-              <a:rPr sz="1500" i="1" spc="5" dirty="0">
-                <a:solidFill>
-                  <a:srgbClr val="46C249"/>
-                </a:solidFill>
-                <a:latin typeface="Consolas"/>
-                <a:cs typeface="Consolas"/>
-              </a:rPr>
-              <a:t>//city.orders.t</a:t>
-            </a:r>
-            <a:r>
-              <a:rPr sz="1500" i="1" dirty="0">
-                <a:solidFill>
-                  <a:srgbClr val="46C249"/>
-                </a:solidFill>
-                <a:latin typeface="Consolas"/>
-                <a:cs typeface="Consolas"/>
-              </a:rPr>
-              <a:t>s</a:t>
-            </a:r>
-            <a:r>
-              <a:rPr sz="1500" i="1" dirty="0">
-                <a:solidFill>
-                  <a:srgbClr val="46C249"/>
-                </a:solidFill>
-                <a:latin typeface="Times New Roman"/>
-                <a:cs typeface="Times New Roman"/>
-              </a:rPr>
-              <a:t> </a:t>
-            </a:r>
-            <a:r>
-              <a:rPr sz="1500" i="1" spc="85" dirty="0">
-                <a:solidFill>
-                  <a:srgbClr val="46C249"/>
-                </a:solidFill>
-                <a:latin typeface="Times New Roman"/>
-                <a:cs typeface="Times New Roman"/>
-              </a:rPr>
-              <a:t> </a:t>
-            </a:r>
-            <a:r>
-              <a:rPr sz="1500" i="1" dirty="0">
-                <a:solidFill>
-                  <a:srgbClr val="46C249"/>
-                </a:solidFill>
-                <a:latin typeface="Consolas"/>
-                <a:cs typeface="Consolas"/>
-              </a:rPr>
-              <a:t>‐</a:t>
-            </a:r>
-            <a:r>
-              <a:rPr sz="1500" i="1" spc="10" dirty="0">
-                <a:solidFill>
-                  <a:srgbClr val="46C249"/>
-                </a:solidFill>
-                <a:latin typeface="Consolas"/>
-                <a:cs typeface="Consolas"/>
-              </a:rPr>
-              <a:t> </a:t>
-            </a:r>
-            <a:r>
-              <a:rPr sz="1500" i="1" spc="5" dirty="0">
-                <a:solidFill>
-                  <a:srgbClr val="46C249"/>
-                </a:solidFill>
-                <a:latin typeface="Consolas"/>
-                <a:cs typeface="Consolas"/>
-              </a:rPr>
-              <a:t>Ee</a:t>
-            </a:r>
-            <a:r>
-              <a:rPr sz="1500" i="1" dirty="0">
-                <a:solidFill>
-                  <a:srgbClr val="46C249"/>
-                </a:solidFill>
-                <a:latin typeface="Consolas"/>
-                <a:cs typeface="Consolas"/>
-              </a:rPr>
-              <a:t>n</a:t>
-            </a:r>
-            <a:r>
-              <a:rPr sz="1500" i="1" dirty="0">
-                <a:solidFill>
-                  <a:srgbClr val="46C249"/>
-                </a:solidFill>
-                <a:latin typeface="Times New Roman"/>
-                <a:cs typeface="Times New Roman"/>
-              </a:rPr>
-              <a:t> </a:t>
-            </a:r>
-            <a:r>
-              <a:rPr sz="1500" i="1" spc="85" dirty="0">
-                <a:solidFill>
-                  <a:srgbClr val="46C249"/>
-                </a:solidFill>
-                <a:latin typeface="Times New Roman"/>
-                <a:cs typeface="Times New Roman"/>
-              </a:rPr>
-              <a:t> </a:t>
-            </a:r>
-            <a:r>
-              <a:rPr sz="1500" i="1" spc="5" dirty="0">
-                <a:solidFill>
-                  <a:srgbClr val="46C249"/>
-                </a:solidFill>
-                <a:latin typeface="Consolas"/>
-                <a:cs typeface="Consolas"/>
-              </a:rPr>
-              <a:t>soor</a:t>
-            </a:r>
-            <a:r>
-              <a:rPr sz="1500" i="1" dirty="0">
-                <a:solidFill>
-                  <a:srgbClr val="46C249"/>
-                </a:solidFill>
-                <a:latin typeface="Consolas"/>
-                <a:cs typeface="Consolas"/>
-              </a:rPr>
-              <a:t>t</a:t>
-            </a:r>
-            <a:r>
-              <a:rPr sz="1500" i="1" dirty="0">
-                <a:solidFill>
-                  <a:srgbClr val="46C249"/>
-                </a:solidFill>
-                <a:latin typeface="Times New Roman"/>
-                <a:cs typeface="Times New Roman"/>
-              </a:rPr>
-              <a:t> </a:t>
-            </a:r>
-            <a:r>
-              <a:rPr sz="1500" i="1" spc="90" dirty="0">
-                <a:solidFill>
-                  <a:srgbClr val="46C249"/>
-                </a:solidFill>
-                <a:latin typeface="Times New Roman"/>
-                <a:cs typeface="Times New Roman"/>
-              </a:rPr>
-              <a:t> </a:t>
-            </a:r>
-            <a:r>
-              <a:rPr sz="1500" i="1" spc="5" dirty="0">
-                <a:solidFill>
-                  <a:srgbClr val="46C249"/>
-                </a:solidFill>
-                <a:latin typeface="Consolas"/>
-                <a:cs typeface="Consolas"/>
-              </a:rPr>
-              <a:t>'winkelmandje',</a:t>
-            </a:r>
-            <a:endParaRPr sz="1500" dirty="0">
-              <a:latin typeface="Consolas"/>
-              <a:cs typeface="Consolas"/>
-            </a:endParaRPr>
-          </a:p>
-          <a:p>
-            <a:pPr marL="12700">
-              <a:lnSpc>
-                <a:spcPct val="100000"/>
-              </a:lnSpc>
-              <a:spcBef>
-                <a:spcPts val="15"/>
-              </a:spcBef>
-            </a:pPr>
-            <a:r>
-              <a:rPr sz="1500" i="1" dirty="0">
-                <a:solidFill>
-                  <a:srgbClr val="46C249"/>
-                </a:solidFill>
-                <a:latin typeface="Consolas"/>
-                <a:cs typeface="Consolas"/>
-              </a:rPr>
-              <a:t>//</a:t>
-            </a:r>
-            <a:r>
-              <a:rPr sz="1500" i="1" dirty="0">
-                <a:solidFill>
-                  <a:srgbClr val="46C249"/>
-                </a:solidFill>
-                <a:latin typeface="Times New Roman"/>
-                <a:cs typeface="Times New Roman"/>
-              </a:rPr>
-              <a:t> </a:t>
-            </a:r>
-            <a:r>
-              <a:rPr sz="1500" i="1" spc="90" dirty="0">
-                <a:solidFill>
-                  <a:srgbClr val="46C249"/>
-                </a:solidFill>
-                <a:latin typeface="Times New Roman"/>
-                <a:cs typeface="Times New Roman"/>
-              </a:rPr>
-              <a:t> </a:t>
-            </a:r>
-            <a:r>
-              <a:rPr sz="1500" i="1" spc="5" dirty="0">
-                <a:solidFill>
-                  <a:srgbClr val="46C249"/>
-                </a:solidFill>
-                <a:latin typeface="Consolas"/>
-                <a:cs typeface="Consolas"/>
-              </a:rPr>
-              <a:t>bijhoude</a:t>
-            </a:r>
-            <a:r>
-              <a:rPr sz="1500" i="1" dirty="0">
-                <a:solidFill>
-                  <a:srgbClr val="46C249"/>
-                </a:solidFill>
-                <a:latin typeface="Consolas"/>
-                <a:cs typeface="Consolas"/>
-              </a:rPr>
-              <a:t>n</a:t>
-            </a:r>
-            <a:r>
-              <a:rPr sz="1500" i="1" dirty="0">
-                <a:solidFill>
-                  <a:srgbClr val="46C249"/>
-                </a:solidFill>
-                <a:latin typeface="Times New Roman"/>
-                <a:cs typeface="Times New Roman"/>
-              </a:rPr>
-              <a:t> </a:t>
-            </a:r>
-            <a:r>
-              <a:rPr sz="1500" i="1" spc="90" dirty="0">
-                <a:solidFill>
-                  <a:srgbClr val="46C249"/>
-                </a:solidFill>
-                <a:latin typeface="Times New Roman"/>
-                <a:cs typeface="Times New Roman"/>
-              </a:rPr>
-              <a:t> </a:t>
-            </a:r>
-            <a:r>
-              <a:rPr sz="1500" i="1" spc="5" dirty="0">
-                <a:solidFill>
-                  <a:srgbClr val="46C249"/>
-                </a:solidFill>
-                <a:latin typeface="Consolas"/>
-                <a:cs typeface="Consolas"/>
-              </a:rPr>
-              <a:t>welk</a:t>
-            </a:r>
-            <a:r>
-              <a:rPr sz="1500" i="1" dirty="0">
-                <a:solidFill>
-                  <a:srgbClr val="46C249"/>
-                </a:solidFill>
-                <a:latin typeface="Consolas"/>
-                <a:cs typeface="Consolas"/>
-              </a:rPr>
-              <a:t>e</a:t>
-            </a:r>
-            <a:r>
-              <a:rPr sz="1500" i="1" dirty="0">
-                <a:solidFill>
-                  <a:srgbClr val="46C249"/>
-                </a:solidFill>
-                <a:latin typeface="Times New Roman"/>
-                <a:cs typeface="Times New Roman"/>
-              </a:rPr>
-              <a:t> </a:t>
-            </a:r>
-            <a:r>
-              <a:rPr sz="1500" i="1" spc="85" dirty="0">
-                <a:solidFill>
-                  <a:srgbClr val="46C249"/>
-                </a:solidFill>
-                <a:latin typeface="Times New Roman"/>
-                <a:cs typeface="Times New Roman"/>
-              </a:rPr>
-              <a:t> </a:t>
-            </a:r>
-            <a:r>
-              <a:rPr sz="1500" i="1" spc="5" dirty="0">
-                <a:solidFill>
-                  <a:srgbClr val="46C249"/>
-                </a:solidFill>
-                <a:latin typeface="Consolas"/>
-                <a:cs typeface="Consolas"/>
-              </a:rPr>
-              <a:t>stedentripje</a:t>
-            </a:r>
-            <a:r>
-              <a:rPr sz="1500" i="1" dirty="0">
-                <a:solidFill>
-                  <a:srgbClr val="46C249"/>
-                </a:solidFill>
-                <a:latin typeface="Consolas"/>
-                <a:cs typeface="Consolas"/>
-              </a:rPr>
-              <a:t>s</a:t>
-            </a:r>
-            <a:r>
-              <a:rPr sz="1500" i="1" dirty="0">
-                <a:solidFill>
-                  <a:srgbClr val="46C249"/>
-                </a:solidFill>
-                <a:latin typeface="Times New Roman"/>
-                <a:cs typeface="Times New Roman"/>
-              </a:rPr>
-              <a:t> </a:t>
-            </a:r>
-            <a:r>
-              <a:rPr sz="1500" i="1" spc="80" dirty="0">
-                <a:solidFill>
-                  <a:srgbClr val="46C249"/>
-                </a:solidFill>
-                <a:latin typeface="Times New Roman"/>
-                <a:cs typeface="Times New Roman"/>
-              </a:rPr>
-              <a:t> </a:t>
-            </a:r>
-            <a:r>
-              <a:rPr sz="1500" i="1" spc="5" dirty="0">
-                <a:solidFill>
-                  <a:srgbClr val="46C249"/>
-                </a:solidFill>
-                <a:latin typeface="Consolas"/>
-                <a:cs typeface="Consolas"/>
-              </a:rPr>
-              <a:t>zij</a:t>
-            </a:r>
-            <a:r>
-              <a:rPr sz="1500" i="1" dirty="0">
-                <a:solidFill>
-                  <a:srgbClr val="46C249"/>
-                </a:solidFill>
-                <a:latin typeface="Consolas"/>
-                <a:cs typeface="Consolas"/>
-              </a:rPr>
-              <a:t>n</a:t>
-            </a:r>
-            <a:r>
-              <a:rPr sz="1500" i="1" dirty="0">
-                <a:solidFill>
-                  <a:srgbClr val="46C249"/>
-                </a:solidFill>
-                <a:latin typeface="Times New Roman"/>
-                <a:cs typeface="Times New Roman"/>
-              </a:rPr>
-              <a:t> </a:t>
-            </a:r>
-            <a:r>
-              <a:rPr sz="1500" i="1" spc="90" dirty="0">
-                <a:solidFill>
-                  <a:srgbClr val="46C249"/>
-                </a:solidFill>
-                <a:latin typeface="Times New Roman"/>
-                <a:cs typeface="Times New Roman"/>
-              </a:rPr>
-              <a:t> </a:t>
-            </a:r>
-            <a:r>
-              <a:rPr sz="1500" i="1" spc="5" dirty="0">
-                <a:solidFill>
-                  <a:srgbClr val="46C249"/>
-                </a:solidFill>
-                <a:latin typeface="Consolas"/>
-                <a:cs typeface="Consolas"/>
-              </a:rPr>
-              <a:t>geboekt.</a:t>
-            </a:r>
-            <a:endParaRPr sz="1500" dirty="0">
-              <a:latin typeface="Consolas"/>
-              <a:cs typeface="Consolas"/>
-            </a:endParaRPr>
-          </a:p>
-          <a:p>
-            <a:pPr marL="12700">
-              <a:lnSpc>
-                <a:spcPct val="100000"/>
-              </a:lnSpc>
-              <a:spcBef>
-                <a:spcPts val="10"/>
-              </a:spcBef>
-            </a:pPr>
-            <a:r>
-              <a:rPr sz="1500" b="1" dirty="0">
-                <a:solidFill>
-                  <a:srgbClr val="000080"/>
-                </a:solidFill>
-                <a:latin typeface="Consolas"/>
-                <a:cs typeface="Consolas"/>
-              </a:rPr>
-              <a:t>import</a:t>
-            </a:r>
-            <a:r>
-              <a:rPr sz="1500" b="1" dirty="0">
-                <a:solidFill>
-                  <a:srgbClr val="000080"/>
-                </a:solidFill>
-                <a:latin typeface="Times New Roman"/>
-                <a:cs typeface="Times New Roman"/>
-              </a:rPr>
-              <a:t> </a:t>
-            </a:r>
-            <a:r>
-              <a:rPr sz="1500" b="1" spc="95" dirty="0">
-                <a:solidFill>
-                  <a:srgbClr val="000080"/>
-                </a:solidFill>
-                <a:latin typeface="Times New Roman"/>
-                <a:cs typeface="Times New Roman"/>
-              </a:rPr>
-              <a:t> </a:t>
-            </a:r>
-            <a:r>
-              <a:rPr sz="1500" dirty="0">
-                <a:latin typeface="Consolas"/>
-                <a:cs typeface="Consolas"/>
-              </a:rPr>
-              <a:t>…</a:t>
-            </a:r>
-          </a:p>
-          <a:p>
-            <a:pPr>
-              <a:lnSpc>
-                <a:spcPct val="100000"/>
-              </a:lnSpc>
-              <a:spcBef>
-                <a:spcPts val="41"/>
-              </a:spcBef>
-            </a:pPr>
-            <a:endParaRPr sz="1550" dirty="0">
-              <a:latin typeface="Times New Roman"/>
-              <a:cs typeface="Times New Roman"/>
-            </a:endParaRPr>
-          </a:p>
-          <a:p>
-            <a:pPr marL="12700">
-              <a:lnSpc>
-                <a:spcPct val="100000"/>
-              </a:lnSpc>
-            </a:pPr>
-            <a:r>
-              <a:rPr sz="1500" spc="5" dirty="0">
-                <a:latin typeface="Consolas"/>
-                <a:cs typeface="Consolas"/>
-              </a:rPr>
-              <a:t>@Component({</a:t>
-            </a:r>
-            <a:endParaRPr sz="1500" dirty="0">
-              <a:latin typeface="Consolas"/>
-              <a:cs typeface="Consolas"/>
-            </a:endParaRPr>
-          </a:p>
-          <a:p>
-            <a:pPr marL="330835" marR="4043045" indent="-635">
-              <a:lnSpc>
-                <a:spcPct val="100699"/>
-              </a:lnSpc>
-            </a:pPr>
-            <a:r>
-              <a:rPr sz="1500" spc="5" dirty="0">
-                <a:latin typeface="Consolas"/>
-                <a:cs typeface="Consolas"/>
-              </a:rPr>
-              <a:t>selector</a:t>
-            </a:r>
-            <a:r>
-              <a:rPr sz="1500" dirty="0">
-                <a:latin typeface="Consolas"/>
-                <a:cs typeface="Consolas"/>
-              </a:rPr>
-              <a:t>:</a:t>
-            </a:r>
-            <a:r>
-              <a:rPr sz="1500" dirty="0">
-                <a:latin typeface="Times New Roman"/>
-                <a:cs typeface="Times New Roman"/>
-              </a:rPr>
-              <a:t> </a:t>
-            </a:r>
-            <a:r>
-              <a:rPr sz="1500" spc="90" dirty="0">
-                <a:latin typeface="Times New Roman"/>
-                <a:cs typeface="Times New Roman"/>
-              </a:rPr>
-              <a:t> </a:t>
-            </a:r>
-            <a:r>
-              <a:rPr sz="1500" b="1" spc="5" dirty="0">
-                <a:solidFill>
-                  <a:srgbClr val="008000"/>
-                </a:solidFill>
-                <a:latin typeface="Consolas"/>
-                <a:cs typeface="Consolas"/>
-              </a:rPr>
-              <a:t>'cit</a:t>
-            </a:r>
-            <a:r>
-              <a:rPr sz="1500" b="1" dirty="0">
-                <a:solidFill>
-                  <a:srgbClr val="008000"/>
-                </a:solidFill>
-                <a:latin typeface="Consolas"/>
-                <a:cs typeface="Consolas"/>
-              </a:rPr>
-              <a:t>y‐</a:t>
-            </a:r>
-            <a:r>
-              <a:rPr sz="1500" b="1" spc="5" dirty="0">
-                <a:solidFill>
-                  <a:srgbClr val="008000"/>
-                </a:solidFill>
-                <a:latin typeface="Consolas"/>
-                <a:cs typeface="Consolas"/>
-              </a:rPr>
-              <a:t>orders</a:t>
-            </a:r>
-            <a:r>
-              <a:rPr sz="1500" b="1" dirty="0">
-                <a:solidFill>
-                  <a:srgbClr val="008000"/>
-                </a:solidFill>
-                <a:latin typeface="Consolas"/>
-                <a:cs typeface="Consolas"/>
-              </a:rPr>
-              <a:t>'</a:t>
-            </a:r>
-            <a:r>
-              <a:rPr sz="1500" dirty="0">
-                <a:latin typeface="Consolas"/>
-                <a:cs typeface="Consolas"/>
-              </a:rPr>
-              <a:t>,</a:t>
-            </a:r>
-            <a:r>
-              <a:rPr sz="1500" dirty="0">
-                <a:latin typeface="Times New Roman"/>
-                <a:cs typeface="Times New Roman"/>
-              </a:rPr>
-              <a:t> </a:t>
-            </a:r>
-            <a:r>
-              <a:rPr sz="1500" spc="5" dirty="0">
-                <a:latin typeface="Consolas"/>
-                <a:cs typeface="Consolas"/>
-              </a:rPr>
-              <a:t>template</a:t>
-            </a:r>
-            <a:r>
-              <a:rPr sz="1500" dirty="0">
-                <a:latin typeface="Consolas"/>
-                <a:cs typeface="Consolas"/>
-              </a:rPr>
-              <a:t>:</a:t>
-            </a:r>
-            <a:r>
-              <a:rPr sz="1500" dirty="0">
-                <a:latin typeface="Times New Roman"/>
-                <a:cs typeface="Times New Roman"/>
-              </a:rPr>
-              <a:t> </a:t>
-            </a:r>
-            <a:r>
-              <a:rPr sz="1500" spc="90" dirty="0">
-                <a:latin typeface="Times New Roman"/>
-                <a:cs typeface="Times New Roman"/>
-              </a:rPr>
-              <a:t> </a:t>
-            </a:r>
-            <a:r>
-              <a:rPr sz="1500" b="1" dirty="0">
-                <a:solidFill>
-                  <a:srgbClr val="008000"/>
-                </a:solidFill>
-                <a:latin typeface="Consolas"/>
-                <a:cs typeface="Consolas"/>
-              </a:rPr>
-              <a:t>`</a:t>
-            </a:r>
-            <a:endParaRPr sz="1500" dirty="0">
-              <a:latin typeface="Consolas"/>
-              <a:cs typeface="Consolas"/>
-            </a:endParaRPr>
-          </a:p>
-          <a:p>
-            <a:pPr marL="330835">
-              <a:lnSpc>
-                <a:spcPct val="100000"/>
-              </a:lnSpc>
-              <a:spcBef>
-                <a:spcPts val="15"/>
-              </a:spcBef>
-            </a:pPr>
-            <a:r>
-              <a:rPr sz="1500" b="1" spc="5" dirty="0">
-                <a:solidFill>
-                  <a:srgbClr val="008000"/>
-                </a:solidFill>
-                <a:latin typeface="Consolas"/>
-                <a:cs typeface="Consolas"/>
-              </a:rPr>
-              <a:t>&lt;di</a:t>
-            </a:r>
-            <a:r>
-              <a:rPr sz="1500" b="1" dirty="0">
-                <a:solidFill>
-                  <a:srgbClr val="008000"/>
-                </a:solidFill>
-                <a:latin typeface="Consolas"/>
-                <a:cs typeface="Consolas"/>
-              </a:rPr>
-              <a:t>v</a:t>
-            </a:r>
-            <a:r>
-              <a:rPr sz="1500" b="1" dirty="0">
-                <a:solidFill>
-                  <a:srgbClr val="008000"/>
-                </a:solidFill>
-                <a:latin typeface="Times New Roman"/>
-                <a:cs typeface="Times New Roman"/>
-              </a:rPr>
-              <a:t> </a:t>
-            </a:r>
-            <a:r>
-              <a:rPr sz="1500" b="1" spc="90" dirty="0">
-                <a:solidFill>
-                  <a:srgbClr val="008000"/>
-                </a:solidFill>
-                <a:latin typeface="Times New Roman"/>
-                <a:cs typeface="Times New Roman"/>
-              </a:rPr>
-              <a:t> </a:t>
-            </a:r>
-            <a:r>
-              <a:rPr sz="1500" b="1" spc="5" dirty="0">
-                <a:solidFill>
-                  <a:srgbClr val="008000"/>
-                </a:solidFill>
-                <a:latin typeface="Consolas"/>
-                <a:cs typeface="Consolas"/>
-              </a:rPr>
-              <a:t>*ngIf="currentOrders.lengt</a:t>
-            </a:r>
-            <a:r>
-              <a:rPr sz="1500" b="1" dirty="0">
-                <a:solidFill>
-                  <a:srgbClr val="008000"/>
-                </a:solidFill>
-                <a:latin typeface="Consolas"/>
-                <a:cs typeface="Consolas"/>
-              </a:rPr>
-              <a:t>h</a:t>
-            </a:r>
-            <a:r>
-              <a:rPr sz="1500" b="1" dirty="0">
-                <a:solidFill>
-                  <a:srgbClr val="008000"/>
-                </a:solidFill>
-                <a:latin typeface="Times New Roman"/>
-                <a:cs typeface="Times New Roman"/>
-              </a:rPr>
-              <a:t> </a:t>
-            </a:r>
-            <a:r>
-              <a:rPr sz="1500" b="1" spc="90" dirty="0">
-                <a:solidFill>
-                  <a:srgbClr val="008000"/>
-                </a:solidFill>
-                <a:latin typeface="Times New Roman"/>
-                <a:cs typeface="Times New Roman"/>
-              </a:rPr>
-              <a:t> </a:t>
-            </a:r>
-            <a:r>
-              <a:rPr sz="1500" b="1" dirty="0">
-                <a:solidFill>
-                  <a:srgbClr val="008000"/>
-                </a:solidFill>
-                <a:latin typeface="Consolas"/>
-                <a:cs typeface="Consolas"/>
-              </a:rPr>
-              <a:t>&gt;</a:t>
-            </a:r>
-            <a:r>
-              <a:rPr sz="1500" b="1" dirty="0">
-                <a:solidFill>
-                  <a:srgbClr val="008000"/>
-                </a:solidFill>
-                <a:latin typeface="Times New Roman"/>
-                <a:cs typeface="Times New Roman"/>
-              </a:rPr>
-              <a:t> </a:t>
-            </a:r>
-            <a:r>
-              <a:rPr sz="1500" b="1" spc="80" dirty="0">
-                <a:solidFill>
-                  <a:srgbClr val="008000"/>
-                </a:solidFill>
-                <a:latin typeface="Times New Roman"/>
-                <a:cs typeface="Times New Roman"/>
-              </a:rPr>
-              <a:t> </a:t>
-            </a:r>
-            <a:r>
-              <a:rPr sz="1500" b="1" dirty="0">
-                <a:solidFill>
-                  <a:srgbClr val="008000"/>
-                </a:solidFill>
-                <a:latin typeface="Consolas"/>
-                <a:cs typeface="Consolas"/>
-              </a:rPr>
-              <a:t>0"&gt;</a:t>
-            </a:r>
-            <a:endParaRPr sz="1500" dirty="0">
-              <a:latin typeface="Consolas"/>
-              <a:cs typeface="Consolas"/>
-            </a:endParaRPr>
-          </a:p>
-          <a:p>
-            <a:pPr marL="649605">
-              <a:lnSpc>
-                <a:spcPct val="100000"/>
-              </a:lnSpc>
-              <a:spcBef>
-                <a:spcPts val="10"/>
-              </a:spcBef>
-            </a:pPr>
-            <a:r>
-              <a:rPr sz="1500" b="1" dirty="0">
-                <a:solidFill>
-                  <a:srgbClr val="008000"/>
-                </a:solidFill>
-                <a:latin typeface="Consolas"/>
-                <a:cs typeface="Consolas"/>
-              </a:rPr>
-              <a:t>…</a:t>
-            </a:r>
-            <a:endParaRPr sz="1500" dirty="0">
-              <a:latin typeface="Consolas"/>
-              <a:cs typeface="Consolas"/>
-            </a:endParaRPr>
-          </a:p>
-          <a:p>
-            <a:pPr marL="12700">
-              <a:lnSpc>
-                <a:spcPct val="100000"/>
-              </a:lnSpc>
-              <a:spcBef>
-                <a:spcPts val="10"/>
-              </a:spcBef>
-            </a:pPr>
-            <a:r>
-              <a:rPr sz="1500" dirty="0">
-                <a:latin typeface="Consolas"/>
-                <a:cs typeface="Consolas"/>
-              </a:rPr>
-              <a:t>})</a:t>
-            </a:r>
-          </a:p>
-          <a:p>
-            <a:pPr>
-              <a:lnSpc>
-                <a:spcPct val="100000"/>
-              </a:lnSpc>
-              <a:spcBef>
-                <a:spcPts val="41"/>
-              </a:spcBef>
-            </a:pPr>
-            <a:endParaRPr sz="1550" dirty="0">
-              <a:latin typeface="Times New Roman"/>
-              <a:cs typeface="Times New Roman"/>
-            </a:endParaRPr>
-          </a:p>
-          <a:p>
-            <a:pPr marL="12700">
-              <a:lnSpc>
-                <a:spcPct val="100000"/>
-              </a:lnSpc>
-            </a:pPr>
-            <a:r>
-              <a:rPr sz="1500" b="1" dirty="0">
-                <a:solidFill>
-                  <a:srgbClr val="000080"/>
-                </a:solidFill>
-                <a:latin typeface="Consolas"/>
-                <a:cs typeface="Consolas"/>
-              </a:rPr>
-              <a:t>export</a:t>
-            </a:r>
-            <a:r>
-              <a:rPr sz="1500" b="1" dirty="0">
-                <a:solidFill>
-                  <a:srgbClr val="000080"/>
-                </a:solidFill>
-                <a:latin typeface="Times New Roman"/>
-                <a:cs typeface="Times New Roman"/>
-              </a:rPr>
-              <a:t> </a:t>
-            </a:r>
-            <a:r>
-              <a:rPr sz="1500" b="1" spc="95" dirty="0">
-                <a:solidFill>
-                  <a:srgbClr val="000080"/>
-                </a:solidFill>
-                <a:latin typeface="Times New Roman"/>
-                <a:cs typeface="Times New Roman"/>
-              </a:rPr>
-              <a:t> </a:t>
-            </a:r>
-            <a:r>
-              <a:rPr sz="1500" b="1" dirty="0">
-                <a:solidFill>
-                  <a:srgbClr val="000080"/>
-                </a:solidFill>
-                <a:latin typeface="Consolas"/>
-                <a:cs typeface="Consolas"/>
-              </a:rPr>
-              <a:t>class</a:t>
-            </a:r>
-            <a:r>
-              <a:rPr sz="1500" b="1" dirty="0">
-                <a:solidFill>
-                  <a:srgbClr val="000080"/>
-                </a:solidFill>
-                <a:latin typeface="Times New Roman"/>
-                <a:cs typeface="Times New Roman"/>
-              </a:rPr>
-              <a:t> </a:t>
-            </a:r>
-            <a:r>
-              <a:rPr sz="1500" b="1" spc="90" dirty="0">
-                <a:solidFill>
-                  <a:srgbClr val="000080"/>
-                </a:solidFill>
-                <a:latin typeface="Times New Roman"/>
-                <a:cs typeface="Times New Roman"/>
-              </a:rPr>
-              <a:t> </a:t>
-            </a:r>
-            <a:r>
-              <a:rPr sz="1500" b="1" spc="5" dirty="0" err="1">
-                <a:latin typeface="Consolas"/>
-                <a:cs typeface="Consolas"/>
-              </a:rPr>
-              <a:t>CityOrder</a:t>
-            </a:r>
-            <a:r>
-              <a:rPr sz="1500" b="1" dirty="0" err="1">
-                <a:latin typeface="Consolas"/>
-                <a:cs typeface="Consolas"/>
-              </a:rPr>
-              <a:t>s</a:t>
-            </a:r>
-            <a:r>
-              <a:rPr lang="nl-NL" sz="1500" b="1" dirty="0">
-                <a:latin typeface="Consolas"/>
-                <a:cs typeface="Consolas"/>
-              </a:rPr>
-              <a:t>Component</a:t>
-            </a:r>
-            <a:r>
-              <a:rPr sz="1500" b="1" dirty="0">
-                <a:latin typeface="Times New Roman"/>
-                <a:cs typeface="Times New Roman"/>
-              </a:rPr>
-              <a:t> </a:t>
-            </a:r>
-            <a:r>
-              <a:rPr sz="1500" b="1" spc="90" dirty="0">
-                <a:latin typeface="Times New Roman"/>
-                <a:cs typeface="Times New Roman"/>
-              </a:rPr>
-              <a:t> </a:t>
-            </a:r>
-            <a:r>
-              <a:rPr sz="1500" dirty="0">
-                <a:latin typeface="Consolas"/>
-                <a:cs typeface="Consolas"/>
-              </a:rPr>
-              <a:t>{</a:t>
-            </a:r>
-          </a:p>
-          <a:p>
-            <a:pPr marL="330835">
-              <a:lnSpc>
-                <a:spcPct val="100000"/>
-              </a:lnSpc>
-              <a:spcBef>
-                <a:spcPts val="10"/>
-              </a:spcBef>
-            </a:pPr>
-            <a:r>
-              <a:rPr sz="1500" dirty="0">
-                <a:latin typeface="Consolas"/>
-                <a:cs typeface="Consolas"/>
-              </a:rPr>
-              <a:t>…</a:t>
-            </a:r>
-          </a:p>
-          <a:p>
-            <a:pPr marL="330835">
-              <a:lnSpc>
-                <a:spcPct val="100000"/>
-              </a:lnSpc>
-              <a:spcBef>
-                <a:spcPts val="15"/>
-              </a:spcBef>
-            </a:pPr>
-            <a:r>
-              <a:rPr sz="1500" dirty="0">
-                <a:latin typeface="Consolas"/>
-                <a:cs typeface="Consolas"/>
-              </a:rPr>
-              <a:t>ngOnInit()</a:t>
-            </a:r>
-            <a:r>
-              <a:rPr sz="1500" dirty="0">
-                <a:latin typeface="Times New Roman"/>
-                <a:cs typeface="Times New Roman"/>
-              </a:rPr>
-              <a:t> </a:t>
-            </a:r>
-            <a:r>
-              <a:rPr sz="1500" spc="95" dirty="0">
-                <a:latin typeface="Times New Roman"/>
-                <a:cs typeface="Times New Roman"/>
-              </a:rPr>
-              <a:t> </a:t>
-            </a:r>
-            <a:r>
-              <a:rPr sz="1500" dirty="0">
-                <a:latin typeface="Consolas"/>
-                <a:cs typeface="Consolas"/>
-              </a:rPr>
-              <a:t>{</a:t>
-            </a:r>
-          </a:p>
-          <a:p>
-            <a:pPr marL="649605">
-              <a:lnSpc>
-                <a:spcPct val="100000"/>
-              </a:lnSpc>
-              <a:spcBef>
-                <a:spcPts val="10"/>
-              </a:spcBef>
-            </a:pPr>
-            <a:r>
-              <a:rPr sz="1500" b="1" dirty="0" err="1">
-                <a:solidFill>
-                  <a:srgbClr val="C00000"/>
-                </a:solidFill>
-                <a:latin typeface="Consolas"/>
-                <a:cs typeface="Consolas"/>
-              </a:rPr>
-              <a:t>thi</a:t>
-            </a:r>
-            <a:r>
-              <a:rPr sz="1500" b="1" spc="5" dirty="0" err="1">
-                <a:solidFill>
-                  <a:srgbClr val="C00000"/>
-                </a:solidFill>
-                <a:latin typeface="Consolas"/>
-                <a:cs typeface="Consolas"/>
-              </a:rPr>
-              <a:t>s</a:t>
-            </a:r>
-            <a:r>
-              <a:rPr sz="1500" spc="5" dirty="0" err="1">
-                <a:solidFill>
-                  <a:srgbClr val="C00000"/>
-                </a:solidFill>
-                <a:latin typeface="Consolas"/>
-                <a:cs typeface="Consolas"/>
-              </a:rPr>
-              <a:t>.orderService</a:t>
-            </a:r>
-            <a:r>
-              <a:rPr sz="1500" spc="5" dirty="0">
-                <a:solidFill>
-                  <a:srgbClr val="C00000"/>
-                </a:solidFill>
-                <a:latin typeface="Consolas"/>
-                <a:cs typeface="Consolas"/>
-              </a:rPr>
-              <a:t>.</a:t>
-            </a:r>
-            <a:r>
-              <a:rPr lang="nl-NL" sz="1500" spc="5" dirty="0">
-                <a:solidFill>
-                  <a:srgbClr val="C00000"/>
-                </a:solidFill>
-                <a:latin typeface="Consolas"/>
-                <a:cs typeface="Consolas"/>
-              </a:rPr>
-              <a:t>s</a:t>
-            </a:r>
-            <a:r>
-              <a:rPr sz="1500" spc="5" dirty="0" err="1">
-                <a:solidFill>
-                  <a:srgbClr val="C00000"/>
-                </a:solidFill>
-                <a:latin typeface="Consolas"/>
-                <a:cs typeface="Consolas"/>
-              </a:rPr>
-              <a:t>tream</a:t>
-            </a:r>
-            <a:endParaRPr sz="1500" dirty="0">
-              <a:solidFill>
-                <a:srgbClr val="C00000"/>
-              </a:solidFill>
-              <a:latin typeface="Consolas"/>
-              <a:cs typeface="Consolas"/>
-            </a:endParaRPr>
-          </a:p>
-          <a:p>
-            <a:pPr marL="967740">
-              <a:lnSpc>
-                <a:spcPct val="100000"/>
-              </a:lnSpc>
-              <a:spcBef>
-                <a:spcPts val="10"/>
-              </a:spcBef>
-            </a:pPr>
-            <a:r>
-              <a:rPr sz="1500" spc="5" dirty="0">
-                <a:latin typeface="Consolas"/>
-                <a:cs typeface="Consolas"/>
-              </a:rPr>
-              <a:t>.</a:t>
-            </a:r>
-            <a:r>
-              <a:rPr sz="1500" b="1" spc="5" dirty="0">
-                <a:solidFill>
-                  <a:srgbClr val="FF0000"/>
-                </a:solidFill>
-                <a:latin typeface="Consolas"/>
-                <a:cs typeface="Consolas"/>
-              </a:rPr>
-              <a:t>subscribe</a:t>
-            </a:r>
-            <a:r>
-              <a:rPr sz="1500" spc="5" dirty="0">
-                <a:latin typeface="Consolas"/>
-                <a:cs typeface="Consolas"/>
-              </a:rPr>
-              <a:t>(</a:t>
-            </a:r>
-            <a:endParaRPr sz="1500" dirty="0">
-              <a:latin typeface="Consolas"/>
-              <a:cs typeface="Consolas"/>
-            </a:endParaRPr>
-          </a:p>
-          <a:p>
-            <a:pPr marL="1286510" marR="5080" indent="-635">
-              <a:lnSpc>
-                <a:spcPct val="100699"/>
-              </a:lnSpc>
-            </a:pPr>
-            <a:r>
-              <a:rPr sz="1500" spc="5" dirty="0">
-                <a:latin typeface="Consolas"/>
-                <a:cs typeface="Consolas"/>
-              </a:rPr>
-              <a:t>(city:City</a:t>
-            </a:r>
-            <a:r>
-              <a:rPr sz="1500" dirty="0">
-                <a:latin typeface="Consolas"/>
-                <a:cs typeface="Consolas"/>
-              </a:rPr>
-              <a:t>)</a:t>
-            </a:r>
-            <a:r>
-              <a:rPr sz="1500" dirty="0">
-                <a:latin typeface="Times New Roman"/>
-                <a:cs typeface="Times New Roman"/>
-              </a:rPr>
-              <a:t> </a:t>
-            </a:r>
-            <a:r>
-              <a:rPr sz="1500" spc="85" dirty="0">
-                <a:latin typeface="Times New Roman"/>
-                <a:cs typeface="Times New Roman"/>
-              </a:rPr>
-              <a:t> </a:t>
-            </a:r>
-            <a:r>
-              <a:rPr sz="1500" dirty="0">
-                <a:latin typeface="Consolas"/>
-                <a:cs typeface="Consolas"/>
-              </a:rPr>
-              <a:t>=&gt;</a:t>
-            </a:r>
-            <a:r>
-              <a:rPr sz="1500" dirty="0">
-                <a:latin typeface="Times New Roman"/>
-                <a:cs typeface="Times New Roman"/>
-              </a:rPr>
-              <a:t> </a:t>
-            </a:r>
-            <a:r>
-              <a:rPr sz="1500" spc="90" dirty="0">
-                <a:latin typeface="Times New Roman"/>
-                <a:cs typeface="Times New Roman"/>
-              </a:rPr>
-              <a:t> </a:t>
-            </a:r>
-            <a:r>
-              <a:rPr sz="1500" b="1" dirty="0">
-                <a:solidFill>
-                  <a:srgbClr val="000080"/>
-                </a:solidFill>
-                <a:latin typeface="Consolas"/>
-                <a:cs typeface="Consolas"/>
-              </a:rPr>
-              <a:t>thi</a:t>
-            </a:r>
-            <a:r>
-              <a:rPr sz="1500" b="1" spc="5" dirty="0">
-                <a:solidFill>
-                  <a:srgbClr val="000080"/>
-                </a:solidFill>
-                <a:latin typeface="Consolas"/>
-                <a:cs typeface="Consolas"/>
-              </a:rPr>
-              <a:t>s</a:t>
-            </a:r>
-            <a:r>
-              <a:rPr sz="1500" spc="5" dirty="0">
-                <a:latin typeface="Consolas"/>
-                <a:cs typeface="Consolas"/>
-              </a:rPr>
-              <a:t>.processOrder(city),</a:t>
-            </a:r>
-            <a:r>
-              <a:rPr sz="1500" spc="5" dirty="0">
-                <a:latin typeface="Times New Roman"/>
-                <a:cs typeface="Times New Roman"/>
-              </a:rPr>
-              <a:t> </a:t>
-            </a:r>
-            <a:r>
-              <a:rPr sz="1500" spc="5" dirty="0">
-                <a:latin typeface="Consolas"/>
-                <a:cs typeface="Consolas"/>
-              </a:rPr>
-              <a:t>(err)=&gt;console.log</a:t>
-            </a:r>
-            <a:r>
-              <a:rPr sz="1500" dirty="0">
-                <a:latin typeface="Consolas"/>
-                <a:cs typeface="Consolas"/>
-              </a:rPr>
-              <a:t>(</a:t>
-            </a:r>
-            <a:r>
-              <a:rPr sz="1500" b="1" spc="5" dirty="0">
-                <a:solidFill>
-                  <a:srgbClr val="008000"/>
-                </a:solidFill>
-                <a:latin typeface="Consolas"/>
-                <a:cs typeface="Consolas"/>
-              </a:rPr>
-              <a:t>'Erro</a:t>
-            </a:r>
-            <a:r>
-              <a:rPr sz="1500" b="1" dirty="0">
-                <a:solidFill>
-                  <a:srgbClr val="008000"/>
-                </a:solidFill>
-                <a:latin typeface="Consolas"/>
-                <a:cs typeface="Consolas"/>
-              </a:rPr>
-              <a:t>r</a:t>
-            </a:r>
-            <a:r>
-              <a:rPr sz="1500" b="1" dirty="0">
-                <a:solidFill>
-                  <a:srgbClr val="008000"/>
-                </a:solidFill>
-                <a:latin typeface="Times New Roman"/>
-                <a:cs typeface="Times New Roman"/>
-              </a:rPr>
-              <a:t> </a:t>
-            </a:r>
-            <a:r>
-              <a:rPr sz="1500" b="1" spc="90" dirty="0">
-                <a:solidFill>
-                  <a:srgbClr val="008000"/>
-                </a:solidFill>
-                <a:latin typeface="Times New Roman"/>
-                <a:cs typeface="Times New Roman"/>
-              </a:rPr>
-              <a:t> </a:t>
-            </a:r>
-            <a:r>
-              <a:rPr sz="1500" b="1" dirty="0">
-                <a:solidFill>
-                  <a:srgbClr val="008000"/>
-                </a:solidFill>
-                <a:latin typeface="Consolas"/>
-                <a:cs typeface="Consolas"/>
-              </a:rPr>
-              <a:t>bij</a:t>
-            </a:r>
-            <a:r>
-              <a:rPr sz="1500" b="1" dirty="0">
-                <a:solidFill>
-                  <a:srgbClr val="008000"/>
-                </a:solidFill>
-                <a:latin typeface="Times New Roman"/>
-                <a:cs typeface="Times New Roman"/>
-              </a:rPr>
-              <a:t> </a:t>
-            </a:r>
-            <a:r>
-              <a:rPr sz="1500" b="1" spc="95" dirty="0">
-                <a:solidFill>
-                  <a:srgbClr val="008000"/>
-                </a:solidFill>
-                <a:latin typeface="Times New Roman"/>
-                <a:cs typeface="Times New Roman"/>
-              </a:rPr>
-              <a:t> </a:t>
-            </a:r>
-            <a:r>
-              <a:rPr sz="1500" b="1" spc="5" dirty="0">
-                <a:solidFill>
-                  <a:srgbClr val="008000"/>
-                </a:solidFill>
-                <a:latin typeface="Consolas"/>
-                <a:cs typeface="Consolas"/>
-              </a:rPr>
-              <a:t>verwerke</a:t>
-            </a:r>
-            <a:r>
-              <a:rPr sz="1500" b="1" dirty="0">
-                <a:solidFill>
-                  <a:srgbClr val="008000"/>
-                </a:solidFill>
-                <a:latin typeface="Consolas"/>
-                <a:cs typeface="Consolas"/>
-              </a:rPr>
-              <a:t>n</a:t>
-            </a:r>
-            <a:r>
-              <a:rPr sz="1500" b="1" dirty="0">
-                <a:solidFill>
-                  <a:srgbClr val="008000"/>
-                </a:solidFill>
-                <a:latin typeface="Times New Roman"/>
-                <a:cs typeface="Times New Roman"/>
-              </a:rPr>
-              <a:t> </a:t>
-            </a:r>
-            <a:r>
-              <a:rPr sz="1500" b="1" spc="90" dirty="0">
-                <a:solidFill>
-                  <a:srgbClr val="008000"/>
-                </a:solidFill>
-                <a:latin typeface="Times New Roman"/>
-                <a:cs typeface="Times New Roman"/>
-              </a:rPr>
-              <a:t> </a:t>
-            </a:r>
-            <a:r>
-              <a:rPr sz="1500" b="1" spc="5" dirty="0">
-                <a:solidFill>
-                  <a:srgbClr val="008000"/>
-                </a:solidFill>
-                <a:latin typeface="Consolas"/>
-                <a:cs typeface="Consolas"/>
-              </a:rPr>
-              <a:t>City</a:t>
-            </a:r>
-            <a:r>
-              <a:rPr sz="1500" b="1" dirty="0">
-                <a:solidFill>
-                  <a:srgbClr val="008000"/>
-                </a:solidFill>
-                <a:latin typeface="Consolas"/>
-                <a:cs typeface="Consolas"/>
-              </a:rPr>
-              <a:t>‐</a:t>
-            </a:r>
-            <a:r>
-              <a:rPr sz="1500" b="1" spc="5" dirty="0">
-                <a:solidFill>
-                  <a:srgbClr val="008000"/>
-                </a:solidFill>
-                <a:latin typeface="Consolas"/>
-                <a:cs typeface="Consolas"/>
-              </a:rPr>
-              <a:t>order'</a:t>
-            </a:r>
-            <a:r>
-              <a:rPr sz="1500" dirty="0">
-                <a:latin typeface="Consolas"/>
-                <a:cs typeface="Consolas"/>
-              </a:rPr>
-              <a:t>),</a:t>
-            </a:r>
-            <a:r>
-              <a:rPr sz="1500" dirty="0">
-                <a:latin typeface="Times New Roman"/>
-                <a:cs typeface="Times New Roman"/>
-              </a:rPr>
-              <a:t> </a:t>
-            </a:r>
-            <a:r>
-              <a:rPr sz="1500" spc="5" dirty="0">
-                <a:latin typeface="Consolas"/>
-                <a:cs typeface="Consolas"/>
-              </a:rPr>
-              <a:t>()=&gt;console.log</a:t>
-            </a:r>
-            <a:r>
-              <a:rPr sz="1500" dirty="0">
-                <a:latin typeface="Consolas"/>
-                <a:cs typeface="Consolas"/>
-              </a:rPr>
-              <a:t>(</a:t>
-            </a:r>
-            <a:r>
-              <a:rPr sz="1500" b="1" dirty="0">
-                <a:solidFill>
-                  <a:srgbClr val="008000"/>
-                </a:solidFill>
-                <a:latin typeface="Consolas"/>
-                <a:cs typeface="Consolas"/>
-              </a:rPr>
-              <a:t>'Complete...</a:t>
-            </a:r>
-            <a:r>
-              <a:rPr sz="1500" b="1" spc="5" dirty="0">
-                <a:solidFill>
-                  <a:srgbClr val="008000"/>
-                </a:solidFill>
-                <a:latin typeface="Consolas"/>
-                <a:cs typeface="Consolas"/>
-              </a:rPr>
-              <a:t>'</a:t>
-            </a:r>
-            <a:r>
-              <a:rPr sz="1500" dirty="0">
-                <a:latin typeface="Consolas"/>
-                <a:cs typeface="Consolas"/>
-              </a:rPr>
-              <a:t>)</a:t>
-            </a:r>
-          </a:p>
-          <a:p>
-            <a:pPr marL="968375">
-              <a:lnSpc>
-                <a:spcPct val="100000"/>
-              </a:lnSpc>
-              <a:spcBef>
-                <a:spcPts val="15"/>
-              </a:spcBef>
-            </a:pPr>
-            <a:r>
-              <a:rPr sz="1500" dirty="0">
-                <a:latin typeface="Consolas"/>
-                <a:cs typeface="Consolas"/>
-              </a:rPr>
-              <a:t>)</a:t>
-            </a:r>
-          </a:p>
-          <a:p>
-            <a:pPr marL="330835">
-              <a:lnSpc>
-                <a:spcPct val="100000"/>
-              </a:lnSpc>
-              <a:spcBef>
-                <a:spcPts val="10"/>
-              </a:spcBef>
-            </a:pPr>
-            <a:r>
-              <a:rPr sz="1500" dirty="0">
-                <a:latin typeface="Consolas"/>
-                <a:cs typeface="Consolas"/>
-              </a:rPr>
-              <a:t>}</a:t>
-            </a:r>
-          </a:p>
-          <a:p>
-            <a:pPr marL="12700">
-              <a:lnSpc>
-                <a:spcPct val="100000"/>
-              </a:lnSpc>
-              <a:spcBef>
-                <a:spcPts val="10"/>
-              </a:spcBef>
-              <a:tabLst>
-                <a:tab pos="436880" algn="l"/>
-              </a:tabLst>
-            </a:pPr>
-            <a:r>
-              <a:rPr sz="1500" dirty="0">
-                <a:latin typeface="Consolas"/>
-                <a:cs typeface="Consolas"/>
-              </a:rPr>
-              <a:t>`</a:t>
-            </a:r>
-            <a:r>
-              <a:rPr sz="1500" dirty="0">
-                <a:latin typeface="Times New Roman"/>
-                <a:cs typeface="Times New Roman"/>
-              </a:rPr>
-              <a:t>	</a:t>
-            </a:r>
-            <a:r>
-              <a:rPr sz="1500" dirty="0">
-                <a:latin typeface="Consolas"/>
-                <a:cs typeface="Consolas"/>
-              </a:rPr>
-              <a:t>…</a:t>
-            </a:r>
-          </a:p>
-          <a:p>
-            <a:pPr marL="12700">
-              <a:lnSpc>
-                <a:spcPct val="100000"/>
-              </a:lnSpc>
-              <a:spcBef>
-                <a:spcPts val="25"/>
-              </a:spcBef>
-            </a:pPr>
-            <a:r>
-              <a:rPr sz="1500" dirty="0">
-                <a:latin typeface="Consolas"/>
-                <a:cs typeface="Consolas"/>
-              </a:rPr>
-              <a:t>}</a:t>
-            </a:r>
           </a:p>
         </p:txBody>
       </p:sp>
@@ -47305,6 +46133,1561 @@
         <p14:creationId xmlns:p14="http://schemas.microsoft.com/office/powerpoint/2010/main" val="2512642357"/>
       </p:ext>
     </p:extLst>
+  </p:cSld>
+  <p:clrMapOvr>
+    <a:masterClrMapping/>
+  </p:clrMapOvr>
+</p:sld>
+</file>
+
+<file path=ppt/slides/slide40.xml><?xml version="1.0" encoding="utf-8"?>
+<p:sld xmlns:a="http://schemas.openxmlformats.org/drawingml/2006/main" xmlns:r="http://schemas.openxmlformats.org/officeDocument/2006/relationships" xmlns:p="http://schemas.openxmlformats.org/presentationml/2006/main">
+  <p:cSld>
+    <p:spTree>
+      <p:nvGrpSpPr>
+        <p:cNvPr id="1" name=""/>
+        <p:cNvGrpSpPr/>
+        <p:nvPr/>
+      </p:nvGrpSpPr>
+      <p:grpSpPr>
+        <a:xfrm>
+          <a:off x="0" y="0"/>
+          <a:ext cx="0" cy="0"/>
+          <a:chOff x="0" y="0"/>
+          <a:chExt cx="0" cy="0"/>
+        </a:xfrm>
+      </p:grpSpPr>
+      <p:sp>
+        <p:nvSpPr>
+          <p:cNvPr id="2" name="object 2"/>
+          <p:cNvSpPr txBox="1"/>
+          <p:nvPr/>
+        </p:nvSpPr>
+        <p:spPr>
+          <a:xfrm>
+            <a:off x="1266584" y="484882"/>
+            <a:ext cx="5118735" cy="354330"/>
+          </a:xfrm>
+          <a:prstGeom prst="rect">
+            <a:avLst/>
+          </a:prstGeom>
+        </p:spPr>
+        <p:txBody>
+          <a:bodyPr vert="horz" wrap="square" lIns="0" tIns="0" rIns="0" bIns="0" rtlCol="0">
+            <a:spAutoFit/>
+          </a:bodyPr>
+          <a:lstStyle/>
+          <a:p>
+            <a:pPr marL="12700">
+              <a:lnSpc>
+                <a:spcPts val="3229"/>
+              </a:lnSpc>
+              <a:tabLst>
+                <a:tab pos="635635" algn="l"/>
+              </a:tabLst>
+            </a:pPr>
+            <a:r>
+              <a:rPr sz="2750" b="1" spc="10" dirty="0">
+                <a:latin typeface="Verdana"/>
+                <a:cs typeface="Verdana"/>
+              </a:rPr>
+              <a:t>3.</a:t>
+            </a:r>
+            <a:r>
+              <a:rPr sz="2750" b="1" spc="10" dirty="0">
+                <a:latin typeface="Times New Roman"/>
+                <a:cs typeface="Times New Roman"/>
+              </a:rPr>
+              <a:t>	</a:t>
+            </a:r>
+            <a:r>
+              <a:rPr sz="2750" b="1" spc="10" dirty="0">
+                <a:latin typeface="Verdana"/>
+                <a:cs typeface="Verdana"/>
+              </a:rPr>
+              <a:t>Subscriber</a:t>
+            </a:r>
+            <a:r>
+              <a:rPr sz="2750" b="1" spc="300" dirty="0">
+                <a:latin typeface="Times New Roman"/>
+                <a:cs typeface="Times New Roman"/>
+              </a:rPr>
+              <a:t> </a:t>
+            </a:r>
+            <a:r>
+              <a:rPr sz="2750" b="1" spc="10" dirty="0">
+                <a:latin typeface="Verdana"/>
+                <a:cs typeface="Verdana"/>
+              </a:rPr>
+              <a:t>component</a:t>
+            </a:r>
+            <a:endParaRPr sz="2750">
+              <a:latin typeface="Verdana"/>
+              <a:cs typeface="Verdana"/>
+            </a:endParaRPr>
+          </a:p>
+        </p:txBody>
+      </p:sp>
+      <p:sp>
+        <p:nvSpPr>
+          <p:cNvPr id="3" name="object 3"/>
+          <p:cNvSpPr txBox="1"/>
+          <p:nvPr/>
+        </p:nvSpPr>
+        <p:spPr>
+          <a:xfrm>
+            <a:off x="1391552" y="1326520"/>
+            <a:ext cx="6931025" cy="5336076"/>
+          </a:xfrm>
+          <a:prstGeom prst="rect">
+            <a:avLst/>
+          </a:prstGeom>
+        </p:spPr>
+        <p:txBody>
+          <a:bodyPr vert="horz" wrap="square" lIns="0" tIns="0" rIns="0" bIns="0" rtlCol="0">
+            <a:spAutoFit/>
+          </a:bodyPr>
+          <a:lstStyle/>
+          <a:p>
+            <a:pPr marL="12700">
+              <a:lnSpc>
+                <a:spcPct val="100000"/>
+              </a:lnSpc>
+            </a:pPr>
+            <a:r>
+              <a:rPr sz="1500" i="1" spc="5" dirty="0">
+                <a:solidFill>
+                  <a:srgbClr val="46C249"/>
+                </a:solidFill>
+                <a:latin typeface="Consolas"/>
+                <a:cs typeface="Consolas"/>
+              </a:rPr>
+              <a:t>//city.orders.t</a:t>
+            </a:r>
+            <a:r>
+              <a:rPr sz="1500" i="1" dirty="0">
+                <a:solidFill>
+                  <a:srgbClr val="46C249"/>
+                </a:solidFill>
+                <a:latin typeface="Consolas"/>
+                <a:cs typeface="Consolas"/>
+              </a:rPr>
+              <a:t>s</a:t>
+            </a:r>
+            <a:r>
+              <a:rPr sz="1500" i="1" dirty="0">
+                <a:solidFill>
+                  <a:srgbClr val="46C249"/>
+                </a:solidFill>
+                <a:latin typeface="Times New Roman"/>
+                <a:cs typeface="Times New Roman"/>
+              </a:rPr>
+              <a:t> </a:t>
+            </a:r>
+            <a:r>
+              <a:rPr sz="1500" i="1" spc="85" dirty="0">
+                <a:solidFill>
+                  <a:srgbClr val="46C249"/>
+                </a:solidFill>
+                <a:latin typeface="Times New Roman"/>
+                <a:cs typeface="Times New Roman"/>
+              </a:rPr>
+              <a:t> </a:t>
+            </a:r>
+            <a:r>
+              <a:rPr sz="1500" i="1" dirty="0">
+                <a:solidFill>
+                  <a:srgbClr val="46C249"/>
+                </a:solidFill>
+                <a:latin typeface="Consolas"/>
+                <a:cs typeface="Consolas"/>
+              </a:rPr>
+              <a:t>‐</a:t>
+            </a:r>
+            <a:r>
+              <a:rPr sz="1500" i="1" spc="10" dirty="0">
+                <a:solidFill>
+                  <a:srgbClr val="46C249"/>
+                </a:solidFill>
+                <a:latin typeface="Consolas"/>
+                <a:cs typeface="Consolas"/>
+              </a:rPr>
+              <a:t> </a:t>
+            </a:r>
+            <a:r>
+              <a:rPr sz="1500" i="1" spc="5" dirty="0">
+                <a:solidFill>
+                  <a:srgbClr val="46C249"/>
+                </a:solidFill>
+                <a:latin typeface="Consolas"/>
+                <a:cs typeface="Consolas"/>
+              </a:rPr>
+              <a:t>Ee</a:t>
+            </a:r>
+            <a:r>
+              <a:rPr sz="1500" i="1" dirty="0">
+                <a:solidFill>
+                  <a:srgbClr val="46C249"/>
+                </a:solidFill>
+                <a:latin typeface="Consolas"/>
+                <a:cs typeface="Consolas"/>
+              </a:rPr>
+              <a:t>n</a:t>
+            </a:r>
+            <a:r>
+              <a:rPr sz="1500" i="1" dirty="0">
+                <a:solidFill>
+                  <a:srgbClr val="46C249"/>
+                </a:solidFill>
+                <a:latin typeface="Times New Roman"/>
+                <a:cs typeface="Times New Roman"/>
+              </a:rPr>
+              <a:t> </a:t>
+            </a:r>
+            <a:r>
+              <a:rPr sz="1500" i="1" spc="85" dirty="0">
+                <a:solidFill>
+                  <a:srgbClr val="46C249"/>
+                </a:solidFill>
+                <a:latin typeface="Times New Roman"/>
+                <a:cs typeface="Times New Roman"/>
+              </a:rPr>
+              <a:t> </a:t>
+            </a:r>
+            <a:r>
+              <a:rPr sz="1500" i="1" spc="5" dirty="0">
+                <a:solidFill>
+                  <a:srgbClr val="46C249"/>
+                </a:solidFill>
+                <a:latin typeface="Consolas"/>
+                <a:cs typeface="Consolas"/>
+              </a:rPr>
+              <a:t>soor</a:t>
+            </a:r>
+            <a:r>
+              <a:rPr sz="1500" i="1" dirty="0">
+                <a:solidFill>
+                  <a:srgbClr val="46C249"/>
+                </a:solidFill>
+                <a:latin typeface="Consolas"/>
+                <a:cs typeface="Consolas"/>
+              </a:rPr>
+              <a:t>t</a:t>
+            </a:r>
+            <a:r>
+              <a:rPr sz="1500" i="1" dirty="0">
+                <a:solidFill>
+                  <a:srgbClr val="46C249"/>
+                </a:solidFill>
+                <a:latin typeface="Times New Roman"/>
+                <a:cs typeface="Times New Roman"/>
+              </a:rPr>
+              <a:t> </a:t>
+            </a:r>
+            <a:r>
+              <a:rPr sz="1500" i="1" spc="90" dirty="0">
+                <a:solidFill>
+                  <a:srgbClr val="46C249"/>
+                </a:solidFill>
+                <a:latin typeface="Times New Roman"/>
+                <a:cs typeface="Times New Roman"/>
+              </a:rPr>
+              <a:t> </a:t>
+            </a:r>
+            <a:r>
+              <a:rPr sz="1500" i="1" spc="5" dirty="0">
+                <a:solidFill>
+                  <a:srgbClr val="46C249"/>
+                </a:solidFill>
+                <a:latin typeface="Consolas"/>
+                <a:cs typeface="Consolas"/>
+              </a:rPr>
+              <a:t>'winkelmandje',</a:t>
+            </a:r>
+            <a:endParaRPr sz="1500" dirty="0">
+              <a:latin typeface="Consolas"/>
+              <a:cs typeface="Consolas"/>
+            </a:endParaRPr>
+          </a:p>
+          <a:p>
+            <a:pPr marL="12700">
+              <a:lnSpc>
+                <a:spcPct val="100000"/>
+              </a:lnSpc>
+              <a:spcBef>
+                <a:spcPts val="15"/>
+              </a:spcBef>
+            </a:pPr>
+            <a:r>
+              <a:rPr sz="1500" i="1" dirty="0">
+                <a:solidFill>
+                  <a:srgbClr val="46C249"/>
+                </a:solidFill>
+                <a:latin typeface="Consolas"/>
+                <a:cs typeface="Consolas"/>
+              </a:rPr>
+              <a:t>//</a:t>
+            </a:r>
+            <a:r>
+              <a:rPr sz="1500" i="1" dirty="0">
+                <a:solidFill>
+                  <a:srgbClr val="46C249"/>
+                </a:solidFill>
+                <a:latin typeface="Times New Roman"/>
+                <a:cs typeface="Times New Roman"/>
+              </a:rPr>
+              <a:t> </a:t>
+            </a:r>
+            <a:r>
+              <a:rPr sz="1500" i="1" spc="90" dirty="0">
+                <a:solidFill>
+                  <a:srgbClr val="46C249"/>
+                </a:solidFill>
+                <a:latin typeface="Times New Roman"/>
+                <a:cs typeface="Times New Roman"/>
+              </a:rPr>
+              <a:t> </a:t>
+            </a:r>
+            <a:r>
+              <a:rPr sz="1500" i="1" spc="5" dirty="0">
+                <a:solidFill>
+                  <a:srgbClr val="46C249"/>
+                </a:solidFill>
+                <a:latin typeface="Consolas"/>
+                <a:cs typeface="Consolas"/>
+              </a:rPr>
+              <a:t>bijhoude</a:t>
+            </a:r>
+            <a:r>
+              <a:rPr sz="1500" i="1" dirty="0">
+                <a:solidFill>
+                  <a:srgbClr val="46C249"/>
+                </a:solidFill>
+                <a:latin typeface="Consolas"/>
+                <a:cs typeface="Consolas"/>
+              </a:rPr>
+              <a:t>n</a:t>
+            </a:r>
+            <a:r>
+              <a:rPr sz="1500" i="1" dirty="0">
+                <a:solidFill>
+                  <a:srgbClr val="46C249"/>
+                </a:solidFill>
+                <a:latin typeface="Times New Roman"/>
+                <a:cs typeface="Times New Roman"/>
+              </a:rPr>
+              <a:t> </a:t>
+            </a:r>
+            <a:r>
+              <a:rPr sz="1500" i="1" spc="90" dirty="0">
+                <a:solidFill>
+                  <a:srgbClr val="46C249"/>
+                </a:solidFill>
+                <a:latin typeface="Times New Roman"/>
+                <a:cs typeface="Times New Roman"/>
+              </a:rPr>
+              <a:t> </a:t>
+            </a:r>
+            <a:r>
+              <a:rPr sz="1500" i="1" spc="5" dirty="0">
+                <a:solidFill>
+                  <a:srgbClr val="46C249"/>
+                </a:solidFill>
+                <a:latin typeface="Consolas"/>
+                <a:cs typeface="Consolas"/>
+              </a:rPr>
+              <a:t>welk</a:t>
+            </a:r>
+            <a:r>
+              <a:rPr sz="1500" i="1" dirty="0">
+                <a:solidFill>
+                  <a:srgbClr val="46C249"/>
+                </a:solidFill>
+                <a:latin typeface="Consolas"/>
+                <a:cs typeface="Consolas"/>
+              </a:rPr>
+              <a:t>e</a:t>
+            </a:r>
+            <a:r>
+              <a:rPr sz="1500" i="1" dirty="0">
+                <a:solidFill>
+                  <a:srgbClr val="46C249"/>
+                </a:solidFill>
+                <a:latin typeface="Times New Roman"/>
+                <a:cs typeface="Times New Roman"/>
+              </a:rPr>
+              <a:t> </a:t>
+            </a:r>
+            <a:r>
+              <a:rPr sz="1500" i="1" spc="85" dirty="0">
+                <a:solidFill>
+                  <a:srgbClr val="46C249"/>
+                </a:solidFill>
+                <a:latin typeface="Times New Roman"/>
+                <a:cs typeface="Times New Roman"/>
+              </a:rPr>
+              <a:t> </a:t>
+            </a:r>
+            <a:r>
+              <a:rPr sz="1500" i="1" spc="5" dirty="0">
+                <a:solidFill>
+                  <a:srgbClr val="46C249"/>
+                </a:solidFill>
+                <a:latin typeface="Consolas"/>
+                <a:cs typeface="Consolas"/>
+              </a:rPr>
+              <a:t>stedentripje</a:t>
+            </a:r>
+            <a:r>
+              <a:rPr sz="1500" i="1" dirty="0">
+                <a:solidFill>
+                  <a:srgbClr val="46C249"/>
+                </a:solidFill>
+                <a:latin typeface="Consolas"/>
+                <a:cs typeface="Consolas"/>
+              </a:rPr>
+              <a:t>s</a:t>
+            </a:r>
+            <a:r>
+              <a:rPr sz="1500" i="1" dirty="0">
+                <a:solidFill>
+                  <a:srgbClr val="46C249"/>
+                </a:solidFill>
+                <a:latin typeface="Times New Roman"/>
+                <a:cs typeface="Times New Roman"/>
+              </a:rPr>
+              <a:t> </a:t>
+            </a:r>
+            <a:r>
+              <a:rPr sz="1500" i="1" spc="80" dirty="0">
+                <a:solidFill>
+                  <a:srgbClr val="46C249"/>
+                </a:solidFill>
+                <a:latin typeface="Times New Roman"/>
+                <a:cs typeface="Times New Roman"/>
+              </a:rPr>
+              <a:t> </a:t>
+            </a:r>
+            <a:r>
+              <a:rPr sz="1500" i="1" spc="5" dirty="0">
+                <a:solidFill>
+                  <a:srgbClr val="46C249"/>
+                </a:solidFill>
+                <a:latin typeface="Consolas"/>
+                <a:cs typeface="Consolas"/>
+              </a:rPr>
+              <a:t>zij</a:t>
+            </a:r>
+            <a:r>
+              <a:rPr sz="1500" i="1" dirty="0">
+                <a:solidFill>
+                  <a:srgbClr val="46C249"/>
+                </a:solidFill>
+                <a:latin typeface="Consolas"/>
+                <a:cs typeface="Consolas"/>
+              </a:rPr>
+              <a:t>n</a:t>
+            </a:r>
+            <a:r>
+              <a:rPr sz="1500" i="1" dirty="0">
+                <a:solidFill>
+                  <a:srgbClr val="46C249"/>
+                </a:solidFill>
+                <a:latin typeface="Times New Roman"/>
+                <a:cs typeface="Times New Roman"/>
+              </a:rPr>
+              <a:t> </a:t>
+            </a:r>
+            <a:r>
+              <a:rPr sz="1500" i="1" spc="90" dirty="0">
+                <a:solidFill>
+                  <a:srgbClr val="46C249"/>
+                </a:solidFill>
+                <a:latin typeface="Times New Roman"/>
+                <a:cs typeface="Times New Roman"/>
+              </a:rPr>
+              <a:t> </a:t>
+            </a:r>
+            <a:r>
+              <a:rPr sz="1500" i="1" spc="5" dirty="0">
+                <a:solidFill>
+                  <a:srgbClr val="46C249"/>
+                </a:solidFill>
+                <a:latin typeface="Consolas"/>
+                <a:cs typeface="Consolas"/>
+              </a:rPr>
+              <a:t>geboekt.</a:t>
+            </a:r>
+            <a:endParaRPr sz="1500" dirty="0">
+              <a:latin typeface="Consolas"/>
+              <a:cs typeface="Consolas"/>
+            </a:endParaRPr>
+          </a:p>
+          <a:p>
+            <a:pPr marL="12700">
+              <a:lnSpc>
+                <a:spcPct val="100000"/>
+              </a:lnSpc>
+              <a:spcBef>
+                <a:spcPts val="10"/>
+              </a:spcBef>
+            </a:pPr>
+            <a:r>
+              <a:rPr sz="1500" b="1" dirty="0">
+                <a:solidFill>
+                  <a:srgbClr val="000080"/>
+                </a:solidFill>
+                <a:latin typeface="Consolas"/>
+                <a:cs typeface="Consolas"/>
+              </a:rPr>
+              <a:t>import</a:t>
+            </a:r>
+            <a:r>
+              <a:rPr sz="1500" b="1" dirty="0">
+                <a:solidFill>
+                  <a:srgbClr val="000080"/>
+                </a:solidFill>
+                <a:latin typeface="Times New Roman"/>
+                <a:cs typeface="Times New Roman"/>
+              </a:rPr>
+              <a:t> </a:t>
+            </a:r>
+            <a:r>
+              <a:rPr sz="1500" b="1" spc="95" dirty="0">
+                <a:solidFill>
+                  <a:srgbClr val="000080"/>
+                </a:solidFill>
+                <a:latin typeface="Times New Roman"/>
+                <a:cs typeface="Times New Roman"/>
+              </a:rPr>
+              <a:t> </a:t>
+            </a:r>
+            <a:r>
+              <a:rPr sz="1500" dirty="0">
+                <a:latin typeface="Consolas"/>
+                <a:cs typeface="Consolas"/>
+              </a:rPr>
+              <a:t>…</a:t>
+            </a:r>
+          </a:p>
+          <a:p>
+            <a:pPr>
+              <a:lnSpc>
+                <a:spcPct val="100000"/>
+              </a:lnSpc>
+              <a:spcBef>
+                <a:spcPts val="41"/>
+              </a:spcBef>
+            </a:pPr>
+            <a:endParaRPr sz="1550" dirty="0">
+              <a:latin typeface="Times New Roman"/>
+              <a:cs typeface="Times New Roman"/>
+            </a:endParaRPr>
+          </a:p>
+          <a:p>
+            <a:pPr marL="12700">
+              <a:lnSpc>
+                <a:spcPct val="100000"/>
+              </a:lnSpc>
+            </a:pPr>
+            <a:r>
+              <a:rPr sz="1500" spc="5" dirty="0">
+                <a:latin typeface="Consolas"/>
+                <a:cs typeface="Consolas"/>
+              </a:rPr>
+              <a:t>@Component({</a:t>
+            </a:r>
+            <a:endParaRPr sz="1500" dirty="0">
+              <a:latin typeface="Consolas"/>
+              <a:cs typeface="Consolas"/>
+            </a:endParaRPr>
+          </a:p>
+          <a:p>
+            <a:pPr marL="330835" marR="4043045" indent="-635">
+              <a:lnSpc>
+                <a:spcPct val="100699"/>
+              </a:lnSpc>
+            </a:pPr>
+            <a:r>
+              <a:rPr sz="1500" spc="5" dirty="0">
+                <a:latin typeface="Consolas"/>
+                <a:cs typeface="Consolas"/>
+              </a:rPr>
+              <a:t>selector</a:t>
+            </a:r>
+            <a:r>
+              <a:rPr sz="1500" dirty="0">
+                <a:latin typeface="Consolas"/>
+                <a:cs typeface="Consolas"/>
+              </a:rPr>
+              <a:t>:</a:t>
+            </a:r>
+            <a:r>
+              <a:rPr sz="1500" dirty="0">
+                <a:latin typeface="Times New Roman"/>
+                <a:cs typeface="Times New Roman"/>
+              </a:rPr>
+              <a:t> </a:t>
+            </a:r>
+            <a:r>
+              <a:rPr sz="1500" spc="90" dirty="0">
+                <a:latin typeface="Times New Roman"/>
+                <a:cs typeface="Times New Roman"/>
+              </a:rPr>
+              <a:t> </a:t>
+            </a:r>
+            <a:r>
+              <a:rPr sz="1500" b="1" spc="5" dirty="0">
+                <a:solidFill>
+                  <a:srgbClr val="008000"/>
+                </a:solidFill>
+                <a:latin typeface="Consolas"/>
+                <a:cs typeface="Consolas"/>
+              </a:rPr>
+              <a:t>'cit</a:t>
+            </a:r>
+            <a:r>
+              <a:rPr sz="1500" b="1" dirty="0">
+                <a:solidFill>
+                  <a:srgbClr val="008000"/>
+                </a:solidFill>
+                <a:latin typeface="Consolas"/>
+                <a:cs typeface="Consolas"/>
+              </a:rPr>
+              <a:t>y‐</a:t>
+            </a:r>
+            <a:r>
+              <a:rPr sz="1500" b="1" spc="5" dirty="0">
+                <a:solidFill>
+                  <a:srgbClr val="008000"/>
+                </a:solidFill>
+                <a:latin typeface="Consolas"/>
+                <a:cs typeface="Consolas"/>
+              </a:rPr>
+              <a:t>orders</a:t>
+            </a:r>
+            <a:r>
+              <a:rPr sz="1500" b="1" dirty="0">
+                <a:solidFill>
+                  <a:srgbClr val="008000"/>
+                </a:solidFill>
+                <a:latin typeface="Consolas"/>
+                <a:cs typeface="Consolas"/>
+              </a:rPr>
+              <a:t>'</a:t>
+            </a:r>
+            <a:r>
+              <a:rPr sz="1500" dirty="0">
+                <a:latin typeface="Consolas"/>
+                <a:cs typeface="Consolas"/>
+              </a:rPr>
+              <a:t>,</a:t>
+            </a:r>
+            <a:r>
+              <a:rPr sz="1500" dirty="0">
+                <a:latin typeface="Times New Roman"/>
+                <a:cs typeface="Times New Roman"/>
+              </a:rPr>
+              <a:t> </a:t>
+            </a:r>
+            <a:r>
+              <a:rPr sz="1500" spc="5" dirty="0">
+                <a:latin typeface="Consolas"/>
+                <a:cs typeface="Consolas"/>
+              </a:rPr>
+              <a:t>template</a:t>
+            </a:r>
+            <a:r>
+              <a:rPr sz="1500" dirty="0">
+                <a:latin typeface="Consolas"/>
+                <a:cs typeface="Consolas"/>
+              </a:rPr>
+              <a:t>:</a:t>
+            </a:r>
+            <a:r>
+              <a:rPr sz="1500" dirty="0">
+                <a:latin typeface="Times New Roman"/>
+                <a:cs typeface="Times New Roman"/>
+              </a:rPr>
+              <a:t> </a:t>
+            </a:r>
+            <a:r>
+              <a:rPr sz="1500" spc="90" dirty="0">
+                <a:latin typeface="Times New Roman"/>
+                <a:cs typeface="Times New Roman"/>
+              </a:rPr>
+              <a:t> </a:t>
+            </a:r>
+            <a:r>
+              <a:rPr sz="1500" b="1" dirty="0">
+                <a:solidFill>
+                  <a:srgbClr val="008000"/>
+                </a:solidFill>
+                <a:latin typeface="Consolas"/>
+                <a:cs typeface="Consolas"/>
+              </a:rPr>
+              <a:t>`</a:t>
+            </a:r>
+            <a:endParaRPr sz="1500" dirty="0">
+              <a:latin typeface="Consolas"/>
+              <a:cs typeface="Consolas"/>
+            </a:endParaRPr>
+          </a:p>
+          <a:p>
+            <a:pPr marL="330835">
+              <a:lnSpc>
+                <a:spcPct val="100000"/>
+              </a:lnSpc>
+              <a:spcBef>
+                <a:spcPts val="15"/>
+              </a:spcBef>
+            </a:pPr>
+            <a:r>
+              <a:rPr sz="1500" b="1" spc="5" dirty="0">
+                <a:solidFill>
+                  <a:srgbClr val="008000"/>
+                </a:solidFill>
+                <a:latin typeface="Consolas"/>
+                <a:cs typeface="Consolas"/>
+              </a:rPr>
+              <a:t>&lt;di</a:t>
+            </a:r>
+            <a:r>
+              <a:rPr sz="1500" b="1" dirty="0">
+                <a:solidFill>
+                  <a:srgbClr val="008000"/>
+                </a:solidFill>
+                <a:latin typeface="Consolas"/>
+                <a:cs typeface="Consolas"/>
+              </a:rPr>
+              <a:t>v</a:t>
+            </a:r>
+            <a:r>
+              <a:rPr sz="1500" b="1" dirty="0">
+                <a:solidFill>
+                  <a:srgbClr val="008000"/>
+                </a:solidFill>
+                <a:latin typeface="Times New Roman"/>
+                <a:cs typeface="Times New Roman"/>
+              </a:rPr>
+              <a:t> </a:t>
+            </a:r>
+            <a:r>
+              <a:rPr sz="1500" b="1" spc="90" dirty="0">
+                <a:solidFill>
+                  <a:srgbClr val="008000"/>
+                </a:solidFill>
+                <a:latin typeface="Times New Roman"/>
+                <a:cs typeface="Times New Roman"/>
+              </a:rPr>
+              <a:t> </a:t>
+            </a:r>
+            <a:r>
+              <a:rPr sz="1500" b="1" spc="5" dirty="0">
+                <a:solidFill>
+                  <a:srgbClr val="008000"/>
+                </a:solidFill>
+                <a:latin typeface="Consolas"/>
+                <a:cs typeface="Consolas"/>
+              </a:rPr>
+              <a:t>*ngIf="currentOrders.lengt</a:t>
+            </a:r>
+            <a:r>
+              <a:rPr sz="1500" b="1" dirty="0">
+                <a:solidFill>
+                  <a:srgbClr val="008000"/>
+                </a:solidFill>
+                <a:latin typeface="Consolas"/>
+                <a:cs typeface="Consolas"/>
+              </a:rPr>
+              <a:t>h</a:t>
+            </a:r>
+            <a:r>
+              <a:rPr sz="1500" b="1" dirty="0">
+                <a:solidFill>
+                  <a:srgbClr val="008000"/>
+                </a:solidFill>
+                <a:latin typeface="Times New Roman"/>
+                <a:cs typeface="Times New Roman"/>
+              </a:rPr>
+              <a:t> </a:t>
+            </a:r>
+            <a:r>
+              <a:rPr sz="1500" b="1" spc="90" dirty="0">
+                <a:solidFill>
+                  <a:srgbClr val="008000"/>
+                </a:solidFill>
+                <a:latin typeface="Times New Roman"/>
+                <a:cs typeface="Times New Roman"/>
+              </a:rPr>
+              <a:t> </a:t>
+            </a:r>
+            <a:r>
+              <a:rPr sz="1500" b="1" dirty="0">
+                <a:solidFill>
+                  <a:srgbClr val="008000"/>
+                </a:solidFill>
+                <a:latin typeface="Consolas"/>
+                <a:cs typeface="Consolas"/>
+              </a:rPr>
+              <a:t>&gt;</a:t>
+            </a:r>
+            <a:r>
+              <a:rPr sz="1500" b="1" dirty="0">
+                <a:solidFill>
+                  <a:srgbClr val="008000"/>
+                </a:solidFill>
+                <a:latin typeface="Times New Roman"/>
+                <a:cs typeface="Times New Roman"/>
+              </a:rPr>
+              <a:t> </a:t>
+            </a:r>
+            <a:r>
+              <a:rPr sz="1500" b="1" spc="80" dirty="0">
+                <a:solidFill>
+                  <a:srgbClr val="008000"/>
+                </a:solidFill>
+                <a:latin typeface="Times New Roman"/>
+                <a:cs typeface="Times New Roman"/>
+              </a:rPr>
+              <a:t> </a:t>
+            </a:r>
+            <a:r>
+              <a:rPr sz="1500" b="1" dirty="0">
+                <a:solidFill>
+                  <a:srgbClr val="008000"/>
+                </a:solidFill>
+                <a:latin typeface="Consolas"/>
+                <a:cs typeface="Consolas"/>
+              </a:rPr>
+              <a:t>0"&gt;</a:t>
+            </a:r>
+            <a:endParaRPr sz="1500" dirty="0">
+              <a:latin typeface="Consolas"/>
+              <a:cs typeface="Consolas"/>
+            </a:endParaRPr>
+          </a:p>
+          <a:p>
+            <a:pPr marL="649605">
+              <a:lnSpc>
+                <a:spcPct val="100000"/>
+              </a:lnSpc>
+              <a:spcBef>
+                <a:spcPts val="10"/>
+              </a:spcBef>
+            </a:pPr>
+            <a:r>
+              <a:rPr sz="1500" b="1" dirty="0">
+                <a:solidFill>
+                  <a:srgbClr val="008000"/>
+                </a:solidFill>
+                <a:latin typeface="Consolas"/>
+                <a:cs typeface="Consolas"/>
+              </a:rPr>
+              <a:t>…</a:t>
+            </a:r>
+            <a:endParaRPr sz="1500" dirty="0">
+              <a:latin typeface="Consolas"/>
+              <a:cs typeface="Consolas"/>
+            </a:endParaRPr>
+          </a:p>
+          <a:p>
+            <a:pPr marL="12700">
+              <a:lnSpc>
+                <a:spcPct val="100000"/>
+              </a:lnSpc>
+              <a:spcBef>
+                <a:spcPts val="10"/>
+              </a:spcBef>
+            </a:pPr>
+            <a:r>
+              <a:rPr sz="1500" dirty="0">
+                <a:latin typeface="Consolas"/>
+                <a:cs typeface="Consolas"/>
+              </a:rPr>
+              <a:t>})</a:t>
+            </a:r>
+          </a:p>
+          <a:p>
+            <a:pPr>
+              <a:lnSpc>
+                <a:spcPct val="100000"/>
+              </a:lnSpc>
+              <a:spcBef>
+                <a:spcPts val="41"/>
+              </a:spcBef>
+            </a:pPr>
+            <a:endParaRPr sz="1550" dirty="0">
+              <a:latin typeface="Times New Roman"/>
+              <a:cs typeface="Times New Roman"/>
+            </a:endParaRPr>
+          </a:p>
+          <a:p>
+            <a:pPr marL="12700">
+              <a:lnSpc>
+                <a:spcPct val="100000"/>
+              </a:lnSpc>
+            </a:pPr>
+            <a:r>
+              <a:rPr sz="1500" b="1" dirty="0">
+                <a:solidFill>
+                  <a:srgbClr val="000080"/>
+                </a:solidFill>
+                <a:latin typeface="Consolas"/>
+                <a:cs typeface="Consolas"/>
+              </a:rPr>
+              <a:t>export</a:t>
+            </a:r>
+            <a:r>
+              <a:rPr sz="1500" b="1" dirty="0">
+                <a:solidFill>
+                  <a:srgbClr val="000080"/>
+                </a:solidFill>
+                <a:latin typeface="Times New Roman"/>
+                <a:cs typeface="Times New Roman"/>
+              </a:rPr>
+              <a:t> </a:t>
+            </a:r>
+            <a:r>
+              <a:rPr sz="1500" b="1" spc="95" dirty="0">
+                <a:solidFill>
+                  <a:srgbClr val="000080"/>
+                </a:solidFill>
+                <a:latin typeface="Times New Roman"/>
+                <a:cs typeface="Times New Roman"/>
+              </a:rPr>
+              <a:t> </a:t>
+            </a:r>
+            <a:r>
+              <a:rPr sz="1500" b="1" dirty="0">
+                <a:solidFill>
+                  <a:srgbClr val="000080"/>
+                </a:solidFill>
+                <a:latin typeface="Consolas"/>
+                <a:cs typeface="Consolas"/>
+              </a:rPr>
+              <a:t>class</a:t>
+            </a:r>
+            <a:r>
+              <a:rPr sz="1500" b="1" dirty="0">
+                <a:solidFill>
+                  <a:srgbClr val="000080"/>
+                </a:solidFill>
+                <a:latin typeface="Times New Roman"/>
+                <a:cs typeface="Times New Roman"/>
+              </a:rPr>
+              <a:t> </a:t>
+            </a:r>
+            <a:r>
+              <a:rPr sz="1500" b="1" spc="90" dirty="0">
+                <a:solidFill>
+                  <a:srgbClr val="000080"/>
+                </a:solidFill>
+                <a:latin typeface="Times New Roman"/>
+                <a:cs typeface="Times New Roman"/>
+              </a:rPr>
+              <a:t> </a:t>
+            </a:r>
+            <a:r>
+              <a:rPr sz="1500" b="1" spc="5" dirty="0" err="1">
+                <a:latin typeface="Consolas"/>
+                <a:cs typeface="Consolas"/>
+              </a:rPr>
+              <a:t>CityOrder</a:t>
+            </a:r>
+            <a:r>
+              <a:rPr sz="1500" b="1" dirty="0" err="1">
+                <a:latin typeface="Consolas"/>
+                <a:cs typeface="Consolas"/>
+              </a:rPr>
+              <a:t>s</a:t>
+            </a:r>
+            <a:r>
+              <a:rPr lang="nl-NL" sz="1500" b="1" dirty="0">
+                <a:latin typeface="Consolas"/>
+                <a:cs typeface="Consolas"/>
+              </a:rPr>
+              <a:t>Component</a:t>
+            </a:r>
+            <a:r>
+              <a:rPr sz="1500" b="1" dirty="0">
+                <a:latin typeface="Times New Roman"/>
+                <a:cs typeface="Times New Roman"/>
+              </a:rPr>
+              <a:t> </a:t>
+            </a:r>
+            <a:r>
+              <a:rPr sz="1500" b="1" spc="90" dirty="0">
+                <a:latin typeface="Times New Roman"/>
+                <a:cs typeface="Times New Roman"/>
+              </a:rPr>
+              <a:t> </a:t>
+            </a:r>
+            <a:r>
+              <a:rPr sz="1500" dirty="0">
+                <a:latin typeface="Consolas"/>
+                <a:cs typeface="Consolas"/>
+              </a:rPr>
+              <a:t>{</a:t>
+            </a:r>
+          </a:p>
+          <a:p>
+            <a:pPr marL="330835">
+              <a:lnSpc>
+                <a:spcPct val="100000"/>
+              </a:lnSpc>
+              <a:spcBef>
+                <a:spcPts val="10"/>
+              </a:spcBef>
+            </a:pPr>
+            <a:r>
+              <a:rPr sz="1500" dirty="0">
+                <a:latin typeface="Consolas"/>
+                <a:cs typeface="Consolas"/>
+              </a:rPr>
+              <a:t>…</a:t>
+            </a:r>
+          </a:p>
+          <a:p>
+            <a:pPr marL="330835">
+              <a:lnSpc>
+                <a:spcPct val="100000"/>
+              </a:lnSpc>
+              <a:spcBef>
+                <a:spcPts val="15"/>
+              </a:spcBef>
+            </a:pPr>
+            <a:r>
+              <a:rPr sz="1500" dirty="0">
+                <a:latin typeface="Consolas"/>
+                <a:cs typeface="Consolas"/>
+              </a:rPr>
+              <a:t>ngOnInit()</a:t>
+            </a:r>
+            <a:r>
+              <a:rPr sz="1500" dirty="0">
+                <a:latin typeface="Times New Roman"/>
+                <a:cs typeface="Times New Roman"/>
+              </a:rPr>
+              <a:t> </a:t>
+            </a:r>
+            <a:r>
+              <a:rPr sz="1500" spc="95" dirty="0">
+                <a:latin typeface="Times New Roman"/>
+                <a:cs typeface="Times New Roman"/>
+              </a:rPr>
+              <a:t> </a:t>
+            </a:r>
+            <a:r>
+              <a:rPr sz="1500" dirty="0">
+                <a:latin typeface="Consolas"/>
+                <a:cs typeface="Consolas"/>
+              </a:rPr>
+              <a:t>{</a:t>
+            </a:r>
+          </a:p>
+          <a:p>
+            <a:pPr marL="649605">
+              <a:lnSpc>
+                <a:spcPct val="100000"/>
+              </a:lnSpc>
+              <a:spcBef>
+                <a:spcPts val="10"/>
+              </a:spcBef>
+            </a:pPr>
+            <a:r>
+              <a:rPr sz="1500" b="1" dirty="0" err="1">
+                <a:solidFill>
+                  <a:srgbClr val="C00000"/>
+                </a:solidFill>
+                <a:latin typeface="Consolas"/>
+                <a:cs typeface="Consolas"/>
+              </a:rPr>
+              <a:t>thi</a:t>
+            </a:r>
+            <a:r>
+              <a:rPr sz="1500" b="1" spc="5" dirty="0" err="1">
+                <a:solidFill>
+                  <a:srgbClr val="C00000"/>
+                </a:solidFill>
+                <a:latin typeface="Consolas"/>
+                <a:cs typeface="Consolas"/>
+              </a:rPr>
+              <a:t>s</a:t>
+            </a:r>
+            <a:r>
+              <a:rPr sz="1500" spc="5" dirty="0" err="1">
+                <a:solidFill>
+                  <a:srgbClr val="C00000"/>
+                </a:solidFill>
+                <a:latin typeface="Consolas"/>
+                <a:cs typeface="Consolas"/>
+              </a:rPr>
+              <a:t>.orderService</a:t>
+            </a:r>
+            <a:r>
+              <a:rPr sz="1500" spc="5" dirty="0">
+                <a:solidFill>
+                  <a:srgbClr val="C00000"/>
+                </a:solidFill>
+                <a:latin typeface="Consolas"/>
+                <a:cs typeface="Consolas"/>
+              </a:rPr>
+              <a:t>.</a:t>
+            </a:r>
+            <a:r>
+              <a:rPr lang="nl-NL" sz="1500" spc="5" dirty="0">
+                <a:solidFill>
+                  <a:srgbClr val="C00000"/>
+                </a:solidFill>
+                <a:latin typeface="Consolas"/>
+                <a:cs typeface="Consolas"/>
+              </a:rPr>
+              <a:t>s</a:t>
+            </a:r>
+            <a:r>
+              <a:rPr sz="1500" spc="5" dirty="0" err="1">
+                <a:solidFill>
+                  <a:srgbClr val="C00000"/>
+                </a:solidFill>
+                <a:latin typeface="Consolas"/>
+                <a:cs typeface="Consolas"/>
+              </a:rPr>
+              <a:t>tream</a:t>
+            </a:r>
+            <a:endParaRPr sz="1500" dirty="0">
+              <a:solidFill>
+                <a:srgbClr val="C00000"/>
+              </a:solidFill>
+              <a:latin typeface="Consolas"/>
+              <a:cs typeface="Consolas"/>
+            </a:endParaRPr>
+          </a:p>
+          <a:p>
+            <a:pPr marL="967740">
+              <a:lnSpc>
+                <a:spcPct val="100000"/>
+              </a:lnSpc>
+              <a:spcBef>
+                <a:spcPts val="10"/>
+              </a:spcBef>
+            </a:pPr>
+            <a:r>
+              <a:rPr sz="1500" spc="5" dirty="0">
+                <a:latin typeface="Consolas"/>
+                <a:cs typeface="Consolas"/>
+              </a:rPr>
+              <a:t>.</a:t>
+            </a:r>
+            <a:r>
+              <a:rPr sz="1500" b="1" spc="5" dirty="0">
+                <a:solidFill>
+                  <a:srgbClr val="FF0000"/>
+                </a:solidFill>
+                <a:latin typeface="Consolas"/>
+                <a:cs typeface="Consolas"/>
+              </a:rPr>
+              <a:t>subscribe</a:t>
+            </a:r>
+            <a:r>
+              <a:rPr sz="1500" spc="5" dirty="0">
+                <a:latin typeface="Consolas"/>
+                <a:cs typeface="Consolas"/>
+              </a:rPr>
+              <a:t>(</a:t>
+            </a:r>
+            <a:endParaRPr sz="1500" dirty="0">
+              <a:latin typeface="Consolas"/>
+              <a:cs typeface="Consolas"/>
+            </a:endParaRPr>
+          </a:p>
+          <a:p>
+            <a:pPr marL="1286510" marR="5080" indent="-635">
+              <a:lnSpc>
+                <a:spcPct val="100699"/>
+              </a:lnSpc>
+            </a:pPr>
+            <a:r>
+              <a:rPr sz="1500" spc="5" dirty="0">
+                <a:latin typeface="Consolas"/>
+                <a:cs typeface="Consolas"/>
+              </a:rPr>
+              <a:t>(city:City</a:t>
+            </a:r>
+            <a:r>
+              <a:rPr sz="1500" dirty="0">
+                <a:latin typeface="Consolas"/>
+                <a:cs typeface="Consolas"/>
+              </a:rPr>
+              <a:t>)</a:t>
+            </a:r>
+            <a:r>
+              <a:rPr sz="1500" dirty="0">
+                <a:latin typeface="Times New Roman"/>
+                <a:cs typeface="Times New Roman"/>
+              </a:rPr>
+              <a:t> </a:t>
+            </a:r>
+            <a:r>
+              <a:rPr sz="1500" spc="85" dirty="0">
+                <a:latin typeface="Times New Roman"/>
+                <a:cs typeface="Times New Roman"/>
+              </a:rPr>
+              <a:t> </a:t>
+            </a:r>
+            <a:r>
+              <a:rPr sz="1500" dirty="0">
+                <a:latin typeface="Consolas"/>
+                <a:cs typeface="Consolas"/>
+              </a:rPr>
+              <a:t>=&gt;</a:t>
+            </a:r>
+            <a:r>
+              <a:rPr sz="1500" dirty="0">
+                <a:latin typeface="Times New Roman"/>
+                <a:cs typeface="Times New Roman"/>
+              </a:rPr>
+              <a:t> </a:t>
+            </a:r>
+            <a:r>
+              <a:rPr sz="1500" spc="90" dirty="0">
+                <a:latin typeface="Times New Roman"/>
+                <a:cs typeface="Times New Roman"/>
+              </a:rPr>
+              <a:t> </a:t>
+            </a:r>
+            <a:r>
+              <a:rPr sz="1500" b="1" dirty="0">
+                <a:solidFill>
+                  <a:srgbClr val="000080"/>
+                </a:solidFill>
+                <a:latin typeface="Consolas"/>
+                <a:cs typeface="Consolas"/>
+              </a:rPr>
+              <a:t>thi</a:t>
+            </a:r>
+            <a:r>
+              <a:rPr sz="1500" b="1" spc="5" dirty="0">
+                <a:solidFill>
+                  <a:srgbClr val="000080"/>
+                </a:solidFill>
+                <a:latin typeface="Consolas"/>
+                <a:cs typeface="Consolas"/>
+              </a:rPr>
+              <a:t>s</a:t>
+            </a:r>
+            <a:r>
+              <a:rPr sz="1500" spc="5" dirty="0">
+                <a:latin typeface="Consolas"/>
+                <a:cs typeface="Consolas"/>
+              </a:rPr>
+              <a:t>.processOrder(city),</a:t>
+            </a:r>
+            <a:r>
+              <a:rPr sz="1500" spc="5" dirty="0">
+                <a:latin typeface="Times New Roman"/>
+                <a:cs typeface="Times New Roman"/>
+              </a:rPr>
+              <a:t> </a:t>
+            </a:r>
+            <a:r>
+              <a:rPr sz="1500" spc="5" dirty="0">
+                <a:latin typeface="Consolas"/>
+                <a:cs typeface="Consolas"/>
+              </a:rPr>
+              <a:t>(err)=&gt;console.log</a:t>
+            </a:r>
+            <a:r>
+              <a:rPr sz="1500" dirty="0">
+                <a:latin typeface="Consolas"/>
+                <a:cs typeface="Consolas"/>
+              </a:rPr>
+              <a:t>(</a:t>
+            </a:r>
+            <a:r>
+              <a:rPr sz="1500" b="1" spc="5" dirty="0">
+                <a:solidFill>
+                  <a:srgbClr val="008000"/>
+                </a:solidFill>
+                <a:latin typeface="Consolas"/>
+                <a:cs typeface="Consolas"/>
+              </a:rPr>
+              <a:t>'Erro</a:t>
+            </a:r>
+            <a:r>
+              <a:rPr sz="1500" b="1" dirty="0">
+                <a:solidFill>
+                  <a:srgbClr val="008000"/>
+                </a:solidFill>
+                <a:latin typeface="Consolas"/>
+                <a:cs typeface="Consolas"/>
+              </a:rPr>
+              <a:t>r</a:t>
+            </a:r>
+            <a:r>
+              <a:rPr sz="1500" b="1" dirty="0">
+                <a:solidFill>
+                  <a:srgbClr val="008000"/>
+                </a:solidFill>
+                <a:latin typeface="Times New Roman"/>
+                <a:cs typeface="Times New Roman"/>
+              </a:rPr>
+              <a:t> </a:t>
+            </a:r>
+            <a:r>
+              <a:rPr sz="1500" b="1" spc="90" dirty="0">
+                <a:solidFill>
+                  <a:srgbClr val="008000"/>
+                </a:solidFill>
+                <a:latin typeface="Times New Roman"/>
+                <a:cs typeface="Times New Roman"/>
+              </a:rPr>
+              <a:t> </a:t>
+            </a:r>
+            <a:r>
+              <a:rPr sz="1500" b="1" dirty="0">
+                <a:solidFill>
+                  <a:srgbClr val="008000"/>
+                </a:solidFill>
+                <a:latin typeface="Consolas"/>
+                <a:cs typeface="Consolas"/>
+              </a:rPr>
+              <a:t>bij</a:t>
+            </a:r>
+            <a:r>
+              <a:rPr sz="1500" b="1" dirty="0">
+                <a:solidFill>
+                  <a:srgbClr val="008000"/>
+                </a:solidFill>
+                <a:latin typeface="Times New Roman"/>
+                <a:cs typeface="Times New Roman"/>
+              </a:rPr>
+              <a:t> </a:t>
+            </a:r>
+            <a:r>
+              <a:rPr sz="1500" b="1" spc="95" dirty="0">
+                <a:solidFill>
+                  <a:srgbClr val="008000"/>
+                </a:solidFill>
+                <a:latin typeface="Times New Roman"/>
+                <a:cs typeface="Times New Roman"/>
+              </a:rPr>
+              <a:t> </a:t>
+            </a:r>
+            <a:r>
+              <a:rPr sz="1500" b="1" spc="5" dirty="0">
+                <a:solidFill>
+                  <a:srgbClr val="008000"/>
+                </a:solidFill>
+                <a:latin typeface="Consolas"/>
+                <a:cs typeface="Consolas"/>
+              </a:rPr>
+              <a:t>verwerke</a:t>
+            </a:r>
+            <a:r>
+              <a:rPr sz="1500" b="1" dirty="0">
+                <a:solidFill>
+                  <a:srgbClr val="008000"/>
+                </a:solidFill>
+                <a:latin typeface="Consolas"/>
+                <a:cs typeface="Consolas"/>
+              </a:rPr>
+              <a:t>n</a:t>
+            </a:r>
+            <a:r>
+              <a:rPr sz="1500" b="1" dirty="0">
+                <a:solidFill>
+                  <a:srgbClr val="008000"/>
+                </a:solidFill>
+                <a:latin typeface="Times New Roman"/>
+                <a:cs typeface="Times New Roman"/>
+              </a:rPr>
+              <a:t> </a:t>
+            </a:r>
+            <a:r>
+              <a:rPr sz="1500" b="1" spc="90" dirty="0">
+                <a:solidFill>
+                  <a:srgbClr val="008000"/>
+                </a:solidFill>
+                <a:latin typeface="Times New Roman"/>
+                <a:cs typeface="Times New Roman"/>
+              </a:rPr>
+              <a:t> </a:t>
+            </a:r>
+            <a:r>
+              <a:rPr sz="1500" b="1" spc="5" dirty="0">
+                <a:solidFill>
+                  <a:srgbClr val="008000"/>
+                </a:solidFill>
+                <a:latin typeface="Consolas"/>
+                <a:cs typeface="Consolas"/>
+              </a:rPr>
+              <a:t>City</a:t>
+            </a:r>
+            <a:r>
+              <a:rPr sz="1500" b="1" dirty="0">
+                <a:solidFill>
+                  <a:srgbClr val="008000"/>
+                </a:solidFill>
+                <a:latin typeface="Consolas"/>
+                <a:cs typeface="Consolas"/>
+              </a:rPr>
+              <a:t>‐</a:t>
+            </a:r>
+            <a:r>
+              <a:rPr sz="1500" b="1" spc="5" dirty="0">
+                <a:solidFill>
+                  <a:srgbClr val="008000"/>
+                </a:solidFill>
+                <a:latin typeface="Consolas"/>
+                <a:cs typeface="Consolas"/>
+              </a:rPr>
+              <a:t>order'</a:t>
+            </a:r>
+            <a:r>
+              <a:rPr sz="1500" dirty="0">
+                <a:latin typeface="Consolas"/>
+                <a:cs typeface="Consolas"/>
+              </a:rPr>
+              <a:t>),</a:t>
+            </a:r>
+            <a:r>
+              <a:rPr sz="1500" dirty="0">
+                <a:latin typeface="Times New Roman"/>
+                <a:cs typeface="Times New Roman"/>
+              </a:rPr>
+              <a:t> </a:t>
+            </a:r>
+            <a:r>
+              <a:rPr sz="1500" spc="5" dirty="0">
+                <a:latin typeface="Consolas"/>
+                <a:cs typeface="Consolas"/>
+              </a:rPr>
+              <a:t>()=&gt;console.log</a:t>
+            </a:r>
+            <a:r>
+              <a:rPr sz="1500" dirty="0">
+                <a:latin typeface="Consolas"/>
+                <a:cs typeface="Consolas"/>
+              </a:rPr>
+              <a:t>(</a:t>
+            </a:r>
+            <a:r>
+              <a:rPr sz="1500" b="1" dirty="0">
+                <a:solidFill>
+                  <a:srgbClr val="008000"/>
+                </a:solidFill>
+                <a:latin typeface="Consolas"/>
+                <a:cs typeface="Consolas"/>
+              </a:rPr>
+              <a:t>'Complete...</a:t>
+            </a:r>
+            <a:r>
+              <a:rPr sz="1500" b="1" spc="5" dirty="0">
+                <a:solidFill>
+                  <a:srgbClr val="008000"/>
+                </a:solidFill>
+                <a:latin typeface="Consolas"/>
+                <a:cs typeface="Consolas"/>
+              </a:rPr>
+              <a:t>'</a:t>
+            </a:r>
+            <a:r>
+              <a:rPr sz="1500" dirty="0">
+                <a:latin typeface="Consolas"/>
+                <a:cs typeface="Consolas"/>
+              </a:rPr>
+              <a:t>)</a:t>
+            </a:r>
+          </a:p>
+          <a:p>
+            <a:pPr marL="968375">
+              <a:lnSpc>
+                <a:spcPct val="100000"/>
+              </a:lnSpc>
+              <a:spcBef>
+                <a:spcPts val="15"/>
+              </a:spcBef>
+            </a:pPr>
+            <a:r>
+              <a:rPr sz="1500" dirty="0">
+                <a:latin typeface="Consolas"/>
+                <a:cs typeface="Consolas"/>
+              </a:rPr>
+              <a:t>)</a:t>
+            </a:r>
+          </a:p>
+          <a:p>
+            <a:pPr marL="330835">
+              <a:lnSpc>
+                <a:spcPct val="100000"/>
+              </a:lnSpc>
+              <a:spcBef>
+                <a:spcPts val="10"/>
+              </a:spcBef>
+            </a:pPr>
+            <a:r>
+              <a:rPr sz="1500" dirty="0">
+                <a:latin typeface="Consolas"/>
+                <a:cs typeface="Consolas"/>
+              </a:rPr>
+              <a:t>}</a:t>
+            </a:r>
+          </a:p>
+          <a:p>
+            <a:pPr marL="12700">
+              <a:lnSpc>
+                <a:spcPct val="100000"/>
+              </a:lnSpc>
+              <a:spcBef>
+                <a:spcPts val="10"/>
+              </a:spcBef>
+              <a:tabLst>
+                <a:tab pos="436880" algn="l"/>
+              </a:tabLst>
+            </a:pPr>
+            <a:r>
+              <a:rPr sz="1500" dirty="0">
+                <a:latin typeface="Consolas"/>
+                <a:cs typeface="Consolas"/>
+              </a:rPr>
+              <a:t>`</a:t>
+            </a:r>
+            <a:r>
+              <a:rPr sz="1500" dirty="0">
+                <a:latin typeface="Times New Roman"/>
+                <a:cs typeface="Times New Roman"/>
+              </a:rPr>
+              <a:t>	</a:t>
+            </a:r>
+            <a:r>
+              <a:rPr sz="1500" dirty="0">
+                <a:latin typeface="Consolas"/>
+                <a:cs typeface="Consolas"/>
+              </a:rPr>
+              <a:t>…</a:t>
+            </a:r>
+          </a:p>
+          <a:p>
+            <a:pPr marL="12700">
+              <a:lnSpc>
+                <a:spcPct val="100000"/>
+              </a:lnSpc>
+              <a:spcBef>
+                <a:spcPts val="25"/>
+              </a:spcBef>
+            </a:pPr>
+            <a:r>
+              <a:rPr sz="1500" dirty="0">
+                <a:latin typeface="Consolas"/>
+                <a:cs typeface="Consolas"/>
+              </a:rPr>
+              <a:t>}</a:t>
+            </a:r>
+          </a:p>
+        </p:txBody>
+      </p:sp>
+    </p:spTree>
   </p:cSld>
   <p:clrMapOvr>
     <a:masterClrMapping/>

--- a/PPT/04- Angular Component Tree.pptx
+++ b/PPT/04- Angular Component Tree.pptx
@@ -2701,7 +2701,7 @@
           <a:p>
             <a:fld id="{3684521C-F147-C24A-A391-648ECBD2901C}" type="datetime1">
               <a:rPr lang="en-US" smtClean="0"/>
-              <a:t>6/10/20</a:t>
+              <a:t>12/17/20</a:t>
             </a:fld>
             <a:endParaRPr lang="en-US"/>
           </a:p>
@@ -2855,7 +2855,7 @@
           <a:p>
             <a:fld id="{E850CB69-7D8B-9F4E-BED9-901DCAE946AB}" type="datetime1">
               <a:rPr lang="en-US" smtClean="0"/>
-              <a:t>6/10/20</a:t>
+              <a:t>12/17/20</a:t>
             </a:fld>
             <a:endParaRPr lang="en-US"/>
           </a:p>
@@ -3088,7 +3088,7 @@
           <a:p>
             <a:fld id="{FDA6B9DC-9839-E24A-9DBE-68BCC9C6D304}" type="datetime1">
               <a:rPr lang="en-US" smtClean="0"/>
-              <a:t>6/10/20</a:t>
+              <a:t>12/17/20</a:t>
             </a:fld>
             <a:endParaRPr lang="en-US"/>
           </a:p>
@@ -3213,7 +3213,7 @@
           <a:p>
             <a:fld id="{16B0123C-B19C-2541-A249-CC118E280FC0}" type="datetime1">
               <a:rPr lang="en-US" smtClean="0"/>
-              <a:t>6/10/20</a:t>
+              <a:t>12/17/20</a:t>
             </a:fld>
             <a:endParaRPr lang="en-US"/>
           </a:p>
@@ -3309,7 +3309,7 @@
           <a:p>
             <a:fld id="{7A20ED1D-FFB4-6144-9B3D-3C04FD3360E4}" type="datetime1">
               <a:rPr lang="en-US" smtClean="0"/>
-              <a:t>6/10/20</a:t>
+              <a:t>12/17/20</a:t>
             </a:fld>
             <a:endParaRPr lang="en-US"/>
           </a:p>
@@ -4161,7 +4161,7 @@
           <a:p>
             <a:fld id="{5ADC4E92-36BB-AA43-A533-B6B376F1612C}" type="datetime1">
               <a:rPr lang="en-US" smtClean="0"/>
-              <a:t>6/10/20</a:t>
+              <a:t>12/17/20</a:t>
             </a:fld>
             <a:endParaRPr lang="en-US"/>
           </a:p>
@@ -20091,6 +20091,13 @@
               </a:lnSpc>
             </a:pPr>
             <a:r>
+              <a:rPr lang="nl-NL" sz="1700" spc="-5" dirty="0">
+                <a:latin typeface="Consolas"/>
+                <a:cs typeface="Consolas"/>
+              </a:rPr>
+              <a:t>public </a:t>
+            </a:r>
+            <a:r>
               <a:rPr sz="1700" spc="-5" dirty="0">
                 <a:latin typeface="Consolas"/>
                 <a:cs typeface="Consolas"/>
@@ -48320,8 +48327,8 @@
         </p:nvSpPr>
         <p:spPr>
           <a:xfrm>
-            <a:off x="4282441" y="4159192"/>
-            <a:ext cx="1918979" cy="600740"/>
+            <a:off x="3917310" y="4159191"/>
+            <a:ext cx="2284111" cy="1222433"/>
           </a:xfrm>
           <a:prstGeom prst="roundRect">
             <a:avLst/>
@@ -48808,8 +48815,8 @@
         </p:nvSpPr>
         <p:spPr>
           <a:xfrm>
-            <a:off x="1752005" y="4159192"/>
-            <a:ext cx="1918979" cy="600740"/>
+            <a:off x="992747" y="4159191"/>
+            <a:ext cx="2678238" cy="1222433"/>
           </a:xfrm>
           <a:prstGeom prst="roundRect">
             <a:avLst/>
@@ -48872,8 +48879,8 @@
         </p:nvCxnSpPr>
         <p:spPr>
           <a:xfrm flipH="1">
-            <a:off x="2711495" y="3741803"/>
-            <a:ext cx="2466876" cy="417389"/>
+            <a:off x="2331866" y="3741803"/>
+            <a:ext cx="2846506" cy="417388"/>
           </a:xfrm>
           <a:prstGeom prst="straightConnector1">
             <a:avLst/>
